--- a/docs/presentations/OBI tutorial July 2011 ICBO/eagle-i-ICBO-tutorial.pptx
+++ b/docs/presentations/OBI tutorial July 2011 ICBO/eagle-i-ICBO-tutorial.pptx
@@ -211,7 +211,7 @@
             <a:fld id="{98B3A191-87E3-594C-8716-71102D88414C}" type="datetimeFigureOut">
               <a:rPr lang="en-US" smtClean="0"/>
               <a:pPr/>
-              <a:t>7/22/11</a:t>
+              <a:t>7/25/11</a:t>
             </a:fld>
             <a:endParaRPr lang="en-US"/>
           </a:p>
@@ -2619,7 +2619,7 @@
             <a:fld id="{4C311AC2-2DB2-834A-9167-5CF8DE8EA1AF}" type="datetimeFigureOut">
               <a:rPr lang="en-US" smtClean="0"/>
               <a:pPr/>
-              <a:t>7/22/11</a:t>
+              <a:t>7/25/11</a:t>
             </a:fld>
             <a:endParaRPr lang="en-US"/>
           </a:p>
@@ -2786,7 +2786,7 @@
             <a:fld id="{4C311AC2-2DB2-834A-9167-5CF8DE8EA1AF}" type="datetimeFigureOut">
               <a:rPr lang="en-US" smtClean="0"/>
               <a:pPr/>
-              <a:t>7/22/11</a:t>
+              <a:t>7/25/11</a:t>
             </a:fld>
             <a:endParaRPr lang="en-US"/>
           </a:p>
@@ -2963,7 +2963,7 @@
             <a:fld id="{4C311AC2-2DB2-834A-9167-5CF8DE8EA1AF}" type="datetimeFigureOut">
               <a:rPr lang="en-US" smtClean="0"/>
               <a:pPr/>
-              <a:t>7/22/11</a:t>
+              <a:t>7/25/11</a:t>
             </a:fld>
             <a:endParaRPr lang="en-US"/>
           </a:p>
@@ -3130,7 +3130,7 @@
             <a:fld id="{4C311AC2-2DB2-834A-9167-5CF8DE8EA1AF}" type="datetimeFigureOut">
               <a:rPr lang="en-US" smtClean="0"/>
               <a:pPr/>
-              <a:t>7/22/11</a:t>
+              <a:t>7/25/11</a:t>
             </a:fld>
             <a:endParaRPr lang="en-US"/>
           </a:p>
@@ -3373,7 +3373,7 @@
             <a:fld id="{4C311AC2-2DB2-834A-9167-5CF8DE8EA1AF}" type="datetimeFigureOut">
               <a:rPr lang="en-US" smtClean="0"/>
               <a:pPr/>
-              <a:t>7/22/11</a:t>
+              <a:t>7/25/11</a:t>
             </a:fld>
             <a:endParaRPr lang="en-US"/>
           </a:p>
@@ -3658,7 +3658,7 @@
             <a:fld id="{4C311AC2-2DB2-834A-9167-5CF8DE8EA1AF}" type="datetimeFigureOut">
               <a:rPr lang="en-US" smtClean="0"/>
               <a:pPr/>
-              <a:t>7/22/11</a:t>
+              <a:t>7/25/11</a:t>
             </a:fld>
             <a:endParaRPr lang="en-US"/>
           </a:p>
@@ -4077,7 +4077,7 @@
             <a:fld id="{4C311AC2-2DB2-834A-9167-5CF8DE8EA1AF}" type="datetimeFigureOut">
               <a:rPr lang="en-US" smtClean="0"/>
               <a:pPr/>
-              <a:t>7/22/11</a:t>
+              <a:t>7/25/11</a:t>
             </a:fld>
             <a:endParaRPr lang="en-US"/>
           </a:p>
@@ -4192,7 +4192,7 @@
             <a:fld id="{4C311AC2-2DB2-834A-9167-5CF8DE8EA1AF}" type="datetimeFigureOut">
               <a:rPr lang="en-US" smtClean="0"/>
               <a:pPr/>
-              <a:t>7/22/11</a:t>
+              <a:t>7/25/11</a:t>
             </a:fld>
             <a:endParaRPr lang="en-US"/>
           </a:p>
@@ -4284,7 +4284,7 @@
             <a:fld id="{4C311AC2-2DB2-834A-9167-5CF8DE8EA1AF}" type="datetimeFigureOut">
               <a:rPr lang="en-US" smtClean="0"/>
               <a:pPr/>
-              <a:t>7/22/11</a:t>
+              <a:t>7/25/11</a:t>
             </a:fld>
             <a:endParaRPr lang="en-US"/>
           </a:p>
@@ -4558,7 +4558,7 @@
             <a:fld id="{4C311AC2-2DB2-834A-9167-5CF8DE8EA1AF}" type="datetimeFigureOut">
               <a:rPr lang="en-US" smtClean="0"/>
               <a:pPr/>
-              <a:t>7/22/11</a:t>
+              <a:t>7/25/11</a:t>
             </a:fld>
             <a:endParaRPr lang="en-US"/>
           </a:p>
@@ -4808,7 +4808,7 @@
             <a:fld id="{4C311AC2-2DB2-834A-9167-5CF8DE8EA1AF}" type="datetimeFigureOut">
               <a:rPr lang="en-US" smtClean="0"/>
               <a:pPr/>
-              <a:t>7/22/11</a:t>
+              <a:t>7/25/11</a:t>
             </a:fld>
             <a:endParaRPr lang="en-US"/>
           </a:p>
@@ -5018,7 +5018,7 @@
             <a:fld id="{4C311AC2-2DB2-834A-9167-5CF8DE8EA1AF}" type="datetimeFigureOut">
               <a:rPr lang="en-US" smtClean="0"/>
               <a:pPr/>
-              <a:t>7/22/11</a:t>
+              <a:t>7/25/11</a:t>
             </a:fld>
             <a:endParaRPr lang="en-US"/>
           </a:p>
@@ -5996,11 +5996,7 @@
             </a:pPr>
             <a:r>
               <a:rPr lang="en-US" dirty="0" smtClean="0"/>
-              <a:t>   </a:t>
-            </a:r>
-            <a:r>
-              <a:rPr lang="en-US" dirty="0" smtClean="0"/>
-              <a:t> Instrument hierarchy enables search across multiple axes</a:t>
+              <a:t>    Instrument hierarchy enables search across multiple axes</a:t>
             </a:r>
             <a:endParaRPr lang="en-US" dirty="0"/>
           </a:p>
@@ -7760,13 +7756,8 @@
             </a:pPr>
             <a:r>
               <a:rPr lang="en-US" dirty="0" smtClean="0"/>
-              <a:t>Contribute to define the following design pattern during 2011</a:t>
-            </a:r>
-            <a:r>
-              <a:rPr lang="en-US" dirty="0" smtClean="0"/>
-              <a:t> OBI Workshop</a:t>
-            </a:r>
-            <a:endParaRPr lang="en-US" dirty="0" smtClean="0"/>
+              <a:t>Contribute to define the following design pattern during 2011 OBI Workshop</a:t>
+            </a:r>
           </a:p>
           <a:p>
             <a:pPr lvl="1">
@@ -9140,7 +9131,7 @@
           <p:nvPr>
             <p:extLst>
               <p:ext uri="{D42A27DB-BD31-4B8C-83A1-F6EECF244321}">
-                <p14:modId xmlns:p14="http://schemas.microsoft.com/office/powerpoint/2010/main" xmlns:p="http://schemas.openxmlformats.org/presentationml/2006/main" xmlns:r="http://schemas.openxmlformats.org/officeDocument/2006/relationships" xmlns:a="http://schemas.openxmlformats.org/drawingml/2006/main" xmlns="" val="3368082906"/>
+                <p14:modId xmlns="" xmlns:a="http://schemas.openxmlformats.org/drawingml/2006/main" xmlns:r="http://schemas.openxmlformats.org/officeDocument/2006/relationships" xmlns:p="http://schemas.openxmlformats.org/presentationml/2006/main" xmlns:p14="http://schemas.microsoft.com/office/powerpoint/2010/main" xmlns:mv="urn:schemas-microsoft-com:mac:vml" xmlns:mc="http://schemas.openxmlformats.org/markup-compatibility/2006" val="3368082906"/>
               </p:ext>
             </p:extLst>
           </p:nvPr>
@@ -9776,7 +9767,7 @@
                 <a:ea typeface="ＭＳ Ｐゴシック" pitchFamily="34" charset="-128"/>
                 <a:cs typeface="Arial Bold" pitchFamily="-106" charset="0"/>
               </a:rPr>
-              <a:t>Challenges in using OBI</a:t>
+              <a:t>Lessons learned</a:t>
             </a:r>
             <a:endParaRPr lang="en-US" sz="4400" b="1" dirty="0" smtClean="0">
               <a:solidFill>
@@ -10262,7 +10253,7 @@
               <a:defRPr/>
             </a:pPr>
             <a:r>
-              <a:rPr lang="en-US" b="1" dirty="0" smtClean="0">
+              <a:rPr lang="en-US" b="1" smtClean="0">
                 <a:solidFill>
                   <a:srgbClr val="800000"/>
                 </a:solidFill>
@@ -10331,7 +10322,6 @@
               <a:rPr lang="en-US" sz="2400" dirty="0" smtClean="0"/>
               <a:t>we wanted to be interoperable with and contribute to other efforts and follow standard practices for ontology development</a:t>
             </a:r>
-            <a:endParaRPr lang="en-US" sz="2400" dirty="0" smtClean="0"/>
           </a:p>
           <a:p>
             <a:pPr>
@@ -10344,11 +10334,7 @@
             </a:r>
             <a:r>
               <a:rPr lang="en-US" dirty="0" smtClean="0"/>
-              <a:t>for</a:t>
-            </a:r>
-            <a:r>
-              <a:rPr lang="en-US" dirty="0" smtClean="0"/>
-              <a:t>:</a:t>
+              <a:t>for:</a:t>
             </a:r>
           </a:p>
           <a:p>
@@ -10378,11 +10364,7 @@
             </a:pPr>
             <a:r>
               <a:rPr lang="en-US" sz="2400" dirty="0" smtClean="0"/>
-              <a:t>Reuse and propose new design patterns</a:t>
-            </a:r>
-            <a:r>
-              <a:rPr lang="en-US" sz="2400" dirty="0" smtClean="0"/>
-              <a:t> </a:t>
+              <a:t>Reuse and propose new design patterns </a:t>
             </a:r>
             <a:endParaRPr lang="en-US" dirty="0" smtClean="0"/>
           </a:p>
@@ -11366,7 +11348,6 @@
               <a:rPr lang="en-US" sz="2400" dirty="0" smtClean="0"/>
               <a:t>Services </a:t>
             </a:r>
-            <a:endParaRPr lang="en-US" sz="2400" dirty="0" smtClean="0"/>
           </a:p>
           <a:p>
             <a:pPr lvl="1">
@@ -12046,21 +12027,7 @@
                 <a:ea typeface="ＭＳ Ｐゴシック" pitchFamily="34" charset="-128"/>
                 <a:cs typeface="Trebuchet MS"/>
               </a:rPr>
-              <a:t>reagents, protocols, techniques, instruments, expertise, organisms, software, training</a:t>
-            </a:r>
-            <a:r>
-              <a:rPr lang="en-US" i="1" dirty="0" smtClean="0">
-                <a:ea typeface="ＭＳ Ｐゴシック" pitchFamily="34" charset="-128"/>
-                <a:cs typeface="Trebuchet MS"/>
-              </a:rPr>
-              <a:t> opportunities, </a:t>
-            </a:r>
-            <a:r>
-              <a:rPr lang="en-US" i="1" dirty="0" smtClean="0">
-                <a:ea typeface="ＭＳ Ｐゴシック" pitchFamily="34" charset="-128"/>
-                <a:cs typeface="Trebuchet MS"/>
-              </a:rPr>
-              <a:t>human studies, biological specimens, etc.</a:t>
+              <a:t>reagents, protocols, techniques, instruments, expertise, organisms, software, training opportunities, human studies, biological specimens, etc.</a:t>
             </a:r>
             <a:endParaRPr lang="en-US" sz="2200" b="1" dirty="0" smtClean="0">
               <a:solidFill>
@@ -13448,13 +13415,8 @@
             <a:pPr lvl="1"/>
             <a:r>
               <a:rPr lang="en-US" dirty="0" smtClean="0"/>
-              <a:t>Ease of reuse and</a:t>
-            </a:r>
-            <a:r>
-              <a:rPr lang="en-US" dirty="0" smtClean="0"/>
-              <a:t> imports</a:t>
-            </a:r>
-            <a:endParaRPr lang="en-US" dirty="0" smtClean="0"/>
+              <a:t>Ease of reuse and imports</a:t>
+            </a:r>
           </a:p>
           <a:p>
             <a:pPr lvl="1">

--- a/docs/presentations/OBI tutorial July 2011 ICBO/eagle-i-ICBO-tutorial.pptx
+++ b/docs/presentations/OBI tutorial July 2011 ICBO/eagle-i-ICBO-tutorial.pptx
@@ -10253,7 +10253,7 @@
               <a:defRPr/>
             </a:pPr>
             <a:r>
-              <a:rPr lang="en-US" b="1" smtClean="0">
+              <a:rPr lang="en-US" b="1" dirty="0" smtClean="0">
                 <a:solidFill>
                   <a:srgbClr val="800000"/>
                 </a:solidFill>
@@ -14677,7 +14677,11 @@
             </a:r>
             <a:r>
               <a:rPr lang="en-US" i="1" dirty="0" smtClean="0"/>
-              <a:t>measurement function</a:t>
+              <a:t>measure </a:t>
+            </a:r>
+            <a:r>
+              <a:rPr lang="en-US" i="1" dirty="0" smtClean="0"/>
+              <a:t>function</a:t>
             </a:r>
             <a:r>
               <a:rPr lang="en-US" dirty="0" smtClean="0"/>

--- a/docs/presentations/OBI tutorial July 2011 ICBO/eagle-i-ICBO-tutorial.pptx
+++ b/docs/presentations/OBI tutorial July 2011 ICBO/eagle-i-ICBO-tutorial.pptx
@@ -211,7 +211,7 @@
             <a:fld id="{98B3A191-87E3-594C-8716-71102D88414C}" type="datetimeFigureOut">
               <a:rPr lang="en-US" smtClean="0"/>
               <a:pPr/>
-              <a:t>7/25/11</a:t>
+              <a:t>7/26/11</a:t>
             </a:fld>
             <a:endParaRPr lang="en-US"/>
           </a:p>
@@ -2619,7 +2619,7 @@
             <a:fld id="{4C311AC2-2DB2-834A-9167-5CF8DE8EA1AF}" type="datetimeFigureOut">
               <a:rPr lang="en-US" smtClean="0"/>
               <a:pPr/>
-              <a:t>7/25/11</a:t>
+              <a:t>7/26/11</a:t>
             </a:fld>
             <a:endParaRPr lang="en-US"/>
           </a:p>
@@ -2786,7 +2786,7 @@
             <a:fld id="{4C311AC2-2DB2-834A-9167-5CF8DE8EA1AF}" type="datetimeFigureOut">
               <a:rPr lang="en-US" smtClean="0"/>
               <a:pPr/>
-              <a:t>7/25/11</a:t>
+              <a:t>7/26/11</a:t>
             </a:fld>
             <a:endParaRPr lang="en-US"/>
           </a:p>
@@ -2963,7 +2963,7 @@
             <a:fld id="{4C311AC2-2DB2-834A-9167-5CF8DE8EA1AF}" type="datetimeFigureOut">
               <a:rPr lang="en-US" smtClean="0"/>
               <a:pPr/>
-              <a:t>7/25/11</a:t>
+              <a:t>7/26/11</a:t>
             </a:fld>
             <a:endParaRPr lang="en-US"/>
           </a:p>
@@ -3130,7 +3130,7 @@
             <a:fld id="{4C311AC2-2DB2-834A-9167-5CF8DE8EA1AF}" type="datetimeFigureOut">
               <a:rPr lang="en-US" smtClean="0"/>
               <a:pPr/>
-              <a:t>7/25/11</a:t>
+              <a:t>7/26/11</a:t>
             </a:fld>
             <a:endParaRPr lang="en-US"/>
           </a:p>
@@ -3373,7 +3373,7 @@
             <a:fld id="{4C311AC2-2DB2-834A-9167-5CF8DE8EA1AF}" type="datetimeFigureOut">
               <a:rPr lang="en-US" smtClean="0"/>
               <a:pPr/>
-              <a:t>7/25/11</a:t>
+              <a:t>7/26/11</a:t>
             </a:fld>
             <a:endParaRPr lang="en-US"/>
           </a:p>
@@ -3658,7 +3658,7 @@
             <a:fld id="{4C311AC2-2DB2-834A-9167-5CF8DE8EA1AF}" type="datetimeFigureOut">
               <a:rPr lang="en-US" smtClean="0"/>
               <a:pPr/>
-              <a:t>7/25/11</a:t>
+              <a:t>7/26/11</a:t>
             </a:fld>
             <a:endParaRPr lang="en-US"/>
           </a:p>
@@ -4077,7 +4077,7 @@
             <a:fld id="{4C311AC2-2DB2-834A-9167-5CF8DE8EA1AF}" type="datetimeFigureOut">
               <a:rPr lang="en-US" smtClean="0"/>
               <a:pPr/>
-              <a:t>7/25/11</a:t>
+              <a:t>7/26/11</a:t>
             </a:fld>
             <a:endParaRPr lang="en-US"/>
           </a:p>
@@ -4192,7 +4192,7 @@
             <a:fld id="{4C311AC2-2DB2-834A-9167-5CF8DE8EA1AF}" type="datetimeFigureOut">
               <a:rPr lang="en-US" smtClean="0"/>
               <a:pPr/>
-              <a:t>7/25/11</a:t>
+              <a:t>7/26/11</a:t>
             </a:fld>
             <a:endParaRPr lang="en-US"/>
           </a:p>
@@ -4284,7 +4284,7 @@
             <a:fld id="{4C311AC2-2DB2-834A-9167-5CF8DE8EA1AF}" type="datetimeFigureOut">
               <a:rPr lang="en-US" smtClean="0"/>
               <a:pPr/>
-              <a:t>7/25/11</a:t>
+              <a:t>7/26/11</a:t>
             </a:fld>
             <a:endParaRPr lang="en-US"/>
           </a:p>
@@ -4558,7 +4558,7 @@
             <a:fld id="{4C311AC2-2DB2-834A-9167-5CF8DE8EA1AF}" type="datetimeFigureOut">
               <a:rPr lang="en-US" smtClean="0"/>
               <a:pPr/>
-              <a:t>7/25/11</a:t>
+              <a:t>7/26/11</a:t>
             </a:fld>
             <a:endParaRPr lang="en-US"/>
           </a:p>
@@ -4808,7 +4808,7 @@
             <a:fld id="{4C311AC2-2DB2-834A-9167-5CF8DE8EA1AF}" type="datetimeFigureOut">
               <a:rPr lang="en-US" smtClean="0"/>
               <a:pPr/>
-              <a:t>7/25/11</a:t>
+              <a:t>7/26/11</a:t>
             </a:fld>
             <a:endParaRPr lang="en-US"/>
           </a:p>
@@ -5018,7 +5018,7 @@
             <a:fld id="{4C311AC2-2DB2-834A-9167-5CF8DE8EA1AF}" type="datetimeFigureOut">
               <a:rPr lang="en-US" smtClean="0"/>
               <a:pPr/>
-              <a:t>7/25/11</a:t>
+              <a:t>7/26/11</a:t>
             </a:fld>
             <a:endParaRPr lang="en-US"/>
           </a:p>
@@ -8956,7 +8956,7 @@
         </p:spPr>
         <p:txBody>
           <a:bodyPr>
-            <a:normAutofit fontScale="92500" lnSpcReduction="20000"/>
+            <a:normAutofit fontScale="85000" lnSpcReduction="20000"/>
           </a:bodyPr>
           <a:lstStyle/>
           <a:p>
@@ -9010,15 +9010,142 @@
             </a:pPr>
             <a:r>
               <a:rPr lang="en-US" dirty="0" smtClean="0"/>
-              <a:t>3) Identified additional requirements for OBI (and reference ontologies in general)</a:t>
+              <a:t>3) Identified additional requirements for OBI (and</a:t>
+            </a:r>
+            <a:r>
+              <a:rPr lang="en-US" dirty="0" smtClean="0"/>
+              <a:t> other reference </a:t>
+            </a:r>
+            <a:r>
+              <a:rPr lang="en-US" dirty="0" smtClean="0"/>
+              <a:t>ontologies in general)</a:t>
             </a:r>
           </a:p>
           <a:p>
             <a:pPr lvl="1"/>
             <a:r>
               <a:rPr lang="en-US" dirty="0" smtClean="0"/>
-              <a:t>shortcut relations</a:t>
-            </a:r>
+              <a:t>shortcut </a:t>
+            </a:r>
+            <a:r>
+              <a:rPr lang="en-US" dirty="0" smtClean="0"/>
+              <a:t>relations</a:t>
+            </a:r>
+          </a:p>
+          <a:p>
+            <a:pPr lvl="1">
+              <a:buNone/>
+            </a:pPr>
+            <a:r>
+              <a:rPr lang="en-US" dirty="0" smtClean="0"/>
+              <a:t>	‘</a:t>
+            </a:r>
+            <a:r>
+              <a:rPr lang="en-US" i="1" dirty="0" smtClean="0"/>
+              <a:t>service provider’</a:t>
+            </a:r>
+            <a:r>
+              <a:rPr lang="en-US" dirty="0" smtClean="0"/>
+              <a:t> ‘</a:t>
+            </a:r>
+            <a:r>
+              <a:rPr lang="en-US" i="1" dirty="0" err="1" smtClean="0"/>
+              <a:t>provides_service</a:t>
+            </a:r>
+            <a:r>
+              <a:rPr lang="en-US" i="1" dirty="0" smtClean="0"/>
+              <a:t>’</a:t>
+            </a:r>
+            <a:r>
+              <a:rPr lang="en-US" dirty="0" smtClean="0"/>
+              <a:t> some ‘</a:t>
+            </a:r>
+            <a:r>
+              <a:rPr lang="en-US" i="1" dirty="0" smtClean="0"/>
+              <a:t>service’</a:t>
+            </a:r>
+            <a:r>
+              <a:rPr lang="en-US" dirty="0" smtClean="0"/>
+              <a:t>)</a:t>
+            </a:r>
+            <a:r>
+              <a:rPr lang="en-US" dirty="0" smtClean="0"/>
+              <a:t> </a:t>
+            </a:r>
+          </a:p>
+          <a:p>
+            <a:pPr lvl="1">
+              <a:buNone/>
+            </a:pPr>
+            <a:r>
+              <a:rPr lang="en-US" dirty="0" smtClean="0"/>
+              <a:t>	</a:t>
+            </a:r>
+            <a:r>
+              <a:rPr lang="en-US" dirty="0" smtClean="0"/>
+              <a:t>‘</a:t>
+            </a:r>
+            <a:r>
+              <a:rPr lang="en-US" i="1" dirty="0" smtClean="0"/>
+              <a:t>service provider</a:t>
+            </a:r>
+            <a:r>
+              <a:rPr lang="en-US" i="1" dirty="0" smtClean="0"/>
+              <a:t>’: </a:t>
+            </a:r>
+            <a:r>
+              <a:rPr lang="en-US" dirty="0" smtClean="0"/>
+              <a:t>(</a:t>
+            </a:r>
+            <a:r>
+              <a:rPr lang="en-US" dirty="0" smtClean="0"/>
+              <a:t>‘</a:t>
+            </a:r>
+            <a:r>
+              <a:rPr lang="en-US" i="1" dirty="0" smtClean="0"/>
+              <a:t>organization’</a:t>
+            </a:r>
+            <a:r>
+              <a:rPr lang="en-US" dirty="0" smtClean="0"/>
+              <a:t> or </a:t>
+            </a:r>
+            <a:r>
+              <a:rPr lang="en-US" i="1" dirty="0" smtClean="0"/>
+              <a:t>‘Homo sapiens’</a:t>
+            </a:r>
+            <a:r>
+              <a:rPr lang="en-US" dirty="0" smtClean="0"/>
+              <a:t>) </a:t>
+            </a:r>
+            <a:r>
+              <a:rPr lang="en-US" i="1" dirty="0" smtClean="0"/>
+              <a:t>and</a:t>
+            </a:r>
+            <a:r>
+              <a:rPr lang="en-US" dirty="0" smtClean="0"/>
+              <a:t> (‘</a:t>
+            </a:r>
+            <a:r>
+              <a:rPr lang="en-US" i="1" dirty="0" err="1" smtClean="0"/>
+              <a:t>bearer_of</a:t>
+            </a:r>
+            <a:r>
+              <a:rPr lang="en-US" i="1" dirty="0" smtClean="0"/>
+              <a:t>’</a:t>
+            </a:r>
+            <a:r>
+              <a:rPr lang="en-US" dirty="0" smtClean="0"/>
+              <a:t> some </a:t>
+            </a:r>
+            <a:r>
+              <a:rPr lang="en-US" i="1" dirty="0" smtClean="0"/>
+              <a:t>‘service provider role’</a:t>
+            </a:r>
+            <a:r>
+              <a:rPr lang="en-US" dirty="0" smtClean="0"/>
+              <a:t>)</a:t>
+            </a:r>
+            <a:endParaRPr lang="en-US" dirty="0" smtClean="0"/>
           </a:p>
           <a:p>
             <a:pPr lvl="1"/>
@@ -9028,7 +9155,9 @@
             </a:r>
           </a:p>
           <a:p>
-            <a:pPr lvl="1"/>
+            <a:pPr lvl="1">
+              <a:buNone/>
+            </a:pPr>
             <a:endParaRPr lang="en-US" dirty="0" smtClean="0"/>
           </a:p>
           <a:p>
@@ -9131,7 +9260,7 @@
           <p:nvPr>
             <p:extLst>
               <p:ext uri="{D42A27DB-BD31-4B8C-83A1-F6EECF244321}">
-                <p14:modId xmlns="" xmlns:a="http://schemas.openxmlformats.org/drawingml/2006/main" xmlns:r="http://schemas.openxmlformats.org/officeDocument/2006/relationships" xmlns:p="http://schemas.openxmlformats.org/presentationml/2006/main" xmlns:p14="http://schemas.microsoft.com/office/powerpoint/2010/main" xmlns:mv="urn:schemas-microsoft-com:mac:vml" xmlns:mc="http://schemas.openxmlformats.org/markup-compatibility/2006" val="3368082906"/>
+                <p14:modId xmlns:mc="http://schemas.openxmlformats.org/markup-compatibility/2006" xmlns:mv="urn:schemas-microsoft-com:mac:vml" xmlns:p14="http://schemas.microsoft.com/office/powerpoint/2010/main" xmlns:p="http://schemas.openxmlformats.org/presentationml/2006/main" xmlns:r="http://schemas.openxmlformats.org/officeDocument/2006/relationships" xmlns:a="http://schemas.openxmlformats.org/drawingml/2006/main" xmlns="" val="3368082906"/>
               </p:ext>
             </p:extLst>
           </p:nvPr>
@@ -9717,7 +9846,15 @@
             </a:pPr>
             <a:r>
               <a:rPr lang="en-US" sz="2595" dirty="0" smtClean="0"/>
-              <a:t>Solution: Layered modules architecture</a:t>
+              <a:t>											</a:t>
+            </a:r>
+            <a:r>
+              <a:rPr lang="en-US" sz="2595" dirty="0" smtClean="0"/>
+              <a:t>Layered </a:t>
+            </a:r>
+            <a:r>
+              <a:rPr lang="en-US" sz="2595" dirty="0" smtClean="0"/>
+              <a:t>modules architecture</a:t>
             </a:r>
           </a:p>
           <a:p>
@@ -10424,6 +10561,13 @@
   <p:clrMapOvr>
     <a:masterClrMapping/>
   </p:clrMapOvr>
+  <p:timing>
+    <p:tnLst>
+      <p:par>
+        <p:cTn id="1" dur="indefinite" restart="never" nodeType="tmRoot"/>
+      </p:par>
+    </p:tnLst>
+  </p:timing>
 </p:sld>
 </file>
 
@@ -14677,11 +14821,7 @@
             </a:r>
             <a:r>
               <a:rPr lang="en-US" i="1" dirty="0" smtClean="0"/>
-              <a:t>measure </a:t>
-            </a:r>
-            <a:r>
-              <a:rPr lang="en-US" i="1" dirty="0" smtClean="0"/>
-              <a:t>function</a:t>
+              <a:t>measure function</a:t>
             </a:r>
             <a:r>
               <a:rPr lang="en-US" dirty="0" smtClean="0"/>

--- a/docs/presentations/OBI tutorial July 2011 ICBO/eagle-i-ICBO-tutorial.pptx
+++ b/docs/presentations/OBI tutorial July 2011 ICBO/eagle-i-ICBO-tutorial.pptx
@@ -211,7 +211,7 @@
             <a:fld id="{98B3A191-87E3-594C-8716-71102D88414C}" type="datetimeFigureOut">
               <a:rPr lang="en-US" smtClean="0"/>
               <a:pPr/>
-              <a:t>7/26/11</a:t>
+              <a:t>7/27/11</a:t>
             </a:fld>
             <a:endParaRPr lang="en-US"/>
           </a:p>
@@ -2619,7 +2619,7 @@
             <a:fld id="{4C311AC2-2DB2-834A-9167-5CF8DE8EA1AF}" type="datetimeFigureOut">
               <a:rPr lang="en-US" smtClean="0"/>
               <a:pPr/>
-              <a:t>7/26/11</a:t>
+              <a:t>7/27/11</a:t>
             </a:fld>
             <a:endParaRPr lang="en-US"/>
           </a:p>
@@ -2786,7 +2786,7 @@
             <a:fld id="{4C311AC2-2DB2-834A-9167-5CF8DE8EA1AF}" type="datetimeFigureOut">
               <a:rPr lang="en-US" smtClean="0"/>
               <a:pPr/>
-              <a:t>7/26/11</a:t>
+              <a:t>7/27/11</a:t>
             </a:fld>
             <a:endParaRPr lang="en-US"/>
           </a:p>
@@ -2963,7 +2963,7 @@
             <a:fld id="{4C311AC2-2DB2-834A-9167-5CF8DE8EA1AF}" type="datetimeFigureOut">
               <a:rPr lang="en-US" smtClean="0"/>
               <a:pPr/>
-              <a:t>7/26/11</a:t>
+              <a:t>7/27/11</a:t>
             </a:fld>
             <a:endParaRPr lang="en-US"/>
           </a:p>
@@ -3130,7 +3130,7 @@
             <a:fld id="{4C311AC2-2DB2-834A-9167-5CF8DE8EA1AF}" type="datetimeFigureOut">
               <a:rPr lang="en-US" smtClean="0"/>
               <a:pPr/>
-              <a:t>7/26/11</a:t>
+              <a:t>7/27/11</a:t>
             </a:fld>
             <a:endParaRPr lang="en-US"/>
           </a:p>
@@ -3373,7 +3373,7 @@
             <a:fld id="{4C311AC2-2DB2-834A-9167-5CF8DE8EA1AF}" type="datetimeFigureOut">
               <a:rPr lang="en-US" smtClean="0"/>
               <a:pPr/>
-              <a:t>7/26/11</a:t>
+              <a:t>7/27/11</a:t>
             </a:fld>
             <a:endParaRPr lang="en-US"/>
           </a:p>
@@ -3658,7 +3658,7 @@
             <a:fld id="{4C311AC2-2DB2-834A-9167-5CF8DE8EA1AF}" type="datetimeFigureOut">
               <a:rPr lang="en-US" smtClean="0"/>
               <a:pPr/>
-              <a:t>7/26/11</a:t>
+              <a:t>7/27/11</a:t>
             </a:fld>
             <a:endParaRPr lang="en-US"/>
           </a:p>
@@ -4077,7 +4077,7 @@
             <a:fld id="{4C311AC2-2DB2-834A-9167-5CF8DE8EA1AF}" type="datetimeFigureOut">
               <a:rPr lang="en-US" smtClean="0"/>
               <a:pPr/>
-              <a:t>7/26/11</a:t>
+              <a:t>7/27/11</a:t>
             </a:fld>
             <a:endParaRPr lang="en-US"/>
           </a:p>
@@ -4192,7 +4192,7 @@
             <a:fld id="{4C311AC2-2DB2-834A-9167-5CF8DE8EA1AF}" type="datetimeFigureOut">
               <a:rPr lang="en-US" smtClean="0"/>
               <a:pPr/>
-              <a:t>7/26/11</a:t>
+              <a:t>7/27/11</a:t>
             </a:fld>
             <a:endParaRPr lang="en-US"/>
           </a:p>
@@ -4284,7 +4284,7 @@
             <a:fld id="{4C311AC2-2DB2-834A-9167-5CF8DE8EA1AF}" type="datetimeFigureOut">
               <a:rPr lang="en-US" smtClean="0"/>
               <a:pPr/>
-              <a:t>7/26/11</a:t>
+              <a:t>7/27/11</a:t>
             </a:fld>
             <a:endParaRPr lang="en-US"/>
           </a:p>
@@ -4558,7 +4558,7 @@
             <a:fld id="{4C311AC2-2DB2-834A-9167-5CF8DE8EA1AF}" type="datetimeFigureOut">
               <a:rPr lang="en-US" smtClean="0"/>
               <a:pPr/>
-              <a:t>7/26/11</a:t>
+              <a:t>7/27/11</a:t>
             </a:fld>
             <a:endParaRPr lang="en-US"/>
           </a:p>
@@ -4808,7 +4808,7 @@
             <a:fld id="{4C311AC2-2DB2-834A-9167-5CF8DE8EA1AF}" type="datetimeFigureOut">
               <a:rPr lang="en-US" smtClean="0"/>
               <a:pPr/>
-              <a:t>7/26/11</a:t>
+              <a:t>7/27/11</a:t>
             </a:fld>
             <a:endParaRPr lang="en-US"/>
           </a:p>
@@ -5018,7 +5018,7 @@
             <a:fld id="{4C311AC2-2DB2-834A-9167-5CF8DE8EA1AF}" type="datetimeFigureOut">
               <a:rPr lang="en-US" smtClean="0"/>
               <a:pPr/>
-              <a:t>7/26/11</a:t>
+              <a:t>7/27/11</a:t>
             </a:fld>
             <a:endParaRPr lang="en-US"/>
           </a:p>
@@ -9010,26 +9010,14 @@
             </a:pPr>
             <a:r>
               <a:rPr lang="en-US" dirty="0" smtClean="0"/>
-              <a:t>3) Identified additional requirements for OBI (and</a:t>
-            </a:r>
+              <a:t>3) Identified additional requirements for OBI (and other reference ontologies in general)</a:t>
+            </a:r>
+          </a:p>
+          <a:p>
+            <a:pPr lvl="1"/>
             <a:r>
               <a:rPr lang="en-US" dirty="0" smtClean="0"/>
-              <a:t> other reference </a:t>
-            </a:r>
-            <a:r>
-              <a:rPr lang="en-US" dirty="0" smtClean="0"/>
-              <a:t>ontologies in general)</a:t>
-            </a:r>
-          </a:p>
-          <a:p>
-            <a:pPr lvl="1"/>
-            <a:r>
-              <a:rPr lang="en-US" dirty="0" smtClean="0"/>
-              <a:t>shortcut </a:t>
-            </a:r>
-            <a:r>
-              <a:rPr lang="en-US" dirty="0" smtClean="0"/>
-              <a:t>relations</a:t>
+              <a:t>shortcut relations</a:t>
             </a:r>
           </a:p>
           <a:p>
@@ -9066,40 +9054,24 @@
             </a:r>
             <a:r>
               <a:rPr lang="en-US" dirty="0" smtClean="0"/>
-              <a:t>)</a:t>
-            </a:r>
+              <a:t>) </a:t>
+            </a:r>
+          </a:p>
+          <a:p>
+            <a:pPr lvl="1">
+              <a:buNone/>
+            </a:pPr>
             <a:r>
               <a:rPr lang="en-US" dirty="0" smtClean="0"/>
-              <a:t> </a:t>
-            </a:r>
-          </a:p>
-          <a:p>
-            <a:pPr lvl="1">
-              <a:buNone/>
-            </a:pPr>
+              <a:t>	‘</a:t>
+            </a:r>
+            <a:r>
+              <a:rPr lang="en-US" i="1" dirty="0" smtClean="0"/>
+              <a:t>service provider’: </a:t>
+            </a:r>
             <a:r>
               <a:rPr lang="en-US" dirty="0" smtClean="0"/>
-              <a:t>	</a:t>
-            </a:r>
-            <a:r>
-              <a:rPr lang="en-US" dirty="0" smtClean="0"/>
-              <a:t>‘</a:t>
-            </a:r>
-            <a:r>
-              <a:rPr lang="en-US" i="1" dirty="0" smtClean="0"/>
-              <a:t>service provider</a:t>
-            </a:r>
-            <a:r>
-              <a:rPr lang="en-US" i="1" dirty="0" smtClean="0"/>
-              <a:t>’: </a:t>
-            </a:r>
-            <a:r>
-              <a:rPr lang="en-US" dirty="0" smtClean="0"/>
-              <a:t>(</a:t>
-            </a:r>
-            <a:r>
-              <a:rPr lang="en-US" dirty="0" smtClean="0"/>
-              <a:t>‘</a:t>
+              <a:t>(‘</a:t>
             </a:r>
             <a:r>
               <a:rPr lang="en-US" i="1" dirty="0" smtClean="0"/>
@@ -9145,7 +9117,6 @@
               <a:rPr lang="en-US" dirty="0" smtClean="0"/>
               <a:t>)</a:t>
             </a:r>
-            <a:endParaRPr lang="en-US" dirty="0" smtClean="0"/>
           </a:p>
           <a:p>
             <a:pPr lvl="1"/>
@@ -9260,7 +9231,7 @@
           <p:nvPr>
             <p:extLst>
               <p:ext uri="{D42A27DB-BD31-4B8C-83A1-F6EECF244321}">
-                <p14:modId xmlns:mc="http://schemas.openxmlformats.org/markup-compatibility/2006" xmlns:mv="urn:schemas-microsoft-com:mac:vml" xmlns:p14="http://schemas.microsoft.com/office/powerpoint/2010/main" xmlns:p="http://schemas.openxmlformats.org/presentationml/2006/main" xmlns:r="http://schemas.openxmlformats.org/officeDocument/2006/relationships" xmlns:a="http://schemas.openxmlformats.org/drawingml/2006/main" xmlns="" val="3368082906"/>
+                <p14:modId xmlns="" xmlns:a="http://schemas.openxmlformats.org/drawingml/2006/main" xmlns:r="http://schemas.openxmlformats.org/officeDocument/2006/relationships" xmlns:p="http://schemas.openxmlformats.org/presentationml/2006/main" xmlns:p14="http://schemas.microsoft.com/office/powerpoint/2010/main" xmlns:mv="urn:schemas-microsoft-com:mac:vml" xmlns:mc="http://schemas.openxmlformats.org/markup-compatibility/2006" val="3368082906"/>
               </p:ext>
             </p:extLst>
           </p:nvPr>
@@ -9846,15 +9817,7 @@
             </a:pPr>
             <a:r>
               <a:rPr lang="en-US" sz="2595" dirty="0" smtClean="0"/>
-              <a:t>											</a:t>
-            </a:r>
-            <a:r>
-              <a:rPr lang="en-US" sz="2595" dirty="0" smtClean="0"/>
-              <a:t>Layered </a:t>
-            </a:r>
-            <a:r>
-              <a:rPr lang="en-US" sz="2595" dirty="0" smtClean="0"/>
-              <a:t>modules architecture</a:t>
+              <a:t>											Layered modules architecture</a:t>
             </a:r>
           </a:p>
           <a:p>
@@ -11408,7 +11371,11 @@
             </a:pPr>
             <a:r>
               <a:rPr lang="en-US" dirty="0" smtClean="0"/>
-              <a:t>   </a:t>
+              <a:t>  </a:t>
+            </a:r>
+            <a:r>
+              <a:rPr lang="en-US" dirty="0" smtClean="0"/>
+              <a:t> </a:t>
             </a:r>
             <a:r>
               <a:rPr lang="en-US" b="1" dirty="0" smtClean="0"/>
@@ -11416,7 +11383,11 @@
             </a:r>
             <a:r>
               <a:rPr lang="en-US" dirty="0" smtClean="0"/>
-              <a:t>: Leverage OBI to develop an interoperable application ontology for representing research resources</a:t>
+              <a:t>: Leverage </a:t>
+            </a:r>
+            <a:r>
+              <a:rPr lang="en-US" dirty="0" smtClean="0"/>
+              <a:t>OBI to develop an interoperable application ontology for representing research resources</a:t>
             </a:r>
           </a:p>
           <a:p>

--- a/docs/presentations/OBI tutorial July 2011 ICBO/eagle-i-ICBO-tutorial.pptx
+++ b/docs/presentations/OBI tutorial July 2011 ICBO/eagle-i-ICBO-tutorial.pptx
@@ -5,28 +5,27 @@
     <p:sldMasterId id="2147483648" r:id="rId1"/>
   </p:sldMasterIdLst>
   <p:notesMasterIdLst>
-    <p:notesMasterId r:id="rId21"/>
+    <p:notesMasterId r:id="rId20"/>
   </p:notesMasterIdLst>
   <p:sldIdLst>
     <p:sldId id="256" r:id="rId2"/>
     <p:sldId id="287" r:id="rId3"/>
     <p:sldId id="293" r:id="rId4"/>
     <p:sldId id="292" r:id="rId5"/>
-    <p:sldId id="269" r:id="rId6"/>
-    <p:sldId id="271" r:id="rId7"/>
-    <p:sldId id="270" r:id="rId8"/>
-    <p:sldId id="296" r:id="rId9"/>
-    <p:sldId id="275" r:id="rId10"/>
-    <p:sldId id="286" r:id="rId11"/>
-    <p:sldId id="276" r:id="rId12"/>
-    <p:sldId id="277" r:id="rId13"/>
-    <p:sldId id="279" r:id="rId14"/>
-    <p:sldId id="281" r:id="rId15"/>
-    <p:sldId id="283" r:id="rId16"/>
-    <p:sldId id="295" r:id="rId17"/>
-    <p:sldId id="284" r:id="rId18"/>
-    <p:sldId id="265" r:id="rId19"/>
-    <p:sldId id="282" r:id="rId20"/>
+    <p:sldId id="297" r:id="rId6"/>
+    <p:sldId id="269" r:id="rId7"/>
+    <p:sldId id="271" r:id="rId8"/>
+    <p:sldId id="270" r:id="rId9"/>
+    <p:sldId id="296" r:id="rId10"/>
+    <p:sldId id="275" r:id="rId11"/>
+    <p:sldId id="286" r:id="rId12"/>
+    <p:sldId id="276" r:id="rId13"/>
+    <p:sldId id="277" r:id="rId14"/>
+    <p:sldId id="279" r:id="rId15"/>
+    <p:sldId id="281" r:id="rId16"/>
+    <p:sldId id="283" r:id="rId17"/>
+    <p:sldId id="295" r:id="rId18"/>
+    <p:sldId id="284" r:id="rId19"/>
   </p:sldIdLst>
   <p:sldSz cx="9144000" cy="6858000" type="screen4x3"/>
   <p:notesSz cx="6858000" cy="9144000"/>
@@ -771,30 +770,11 @@
           </a:bodyPr>
           <a:lstStyle/>
           <a:p>
-            <a:pPr lvl="1">
-              <a:buFontTx/>
-              <a:buChar char="-"/>
-            </a:pPr>
             <a:r>
               <a:rPr lang="en-US" dirty="0" smtClean="0"/>
-              <a:t>Set of </a:t>
-            </a:r>
-            <a:r>
-              <a:rPr lang="en-US" dirty="0" err="1" smtClean="0"/>
-              <a:t>Nif</a:t>
-            </a:r>
-            <a:r>
-              <a:rPr lang="en-US" dirty="0" smtClean="0"/>
-              <a:t> </a:t>
-            </a:r>
-            <a:r>
-              <a:rPr lang="en-US" dirty="0" err="1" smtClean="0"/>
-              <a:t>sevices</a:t>
-            </a:r>
-            <a:r>
-              <a:rPr lang="en-US" dirty="0" smtClean="0"/>
-              <a:t>: Material access Service ,</a:t>
-            </a:r>
+              <a:t>Maybe I will have just the slides with the figures</a:t>
+            </a:r>
+            <a:endParaRPr lang="en-US" baseline="0" dirty="0" smtClean="0"/>
           </a:p>
           <a:p>
             <a:endParaRPr lang="en-US" dirty="0"/>
@@ -879,99 +859,29 @@
           </a:bodyPr>
           <a:lstStyle/>
           <a:p>
-            <a:pPr marL="0" marR="0" indent="0" algn="l" defTabSz="457200" rtl="0" eaLnBrk="1" fontAlgn="auto" latinLnBrk="0" hangingPunct="1">
-              <a:lnSpc>
-                <a:spcPct val="100000"/>
-              </a:lnSpc>
-              <a:spcBef>
-                <a:spcPts val="0"/>
-              </a:spcBef>
-              <a:spcAft>
-                <a:spcPts val="0"/>
-              </a:spcAft>
-              <a:buClrTx/>
-              <a:buSzTx/>
+            <a:pPr lvl="1">
               <a:buFontTx/>
-              <a:buNone/>
-              <a:tabLst/>
-              <a:defRPr/>
-            </a:pPr>
-            <a:r>
-              <a:rPr lang="en-US" sz="1200" kern="1200" dirty="0" smtClean="0">
-                <a:solidFill>
-                  <a:schemeClr val="tx1"/>
-                </a:solidFill>
-                <a:latin typeface="+mn-lt"/>
-                <a:ea typeface="+mn-ea"/>
-                <a:cs typeface="+mn-cs"/>
-              </a:rPr>
-              <a:t>Services are typically offered by core laboratories, which perform some planned process (for example, an assay or a material production) for a customer. Like planned processes, services are also linked to entities such as protocols, instruments, specimens, reagents, and objectives. However, key features that distinguish services from the planned processes they perform are the additional processes entailed in a service (order placement, billing, etc.). In addition, services necessarily have service providers and service consumers as participants. To capture these distinctions and allow query using these search facets, a design pattern was used in which a service </a:t>
-            </a:r>
-            <a:r>
-              <a:rPr lang="en-US" sz="1200" i="1" kern="1200" dirty="0" err="1" smtClean="0">
-                <a:solidFill>
-                  <a:schemeClr val="tx1"/>
-                </a:solidFill>
-                <a:latin typeface="+mn-lt"/>
-                <a:ea typeface="+mn-ea"/>
-                <a:cs typeface="+mn-cs"/>
-              </a:rPr>
-              <a:t>has_part</a:t>
-            </a:r>
-            <a:r>
-              <a:rPr lang="en-US" sz="1200" kern="1200" dirty="0" smtClean="0">
-                <a:solidFill>
-                  <a:schemeClr val="tx1"/>
-                </a:solidFill>
-                <a:latin typeface="+mn-lt"/>
-                <a:ea typeface="+mn-ea"/>
-                <a:cs typeface="+mn-cs"/>
-              </a:rPr>
-              <a:t> some planned process and </a:t>
-            </a:r>
-            <a:r>
-              <a:rPr lang="en-US" sz="1200" i="1" kern="1200" dirty="0" smtClean="0">
-                <a:solidFill>
-                  <a:schemeClr val="tx1"/>
-                </a:solidFill>
-                <a:latin typeface="+mn-lt"/>
-                <a:ea typeface="+mn-ea"/>
-                <a:cs typeface="+mn-cs"/>
-              </a:rPr>
-              <a:t>realizes</a:t>
-            </a:r>
-            <a:r>
-              <a:rPr lang="en-US" sz="1200" kern="1200" dirty="0" smtClean="0">
-                <a:solidFill>
-                  <a:schemeClr val="tx1"/>
-                </a:solidFill>
-                <a:latin typeface="+mn-lt"/>
-                <a:ea typeface="+mn-ea"/>
-                <a:cs typeface="+mn-cs"/>
-              </a:rPr>
-              <a:t> some ‘service consumer role’ and ‘service provider role’ which </a:t>
-            </a:r>
-            <a:r>
-              <a:rPr lang="en-US" sz="1200" i="1" kern="1200" dirty="0" err="1" smtClean="0">
-                <a:solidFill>
-                  <a:schemeClr val="tx1"/>
-                </a:solidFill>
-                <a:latin typeface="+mn-lt"/>
-                <a:ea typeface="+mn-ea"/>
-                <a:cs typeface="+mn-cs"/>
-              </a:rPr>
-              <a:t>inheres_in</a:t>
-            </a:r>
-            <a:r>
-              <a:rPr lang="en-US" sz="1200" kern="1200" dirty="0" smtClean="0">
-                <a:solidFill>
-                  <a:schemeClr val="tx1"/>
-                </a:solidFill>
-                <a:latin typeface="+mn-lt"/>
-                <a:ea typeface="+mn-ea"/>
-                <a:cs typeface="+mn-cs"/>
-              </a:rPr>
-              <a:t> a person or organization.</a:t>
+              <a:buChar char="-"/>
+            </a:pPr>
+            <a:r>
+              <a:rPr lang="en-US" dirty="0" smtClean="0"/>
+              <a:t>Set of </a:t>
+            </a:r>
+            <a:r>
+              <a:rPr lang="en-US" dirty="0" err="1" smtClean="0"/>
+              <a:t>Nif</a:t>
+            </a:r>
+            <a:r>
+              <a:rPr lang="en-US" dirty="0" smtClean="0"/>
+              <a:t> </a:t>
+            </a:r>
+            <a:r>
+              <a:rPr lang="en-US" dirty="0" err="1" smtClean="0"/>
+              <a:t>sevices</a:t>
+            </a:r>
+            <a:r>
+              <a:rPr lang="en-US" dirty="0" smtClean="0"/>
+              <a:t>: Material access Service ,</a:t>
             </a:r>
           </a:p>
           <a:p>
@@ -1057,14 +967,102 @@
           </a:bodyPr>
           <a:lstStyle/>
           <a:p>
-            <a:r>
-              <a:rPr lang="en-US" dirty="0" smtClean="0"/>
-              <a:t>Yet to be full</a:t>
-            </a:r>
-            <a:r>
-              <a:rPr lang="en-US" baseline="0" dirty="0" smtClean="0"/>
-              <a:t>y implemented in OBI but it will be soon.</a:t>
-            </a:r>
+            <a:pPr marL="0" marR="0" indent="0" algn="l" defTabSz="457200" rtl="0" eaLnBrk="1" fontAlgn="auto" latinLnBrk="0" hangingPunct="1">
+              <a:lnSpc>
+                <a:spcPct val="100000"/>
+              </a:lnSpc>
+              <a:spcBef>
+                <a:spcPts val="0"/>
+              </a:spcBef>
+              <a:spcAft>
+                <a:spcPts val="0"/>
+              </a:spcAft>
+              <a:buClrTx/>
+              <a:buSzTx/>
+              <a:buFontTx/>
+              <a:buNone/>
+              <a:tabLst/>
+              <a:defRPr/>
+            </a:pPr>
+            <a:r>
+              <a:rPr lang="en-US" sz="1200" kern="1200" dirty="0" smtClean="0">
+                <a:solidFill>
+                  <a:schemeClr val="tx1"/>
+                </a:solidFill>
+                <a:latin typeface="+mn-lt"/>
+                <a:ea typeface="+mn-ea"/>
+                <a:cs typeface="+mn-cs"/>
+              </a:rPr>
+              <a:t>Services are typically offered by core laboratories, which perform some planned process (for example, an assay or a material production) for a customer. Like planned processes, services are also linked to entities such as protocols, instruments, specimens, reagents, and objectives. However, key features that distinguish services from the planned processes they perform are the additional processes entailed in a service (order placement, billing, etc.). In addition, services necessarily have service providers and service consumers as participants. To capture these distinctions and allow query using these search facets, a design pattern was used in which a service </a:t>
+            </a:r>
+            <a:r>
+              <a:rPr lang="en-US" sz="1200" i="1" kern="1200" dirty="0" err="1" smtClean="0">
+                <a:solidFill>
+                  <a:schemeClr val="tx1"/>
+                </a:solidFill>
+                <a:latin typeface="+mn-lt"/>
+                <a:ea typeface="+mn-ea"/>
+                <a:cs typeface="+mn-cs"/>
+              </a:rPr>
+              <a:t>has_part</a:t>
+            </a:r>
+            <a:r>
+              <a:rPr lang="en-US" sz="1200" kern="1200" dirty="0" smtClean="0">
+                <a:solidFill>
+                  <a:schemeClr val="tx1"/>
+                </a:solidFill>
+                <a:latin typeface="+mn-lt"/>
+                <a:ea typeface="+mn-ea"/>
+                <a:cs typeface="+mn-cs"/>
+              </a:rPr>
+              <a:t> some planned process and </a:t>
+            </a:r>
+            <a:r>
+              <a:rPr lang="en-US" sz="1200" i="1" kern="1200" dirty="0" smtClean="0">
+                <a:solidFill>
+                  <a:schemeClr val="tx1"/>
+                </a:solidFill>
+                <a:latin typeface="+mn-lt"/>
+                <a:ea typeface="+mn-ea"/>
+                <a:cs typeface="+mn-cs"/>
+              </a:rPr>
+              <a:t>realizes</a:t>
+            </a:r>
+            <a:r>
+              <a:rPr lang="en-US" sz="1200" kern="1200" dirty="0" smtClean="0">
+                <a:solidFill>
+                  <a:schemeClr val="tx1"/>
+                </a:solidFill>
+                <a:latin typeface="+mn-lt"/>
+                <a:ea typeface="+mn-ea"/>
+                <a:cs typeface="+mn-cs"/>
+              </a:rPr>
+              <a:t> some ‘service consumer role’ and ‘service provider role’ which </a:t>
+            </a:r>
+            <a:r>
+              <a:rPr lang="en-US" sz="1200" i="1" kern="1200" dirty="0" err="1" smtClean="0">
+                <a:solidFill>
+                  <a:schemeClr val="tx1"/>
+                </a:solidFill>
+                <a:latin typeface="+mn-lt"/>
+                <a:ea typeface="+mn-ea"/>
+                <a:cs typeface="+mn-cs"/>
+              </a:rPr>
+              <a:t>inheres_in</a:t>
+            </a:r>
+            <a:r>
+              <a:rPr lang="en-US" sz="1200" kern="1200" dirty="0" smtClean="0">
+                <a:solidFill>
+                  <a:schemeClr val="tx1"/>
+                </a:solidFill>
+                <a:latin typeface="+mn-lt"/>
+                <a:ea typeface="+mn-ea"/>
+                <a:cs typeface="+mn-cs"/>
+              </a:rPr>
+              <a:t> a person or organization.</a:t>
+            </a:r>
+          </a:p>
+          <a:p>
             <a:endParaRPr lang="en-US" dirty="0"/>
           </a:p>
         </p:txBody>
@@ -1148,235 +1146,12 @@
           <a:lstStyle/>
           <a:p>
             <a:r>
-              <a:rPr lang="en-US" sz="1200" kern="1200" dirty="0" smtClean="0">
-                <a:solidFill>
-                  <a:schemeClr val="tx1"/>
-                </a:solidFill>
-                <a:latin typeface="+mn-lt"/>
-                <a:ea typeface="+mn-ea"/>
-                <a:cs typeface="+mn-cs"/>
-              </a:rPr>
-              <a:t>The UI Annotations file replaces this complex statement with a single property linking a service to its provider (‘</a:t>
-            </a:r>
-            <a:r>
-              <a:rPr lang="en-US" sz="1200" i="1" kern="1200" dirty="0" smtClean="0">
-                <a:solidFill>
-                  <a:schemeClr val="tx1"/>
-                </a:solidFill>
-                <a:latin typeface="+mn-lt"/>
-                <a:ea typeface="+mn-ea"/>
-                <a:cs typeface="+mn-cs"/>
-              </a:rPr>
-              <a:t>service provider’</a:t>
-            </a:r>
-            <a:r>
-              <a:rPr lang="en-US" sz="1200" kern="1200" dirty="0" smtClean="0">
-                <a:solidFill>
-                  <a:schemeClr val="tx1"/>
-                </a:solidFill>
-                <a:latin typeface="+mn-lt"/>
-                <a:ea typeface="+mn-ea"/>
-                <a:cs typeface="+mn-cs"/>
-              </a:rPr>
-              <a:t> ‘</a:t>
-            </a:r>
-            <a:r>
-              <a:rPr lang="en-US" sz="1200" i="1" kern="1200" dirty="0" err="1" smtClean="0">
-                <a:solidFill>
-                  <a:schemeClr val="tx1"/>
-                </a:solidFill>
-                <a:latin typeface="+mn-lt"/>
-                <a:ea typeface="+mn-ea"/>
-                <a:cs typeface="+mn-cs"/>
-              </a:rPr>
-              <a:t>provides_service</a:t>
-            </a:r>
-            <a:r>
-              <a:rPr lang="en-US" sz="1200" i="1" kern="1200" dirty="0" smtClean="0">
-                <a:solidFill>
-                  <a:schemeClr val="tx1"/>
-                </a:solidFill>
-                <a:latin typeface="+mn-lt"/>
-                <a:ea typeface="+mn-ea"/>
-                <a:cs typeface="+mn-cs"/>
-              </a:rPr>
-              <a:t>’</a:t>
-            </a:r>
-            <a:r>
-              <a:rPr lang="en-US" sz="1200" kern="1200" dirty="0" smtClean="0">
-                <a:solidFill>
-                  <a:schemeClr val="tx1"/>
-                </a:solidFill>
-                <a:latin typeface="+mn-lt"/>
-                <a:ea typeface="+mn-ea"/>
-                <a:cs typeface="+mn-cs"/>
-              </a:rPr>
-              <a:t> some ‘</a:t>
-            </a:r>
-            <a:r>
-              <a:rPr lang="en-US" sz="1200" i="1" kern="1200" dirty="0" smtClean="0">
-                <a:solidFill>
-                  <a:schemeClr val="tx1"/>
-                </a:solidFill>
-                <a:latin typeface="+mn-lt"/>
-                <a:ea typeface="+mn-ea"/>
-                <a:cs typeface="+mn-cs"/>
-              </a:rPr>
-              <a:t>service’</a:t>
-            </a:r>
-            <a:r>
-              <a:rPr lang="en-US" sz="1200" kern="1200" dirty="0" smtClean="0">
-                <a:solidFill>
-                  <a:schemeClr val="tx1"/>
-                </a:solidFill>
-                <a:latin typeface="+mn-lt"/>
-                <a:ea typeface="+mn-ea"/>
-                <a:cs typeface="+mn-cs"/>
-              </a:rPr>
-              <a:t>) where ‘</a:t>
-            </a:r>
-            <a:r>
-              <a:rPr lang="en-US" sz="1200" i="1" kern="1200" dirty="0" smtClean="0">
-                <a:solidFill>
-                  <a:schemeClr val="tx1"/>
-                </a:solidFill>
-                <a:latin typeface="+mn-lt"/>
-                <a:ea typeface="+mn-ea"/>
-                <a:cs typeface="+mn-cs"/>
-              </a:rPr>
-              <a:t>service provider’ </a:t>
-            </a:r>
-            <a:r>
-              <a:rPr lang="en-US" sz="1200" kern="1200" dirty="0" smtClean="0">
-                <a:solidFill>
-                  <a:schemeClr val="tx1"/>
-                </a:solidFill>
-                <a:latin typeface="+mn-lt"/>
-                <a:ea typeface="+mn-ea"/>
-                <a:cs typeface="+mn-cs"/>
-              </a:rPr>
-              <a:t>is defined as follows: [(‘</a:t>
-            </a:r>
-            <a:r>
-              <a:rPr lang="en-US" sz="1200" i="1" kern="1200" dirty="0" smtClean="0">
-                <a:solidFill>
-                  <a:schemeClr val="tx1"/>
-                </a:solidFill>
-                <a:latin typeface="+mn-lt"/>
-                <a:ea typeface="+mn-ea"/>
-                <a:cs typeface="+mn-cs"/>
-              </a:rPr>
-              <a:t>organization’</a:t>
-            </a:r>
-            <a:r>
-              <a:rPr lang="en-US" sz="1200" kern="1200" dirty="0" smtClean="0">
-                <a:solidFill>
-                  <a:schemeClr val="tx1"/>
-                </a:solidFill>
-                <a:latin typeface="+mn-lt"/>
-                <a:ea typeface="+mn-ea"/>
-                <a:cs typeface="+mn-cs"/>
-              </a:rPr>
-              <a:t> or </a:t>
-            </a:r>
-            <a:r>
-              <a:rPr lang="en-US" sz="1200" i="1" kern="1200" dirty="0" smtClean="0">
-                <a:solidFill>
-                  <a:schemeClr val="tx1"/>
-                </a:solidFill>
-                <a:latin typeface="+mn-lt"/>
-                <a:ea typeface="+mn-ea"/>
-                <a:cs typeface="+mn-cs"/>
-              </a:rPr>
-              <a:t>‘Homo sapiens’</a:t>
-            </a:r>
-            <a:r>
-              <a:rPr lang="en-US" sz="1200" kern="1200" dirty="0" smtClean="0">
-                <a:solidFill>
-                  <a:schemeClr val="tx1"/>
-                </a:solidFill>
-                <a:latin typeface="+mn-lt"/>
-                <a:ea typeface="+mn-ea"/>
-                <a:cs typeface="+mn-cs"/>
-              </a:rPr>
-              <a:t>) </a:t>
-            </a:r>
-            <a:r>
-              <a:rPr lang="en-US" sz="1200" i="1" kern="1200" dirty="0" smtClean="0">
-                <a:solidFill>
-                  <a:schemeClr val="tx1"/>
-                </a:solidFill>
-                <a:latin typeface="+mn-lt"/>
-                <a:ea typeface="+mn-ea"/>
-                <a:cs typeface="+mn-cs"/>
-              </a:rPr>
-              <a:t>and</a:t>
-            </a:r>
-            <a:r>
-              <a:rPr lang="en-US" sz="1200" kern="1200" dirty="0" smtClean="0">
-                <a:solidFill>
-                  <a:schemeClr val="tx1"/>
-                </a:solidFill>
-                <a:latin typeface="+mn-lt"/>
-                <a:ea typeface="+mn-ea"/>
-                <a:cs typeface="+mn-cs"/>
-              </a:rPr>
-              <a:t> (‘</a:t>
-            </a:r>
-            <a:r>
-              <a:rPr lang="en-US" sz="1200" i="1" kern="1200" dirty="0" err="1" smtClean="0">
-                <a:solidFill>
-                  <a:schemeClr val="tx1"/>
-                </a:solidFill>
-                <a:latin typeface="+mn-lt"/>
-                <a:ea typeface="+mn-ea"/>
-                <a:cs typeface="+mn-cs"/>
-              </a:rPr>
-              <a:t>bearer_of</a:t>
-            </a:r>
-            <a:r>
-              <a:rPr lang="en-US" sz="1200" i="1" kern="1200" dirty="0" smtClean="0">
-                <a:solidFill>
-                  <a:schemeClr val="tx1"/>
-                </a:solidFill>
-                <a:latin typeface="+mn-lt"/>
-                <a:ea typeface="+mn-ea"/>
-                <a:cs typeface="+mn-cs"/>
-              </a:rPr>
-              <a:t>’</a:t>
-            </a:r>
-            <a:r>
-              <a:rPr lang="en-US" sz="1200" kern="1200" dirty="0" smtClean="0">
-                <a:solidFill>
-                  <a:schemeClr val="tx1"/>
-                </a:solidFill>
-                <a:latin typeface="+mn-lt"/>
-                <a:ea typeface="+mn-ea"/>
-                <a:cs typeface="+mn-cs"/>
-              </a:rPr>
-              <a:t> some </a:t>
-            </a:r>
-            <a:r>
-              <a:rPr lang="en-US" sz="1200" i="1" kern="1200" dirty="0" smtClean="0">
-                <a:solidFill>
-                  <a:schemeClr val="tx1"/>
-                </a:solidFill>
-                <a:latin typeface="+mn-lt"/>
-                <a:ea typeface="+mn-ea"/>
-                <a:cs typeface="+mn-cs"/>
-              </a:rPr>
-              <a:t>‘service provider role’</a:t>
-            </a:r>
-            <a:r>
-              <a:rPr lang="en-US" sz="1200" kern="1200" dirty="0" smtClean="0">
-                <a:solidFill>
-                  <a:schemeClr val="tx1"/>
-                </a:solidFill>
-                <a:latin typeface="+mn-lt"/>
-                <a:ea typeface="+mn-ea"/>
-                <a:cs typeface="+mn-cs"/>
-              </a:rPr>
-              <a:t>)]. </a:t>
+              <a:rPr lang="en-US" dirty="0" smtClean="0"/>
+              <a:t>Yet to be full</a:t>
+            </a:r>
+            <a:r>
+              <a:rPr lang="en-US" baseline="0" dirty="0" smtClean="0"/>
+              <a:t>y implemented in OBI but it will be soon.</a:t>
             </a:r>
             <a:endParaRPr lang="en-US" dirty="0"/>
           </a:p>
@@ -1460,32 +1235,238 @@
           </a:bodyPr>
           <a:lstStyle/>
           <a:p>
-            <a:pPr lvl="1">
-              <a:buNone/>
-            </a:pPr>
-            <a:r>
-              <a:rPr lang="en-US" dirty="0" smtClean="0"/>
-              <a:t>There are more general challenges</a:t>
-            </a:r>
-            <a:r>
-              <a:rPr lang="en-US" baseline="0" dirty="0" smtClean="0"/>
-              <a:t> in reusing existing </a:t>
-            </a:r>
-            <a:r>
-              <a:rPr lang="en-US" baseline="0" dirty="0" err="1" smtClean="0"/>
-              <a:t>ontologies</a:t>
-            </a:r>
-            <a:r>
-              <a:rPr lang="en-US" baseline="0" dirty="0" smtClean="0"/>
-              <a:t> for driving an application but they also apply to OBI</a:t>
-            </a:r>
-            <a:endParaRPr lang="en-US" dirty="0" smtClean="0"/>
-          </a:p>
-          <a:p>
-            <a:pPr lvl="1">
-              <a:buNone/>
-            </a:pPr>
-            <a:endParaRPr lang="en-US" dirty="0" smtClean="0"/>
+            <a:r>
+              <a:rPr lang="en-US" sz="1200" kern="1200" dirty="0" smtClean="0">
+                <a:solidFill>
+                  <a:schemeClr val="tx1"/>
+                </a:solidFill>
+                <a:latin typeface="+mn-lt"/>
+                <a:ea typeface="+mn-ea"/>
+                <a:cs typeface="+mn-cs"/>
+              </a:rPr>
+              <a:t>The UI Annotations file replaces this complex statement with a single property linking a service to its provider (‘</a:t>
+            </a:r>
+            <a:r>
+              <a:rPr lang="en-US" sz="1200" i="1" kern="1200" dirty="0" smtClean="0">
+                <a:solidFill>
+                  <a:schemeClr val="tx1"/>
+                </a:solidFill>
+                <a:latin typeface="+mn-lt"/>
+                <a:ea typeface="+mn-ea"/>
+                <a:cs typeface="+mn-cs"/>
+              </a:rPr>
+              <a:t>service provider’</a:t>
+            </a:r>
+            <a:r>
+              <a:rPr lang="en-US" sz="1200" kern="1200" dirty="0" smtClean="0">
+                <a:solidFill>
+                  <a:schemeClr val="tx1"/>
+                </a:solidFill>
+                <a:latin typeface="+mn-lt"/>
+                <a:ea typeface="+mn-ea"/>
+                <a:cs typeface="+mn-cs"/>
+              </a:rPr>
+              <a:t> ‘</a:t>
+            </a:r>
+            <a:r>
+              <a:rPr lang="en-US" sz="1200" i="1" kern="1200" dirty="0" err="1" smtClean="0">
+                <a:solidFill>
+                  <a:schemeClr val="tx1"/>
+                </a:solidFill>
+                <a:latin typeface="+mn-lt"/>
+                <a:ea typeface="+mn-ea"/>
+                <a:cs typeface="+mn-cs"/>
+              </a:rPr>
+              <a:t>provides_service</a:t>
+            </a:r>
+            <a:r>
+              <a:rPr lang="en-US" sz="1200" i="1" kern="1200" dirty="0" smtClean="0">
+                <a:solidFill>
+                  <a:schemeClr val="tx1"/>
+                </a:solidFill>
+                <a:latin typeface="+mn-lt"/>
+                <a:ea typeface="+mn-ea"/>
+                <a:cs typeface="+mn-cs"/>
+              </a:rPr>
+              <a:t>’</a:t>
+            </a:r>
+            <a:r>
+              <a:rPr lang="en-US" sz="1200" kern="1200" dirty="0" smtClean="0">
+                <a:solidFill>
+                  <a:schemeClr val="tx1"/>
+                </a:solidFill>
+                <a:latin typeface="+mn-lt"/>
+                <a:ea typeface="+mn-ea"/>
+                <a:cs typeface="+mn-cs"/>
+              </a:rPr>
+              <a:t> some ‘</a:t>
+            </a:r>
+            <a:r>
+              <a:rPr lang="en-US" sz="1200" i="1" kern="1200" dirty="0" smtClean="0">
+                <a:solidFill>
+                  <a:schemeClr val="tx1"/>
+                </a:solidFill>
+                <a:latin typeface="+mn-lt"/>
+                <a:ea typeface="+mn-ea"/>
+                <a:cs typeface="+mn-cs"/>
+              </a:rPr>
+              <a:t>service’</a:t>
+            </a:r>
+            <a:r>
+              <a:rPr lang="en-US" sz="1200" kern="1200" dirty="0" smtClean="0">
+                <a:solidFill>
+                  <a:schemeClr val="tx1"/>
+                </a:solidFill>
+                <a:latin typeface="+mn-lt"/>
+                <a:ea typeface="+mn-ea"/>
+                <a:cs typeface="+mn-cs"/>
+              </a:rPr>
+              <a:t>) where ‘</a:t>
+            </a:r>
+            <a:r>
+              <a:rPr lang="en-US" sz="1200" i="1" kern="1200" dirty="0" smtClean="0">
+                <a:solidFill>
+                  <a:schemeClr val="tx1"/>
+                </a:solidFill>
+                <a:latin typeface="+mn-lt"/>
+                <a:ea typeface="+mn-ea"/>
+                <a:cs typeface="+mn-cs"/>
+              </a:rPr>
+              <a:t>service provider’ </a:t>
+            </a:r>
+            <a:r>
+              <a:rPr lang="en-US" sz="1200" kern="1200" dirty="0" smtClean="0">
+                <a:solidFill>
+                  <a:schemeClr val="tx1"/>
+                </a:solidFill>
+                <a:latin typeface="+mn-lt"/>
+                <a:ea typeface="+mn-ea"/>
+                <a:cs typeface="+mn-cs"/>
+              </a:rPr>
+              <a:t>is defined as follows: [(‘</a:t>
+            </a:r>
+            <a:r>
+              <a:rPr lang="en-US" sz="1200" i="1" kern="1200" dirty="0" smtClean="0">
+                <a:solidFill>
+                  <a:schemeClr val="tx1"/>
+                </a:solidFill>
+                <a:latin typeface="+mn-lt"/>
+                <a:ea typeface="+mn-ea"/>
+                <a:cs typeface="+mn-cs"/>
+              </a:rPr>
+              <a:t>organization’</a:t>
+            </a:r>
+            <a:r>
+              <a:rPr lang="en-US" sz="1200" kern="1200" dirty="0" smtClean="0">
+                <a:solidFill>
+                  <a:schemeClr val="tx1"/>
+                </a:solidFill>
+                <a:latin typeface="+mn-lt"/>
+                <a:ea typeface="+mn-ea"/>
+                <a:cs typeface="+mn-cs"/>
+              </a:rPr>
+              <a:t> or </a:t>
+            </a:r>
+            <a:r>
+              <a:rPr lang="en-US" sz="1200" i="1" kern="1200" dirty="0" smtClean="0">
+                <a:solidFill>
+                  <a:schemeClr val="tx1"/>
+                </a:solidFill>
+                <a:latin typeface="+mn-lt"/>
+                <a:ea typeface="+mn-ea"/>
+                <a:cs typeface="+mn-cs"/>
+              </a:rPr>
+              <a:t>‘Homo sapiens’</a:t>
+            </a:r>
+            <a:r>
+              <a:rPr lang="en-US" sz="1200" kern="1200" dirty="0" smtClean="0">
+                <a:solidFill>
+                  <a:schemeClr val="tx1"/>
+                </a:solidFill>
+                <a:latin typeface="+mn-lt"/>
+                <a:ea typeface="+mn-ea"/>
+                <a:cs typeface="+mn-cs"/>
+              </a:rPr>
+              <a:t>) </a:t>
+            </a:r>
+            <a:r>
+              <a:rPr lang="en-US" sz="1200" i="1" kern="1200" dirty="0" smtClean="0">
+                <a:solidFill>
+                  <a:schemeClr val="tx1"/>
+                </a:solidFill>
+                <a:latin typeface="+mn-lt"/>
+                <a:ea typeface="+mn-ea"/>
+                <a:cs typeface="+mn-cs"/>
+              </a:rPr>
+              <a:t>and</a:t>
+            </a:r>
+            <a:r>
+              <a:rPr lang="en-US" sz="1200" kern="1200" dirty="0" smtClean="0">
+                <a:solidFill>
+                  <a:schemeClr val="tx1"/>
+                </a:solidFill>
+                <a:latin typeface="+mn-lt"/>
+                <a:ea typeface="+mn-ea"/>
+                <a:cs typeface="+mn-cs"/>
+              </a:rPr>
+              <a:t> (‘</a:t>
+            </a:r>
+            <a:r>
+              <a:rPr lang="en-US" sz="1200" i="1" kern="1200" dirty="0" err="1" smtClean="0">
+                <a:solidFill>
+                  <a:schemeClr val="tx1"/>
+                </a:solidFill>
+                <a:latin typeface="+mn-lt"/>
+                <a:ea typeface="+mn-ea"/>
+                <a:cs typeface="+mn-cs"/>
+              </a:rPr>
+              <a:t>bearer_of</a:t>
+            </a:r>
+            <a:r>
+              <a:rPr lang="en-US" sz="1200" i="1" kern="1200" dirty="0" smtClean="0">
+                <a:solidFill>
+                  <a:schemeClr val="tx1"/>
+                </a:solidFill>
+                <a:latin typeface="+mn-lt"/>
+                <a:ea typeface="+mn-ea"/>
+                <a:cs typeface="+mn-cs"/>
+              </a:rPr>
+              <a:t>’</a:t>
+            </a:r>
+            <a:r>
+              <a:rPr lang="en-US" sz="1200" kern="1200" dirty="0" smtClean="0">
+                <a:solidFill>
+                  <a:schemeClr val="tx1"/>
+                </a:solidFill>
+                <a:latin typeface="+mn-lt"/>
+                <a:ea typeface="+mn-ea"/>
+                <a:cs typeface="+mn-cs"/>
+              </a:rPr>
+              <a:t> some </a:t>
+            </a:r>
+            <a:r>
+              <a:rPr lang="en-US" sz="1200" i="1" kern="1200" dirty="0" smtClean="0">
+                <a:solidFill>
+                  <a:schemeClr val="tx1"/>
+                </a:solidFill>
+                <a:latin typeface="+mn-lt"/>
+                <a:ea typeface="+mn-ea"/>
+                <a:cs typeface="+mn-cs"/>
+              </a:rPr>
+              <a:t>‘service provider role’</a:t>
+            </a:r>
+            <a:r>
+              <a:rPr lang="en-US" sz="1200" kern="1200" dirty="0" smtClean="0">
+                <a:solidFill>
+                  <a:schemeClr val="tx1"/>
+                </a:solidFill>
+                <a:latin typeface="+mn-lt"/>
+                <a:ea typeface="+mn-ea"/>
+                <a:cs typeface="+mn-cs"/>
+              </a:rPr>
+              <a:t>)]. </a:t>
+            </a:r>
+            <a:endParaRPr lang="en-US" dirty="0"/>
           </a:p>
         </p:txBody>
       </p:sp>
@@ -1567,19 +1548,32 @@
           </a:bodyPr>
           <a:lstStyle/>
           <a:p>
+            <a:pPr lvl="1">
+              <a:buNone/>
+            </a:pPr>
             <a:r>
               <a:rPr lang="en-US" dirty="0" smtClean="0"/>
-              <a:t>because sometimes you want complexity and sometime</a:t>
+              <a:t>There are more general challenges</a:t>
             </a:r>
             <a:r>
               <a:rPr lang="en-US" baseline="0" dirty="0" smtClean="0"/>
-              <a:t> </a:t>
-            </a:r>
-            <a:r>
-              <a:rPr lang="en-US" dirty="0" smtClean="0"/>
-              <a:t>you don’t but you want to go things right</a:t>
-            </a:r>
-            <a:endParaRPr lang="en-US" dirty="0"/>
+              <a:t> in reusing existing </a:t>
+            </a:r>
+            <a:r>
+              <a:rPr lang="en-US" baseline="0" dirty="0" err="1" smtClean="0"/>
+              <a:t>ontologies</a:t>
+            </a:r>
+            <a:r>
+              <a:rPr lang="en-US" baseline="0" dirty="0" smtClean="0"/>
+              <a:t> for driving an application but they also apply to OBI</a:t>
+            </a:r>
+            <a:endParaRPr lang="en-US" dirty="0" smtClean="0"/>
+          </a:p>
+          <a:p>
+            <a:pPr lvl="1">
+              <a:buNone/>
+            </a:pPr>
+            <a:endParaRPr lang="en-US" dirty="0" smtClean="0"/>
           </a:p>
         </p:txBody>
       </p:sp>
@@ -1663,11 +1657,16 @@
           <a:p>
             <a:r>
               <a:rPr lang="en-US" dirty="0" smtClean="0"/>
-              <a:t>Shall we say that we will have a possible different asserted hierarchy in eagle-?Maybe just mention that.</a:t>
-            </a:r>
-            <a:endParaRPr lang="en-US" baseline="0" dirty="0" smtClean="0"/>
-          </a:p>
-          <a:p>
+              <a:t>because sometimes you want complexity and sometime</a:t>
+            </a:r>
+            <a:r>
+              <a:rPr lang="en-US" baseline="0" dirty="0" smtClean="0"/>
+              <a:t> </a:t>
+            </a:r>
+            <a:r>
+              <a:rPr lang="en-US" dirty="0" smtClean="0"/>
+              <a:t>you don’t but you want to go things right</a:t>
+            </a:r>
             <a:endParaRPr lang="en-US" dirty="0"/>
           </a:p>
         </p:txBody>
@@ -1690,7 +1689,7 @@
             <a:fld id="{05DCAFAB-C1B6-8F43-AF9F-90086CE1BACC}" type="slidenum">
               <a:rPr lang="en-US" smtClean="0"/>
               <a:pPr/>
-              <a:t>19</a:t>
+              <a:t>18</a:t>
             </a:fld>
             <a:endParaRPr lang="en-US"/>
           </a:p>
@@ -2038,6 +2037,403 @@
           </a:bodyPr>
           <a:lstStyle/>
           <a:p>
+            <a:pPr marL="0" marR="0" indent="0" algn="l" defTabSz="457200" rtl="0" eaLnBrk="1" fontAlgn="auto" latinLnBrk="0" hangingPunct="1">
+              <a:lnSpc>
+                <a:spcPct val="100000"/>
+              </a:lnSpc>
+              <a:spcBef>
+                <a:spcPts val="0"/>
+              </a:spcBef>
+              <a:spcAft>
+                <a:spcPts val="0"/>
+              </a:spcAft>
+              <a:buClrTx/>
+              <a:buSzTx/>
+              <a:buFontTx/>
+              <a:buNone/>
+              <a:tabLst/>
+              <a:defRPr/>
+            </a:pPr>
+            <a:r>
+              <a:rPr lang="en-US" sz="1200" kern="1200" dirty="0" smtClean="0">
+                <a:solidFill>
+                  <a:schemeClr val="tx1"/>
+                </a:solidFill>
+                <a:latin typeface="+mn-lt"/>
+                <a:ea typeface="+mn-ea"/>
+                <a:cs typeface="+mn-cs"/>
+              </a:rPr>
+              <a:t>Application specific annotation in actions: Shown is an example of a ‘</a:t>
+            </a:r>
+            <a:r>
+              <a:rPr lang="en-US" sz="1200" i="1" kern="1200" dirty="0" smtClean="0">
+                <a:solidFill>
+                  <a:schemeClr val="tx1"/>
+                </a:solidFill>
+                <a:latin typeface="+mn-lt"/>
+                <a:ea typeface="+mn-ea"/>
+                <a:cs typeface="+mn-cs"/>
+              </a:rPr>
+              <a:t>plasmid’</a:t>
+            </a:r>
+            <a:r>
+              <a:rPr lang="en-US" sz="1200" kern="1200" dirty="0" smtClean="0">
+                <a:solidFill>
+                  <a:schemeClr val="tx1"/>
+                </a:solidFill>
+                <a:latin typeface="+mn-lt"/>
+                <a:ea typeface="+mn-ea"/>
+                <a:cs typeface="+mn-cs"/>
+              </a:rPr>
+              <a:t> record annotated using the eagle-</a:t>
+            </a:r>
+            <a:r>
+              <a:rPr lang="en-US" sz="1200" kern="1200" dirty="0" err="1" smtClean="0">
+                <a:solidFill>
+                  <a:schemeClr val="tx1"/>
+                </a:solidFill>
+                <a:latin typeface="+mn-lt"/>
+                <a:ea typeface="+mn-ea"/>
+                <a:cs typeface="+mn-cs"/>
+              </a:rPr>
+              <a:t>i</a:t>
+            </a:r>
+            <a:r>
+              <a:rPr lang="en-US" sz="1200" kern="1200" dirty="0" smtClean="0">
+                <a:solidFill>
+                  <a:schemeClr val="tx1"/>
+                </a:solidFill>
+                <a:latin typeface="+mn-lt"/>
+                <a:ea typeface="+mn-ea"/>
+                <a:cs typeface="+mn-cs"/>
+              </a:rPr>
+              <a:t> ontology. (1) eagle-</a:t>
+            </a:r>
+            <a:r>
+              <a:rPr lang="en-US" sz="1200" kern="1200" dirty="0" err="1" smtClean="0">
+                <a:solidFill>
+                  <a:schemeClr val="tx1"/>
+                </a:solidFill>
+                <a:latin typeface="+mn-lt"/>
+                <a:ea typeface="+mn-ea"/>
+                <a:cs typeface="+mn-cs"/>
+              </a:rPr>
+              <a:t>i</a:t>
+            </a:r>
+            <a:r>
+              <a:rPr lang="en-US" sz="1200" kern="1200" dirty="0" smtClean="0">
+                <a:solidFill>
+                  <a:schemeClr val="tx1"/>
+                </a:solidFill>
+                <a:latin typeface="+mn-lt"/>
+                <a:ea typeface="+mn-ea"/>
+                <a:cs typeface="+mn-cs"/>
+              </a:rPr>
+              <a:t> classes annotated with the “resource root” value are displayed in the left bar menu. (2) The value of </a:t>
+            </a:r>
+            <a:r>
+              <a:rPr lang="en-US" sz="1200" i="1" kern="1200" dirty="0" smtClean="0">
+                <a:solidFill>
+                  <a:schemeClr val="tx1"/>
+                </a:solidFill>
+                <a:latin typeface="+mn-lt"/>
+                <a:ea typeface="+mn-ea"/>
+                <a:cs typeface="+mn-cs"/>
+              </a:rPr>
+              <a:t>‘eagle-</a:t>
+            </a:r>
+            <a:r>
+              <a:rPr lang="en-US" sz="1200" i="1" kern="1200" dirty="0" err="1" smtClean="0">
+                <a:solidFill>
+                  <a:schemeClr val="tx1"/>
+                </a:solidFill>
+                <a:latin typeface="+mn-lt"/>
+                <a:ea typeface="+mn-ea"/>
+                <a:cs typeface="+mn-cs"/>
+              </a:rPr>
+              <a:t>i</a:t>
+            </a:r>
+            <a:r>
+              <a:rPr lang="en-US" sz="1200" i="1" kern="1200" dirty="0" smtClean="0">
+                <a:solidFill>
+                  <a:schemeClr val="tx1"/>
+                </a:solidFill>
+                <a:latin typeface="+mn-lt"/>
+                <a:ea typeface="+mn-ea"/>
+                <a:cs typeface="+mn-cs"/>
+              </a:rPr>
+              <a:t> preferred definition’</a:t>
+            </a:r>
+            <a:r>
+              <a:rPr lang="en-US" sz="1200" kern="1200" dirty="0" smtClean="0">
+                <a:solidFill>
+                  <a:schemeClr val="tx1"/>
+                </a:solidFill>
+                <a:latin typeface="+mn-lt"/>
+                <a:ea typeface="+mn-ea"/>
+                <a:cs typeface="+mn-cs"/>
+              </a:rPr>
+              <a:t> is used for tooltips that appear while hovering over the property labels. (3) The ‘</a:t>
+            </a:r>
+            <a:r>
+              <a:rPr lang="en-US" sz="1200" i="1" kern="1200" dirty="0" smtClean="0">
+                <a:solidFill>
+                  <a:schemeClr val="tx1"/>
+                </a:solidFill>
+                <a:latin typeface="+mn-lt"/>
+                <a:ea typeface="+mn-ea"/>
+                <a:cs typeface="+mn-cs"/>
+              </a:rPr>
+              <a:t>eagle-</a:t>
+            </a:r>
+            <a:r>
+              <a:rPr lang="en-US" sz="1200" i="1" kern="1200" dirty="0" err="1" smtClean="0">
+                <a:solidFill>
+                  <a:schemeClr val="tx1"/>
+                </a:solidFill>
+                <a:latin typeface="+mn-lt"/>
+                <a:ea typeface="+mn-ea"/>
+                <a:cs typeface="+mn-cs"/>
+              </a:rPr>
+              <a:t>i</a:t>
+            </a:r>
+            <a:r>
+              <a:rPr lang="en-US" sz="1200" i="1" kern="1200" dirty="0" smtClean="0">
+                <a:solidFill>
+                  <a:schemeClr val="tx1"/>
+                </a:solidFill>
+                <a:latin typeface="+mn-lt"/>
+                <a:ea typeface="+mn-ea"/>
+                <a:cs typeface="+mn-cs"/>
+              </a:rPr>
+              <a:t> preferred label’</a:t>
+            </a:r>
+            <a:r>
+              <a:rPr lang="en-US" sz="1200" kern="1200" dirty="0" smtClean="0">
+                <a:solidFill>
+                  <a:schemeClr val="tx1"/>
+                </a:solidFill>
+                <a:latin typeface="+mn-lt"/>
+                <a:ea typeface="+mn-ea"/>
+                <a:cs typeface="+mn-cs"/>
+              </a:rPr>
+              <a:t> is used for the display name of property. Here, the imported RO ‘</a:t>
+            </a:r>
+            <a:r>
+              <a:rPr lang="en-US" sz="1200" i="1" kern="1200" dirty="0" err="1" smtClean="0">
+                <a:solidFill>
+                  <a:schemeClr val="tx1"/>
+                </a:solidFill>
+                <a:latin typeface="+mn-lt"/>
+                <a:ea typeface="+mn-ea"/>
+                <a:cs typeface="+mn-cs"/>
+              </a:rPr>
+              <a:t>location_of</a:t>
+            </a:r>
+            <a:r>
+              <a:rPr lang="en-US" sz="1200" i="1" kern="1200" dirty="0" smtClean="0">
+                <a:solidFill>
+                  <a:schemeClr val="tx1"/>
+                </a:solidFill>
+                <a:latin typeface="+mn-lt"/>
+                <a:ea typeface="+mn-ea"/>
+                <a:cs typeface="+mn-cs"/>
+              </a:rPr>
+              <a:t>’</a:t>
+            </a:r>
+            <a:r>
+              <a:rPr lang="en-US" sz="1200" kern="1200" dirty="0" smtClean="0">
+                <a:solidFill>
+                  <a:schemeClr val="tx1"/>
+                </a:solidFill>
+                <a:latin typeface="+mn-lt"/>
+                <a:ea typeface="+mn-ea"/>
+                <a:cs typeface="+mn-cs"/>
+              </a:rPr>
+              <a:t> has been renamed "Location". This property is also flagged as a primary property using the </a:t>
+            </a:r>
+            <a:r>
+              <a:rPr lang="en-US" sz="1200" i="1" kern="1200" dirty="0" smtClean="0">
+                <a:solidFill>
+                  <a:schemeClr val="tx1"/>
+                </a:solidFill>
+                <a:latin typeface="+mn-lt"/>
+                <a:ea typeface="+mn-ea"/>
+                <a:cs typeface="+mn-cs"/>
+              </a:rPr>
+              <a:t>‘</a:t>
+            </a:r>
+            <a:r>
+              <a:rPr lang="en-US" sz="1200" i="1" kern="1200" dirty="0" err="1" smtClean="0">
+                <a:solidFill>
+                  <a:schemeClr val="tx1"/>
+                </a:solidFill>
+                <a:latin typeface="+mn-lt"/>
+                <a:ea typeface="+mn-ea"/>
+                <a:cs typeface="+mn-cs"/>
+              </a:rPr>
+              <a:t>inPropertyGroup</a:t>
+            </a:r>
+            <a:r>
+              <a:rPr lang="en-US" sz="1200" i="1" kern="1200" dirty="0" smtClean="0">
+                <a:solidFill>
+                  <a:schemeClr val="tx1"/>
+                </a:solidFill>
+                <a:latin typeface="+mn-lt"/>
+                <a:ea typeface="+mn-ea"/>
+                <a:cs typeface="+mn-cs"/>
+              </a:rPr>
+              <a:t>’</a:t>
+            </a:r>
+            <a:r>
+              <a:rPr lang="en-US" sz="1200" kern="1200" dirty="0" smtClean="0">
+                <a:solidFill>
+                  <a:schemeClr val="tx1"/>
+                </a:solidFill>
+                <a:latin typeface="+mn-lt"/>
+                <a:ea typeface="+mn-ea"/>
+                <a:cs typeface="+mn-cs"/>
+              </a:rPr>
+              <a:t> annotation property, as are </a:t>
+            </a:r>
+            <a:r>
+              <a:rPr lang="en-US" sz="1200" i="1" kern="1200" dirty="0" smtClean="0">
+                <a:solidFill>
+                  <a:schemeClr val="tx1"/>
+                </a:solidFill>
+                <a:latin typeface="+mn-lt"/>
+                <a:ea typeface="+mn-ea"/>
+                <a:cs typeface="+mn-cs"/>
+              </a:rPr>
+              <a:t>‘Additional Name’</a:t>
+            </a:r>
+            <a:r>
+              <a:rPr lang="en-US" sz="1200" kern="1200" dirty="0" smtClean="0">
+                <a:solidFill>
+                  <a:schemeClr val="tx1"/>
+                </a:solidFill>
+                <a:latin typeface="+mn-lt"/>
+                <a:ea typeface="+mn-ea"/>
+                <a:cs typeface="+mn-cs"/>
+              </a:rPr>
+              <a:t>, </a:t>
+            </a:r>
+            <a:r>
+              <a:rPr lang="en-US" sz="1200" i="1" kern="1200" dirty="0" smtClean="0">
+                <a:solidFill>
+                  <a:schemeClr val="tx1"/>
+                </a:solidFill>
+                <a:latin typeface="+mn-lt"/>
+                <a:ea typeface="+mn-ea"/>
+                <a:cs typeface="+mn-cs"/>
+              </a:rPr>
+              <a:t>‘Description’</a:t>
+            </a:r>
+            <a:r>
+              <a:rPr lang="en-US" sz="1200" kern="1200" dirty="0" smtClean="0">
+                <a:solidFill>
+                  <a:schemeClr val="tx1"/>
+                </a:solidFill>
+                <a:latin typeface="+mn-lt"/>
+                <a:ea typeface="+mn-ea"/>
+                <a:cs typeface="+mn-cs"/>
+              </a:rPr>
+              <a:t> and </a:t>
+            </a:r>
+            <a:r>
+              <a:rPr lang="en-US" sz="1200" i="1" kern="1200" dirty="0" smtClean="0">
+                <a:solidFill>
+                  <a:schemeClr val="tx1"/>
+                </a:solidFill>
+                <a:latin typeface="+mn-lt"/>
+                <a:ea typeface="+mn-ea"/>
+                <a:cs typeface="+mn-cs"/>
+              </a:rPr>
+              <a:t>‘Contact Person’</a:t>
+            </a:r>
+            <a:r>
+              <a:rPr lang="en-US" sz="1200" kern="1200" dirty="0" smtClean="0">
+                <a:solidFill>
+                  <a:schemeClr val="tx1"/>
+                </a:solidFill>
+                <a:latin typeface="+mn-lt"/>
+                <a:ea typeface="+mn-ea"/>
+                <a:cs typeface="+mn-cs"/>
+              </a:rPr>
+              <a:t> properties.  This flag results in presentation at the top of the property list for a record. (4) Users can select a technique associated with the reagent. In the ontology, the ‘</a:t>
+            </a:r>
+            <a:r>
+              <a:rPr lang="en-US" sz="1200" i="1" kern="1200" dirty="0" smtClean="0">
+                <a:solidFill>
+                  <a:schemeClr val="tx1"/>
+                </a:solidFill>
+                <a:latin typeface="+mn-lt"/>
+                <a:ea typeface="+mn-ea"/>
+                <a:cs typeface="+mn-cs"/>
+              </a:rPr>
+              <a:t>technique’</a:t>
+            </a:r>
+            <a:r>
+              <a:rPr lang="en-US" sz="1200" kern="1200" dirty="0" smtClean="0">
+                <a:solidFill>
+                  <a:schemeClr val="tx1"/>
+                </a:solidFill>
+                <a:latin typeface="+mn-lt"/>
+                <a:ea typeface="+mn-ea"/>
+                <a:cs typeface="+mn-cs"/>
+              </a:rPr>
+              <a:t> class is annotated as a </a:t>
+            </a:r>
+            <a:r>
+              <a:rPr lang="en-US" sz="1200" i="1" kern="1200" dirty="0" smtClean="0">
+                <a:solidFill>
+                  <a:schemeClr val="tx1"/>
+                </a:solidFill>
+                <a:latin typeface="+mn-lt"/>
+                <a:ea typeface="+mn-ea"/>
+                <a:cs typeface="+mn-cs"/>
+              </a:rPr>
+              <a:t>‘referenced class’</a:t>
+            </a:r>
+            <a:r>
+              <a:rPr lang="en-US" sz="1200" kern="1200" dirty="0" smtClean="0">
+                <a:solidFill>
+                  <a:schemeClr val="tx1"/>
+                </a:solidFill>
+                <a:latin typeface="+mn-lt"/>
+                <a:ea typeface="+mn-ea"/>
+                <a:cs typeface="+mn-cs"/>
+              </a:rPr>
+              <a:t> which tells the UI to allow reference to an ontology term but create no instances. (5) Construct insert is an example of a resource annotated as an </a:t>
+            </a:r>
+            <a:r>
+              <a:rPr lang="en-US" sz="1200" i="1" kern="1200" dirty="0" smtClean="0">
+                <a:solidFill>
+                  <a:schemeClr val="tx1"/>
+                </a:solidFill>
+                <a:latin typeface="+mn-lt"/>
+                <a:ea typeface="+mn-ea"/>
+                <a:cs typeface="+mn-cs"/>
+              </a:rPr>
+              <a:t>‘embedded class’</a:t>
+            </a:r>
+            <a:r>
+              <a:rPr lang="en-US" sz="1200" kern="1200" dirty="0" smtClean="0">
+                <a:solidFill>
+                  <a:schemeClr val="tx1"/>
+                </a:solidFill>
+                <a:latin typeface="+mn-lt"/>
+                <a:ea typeface="+mn-ea"/>
+                <a:cs typeface="+mn-cs"/>
+              </a:rPr>
+              <a:t>, which has to be created in the context of a construct or plasmid of which they are a part.</a:t>
+            </a:r>
+            <a:r>
+              <a:rPr lang="en-US" dirty="0" smtClean="0"/>
+              <a:t> </a:t>
+            </a:r>
+          </a:p>
+          <a:p>
             <a:endParaRPr lang="en-US" dirty="0"/>
           </a:p>
         </p:txBody>
@@ -2060,7 +2456,7 @@
             <a:fld id="{05DCAFAB-C1B6-8F43-AF9F-90086CE1BACC}" type="slidenum">
               <a:rPr lang="en-US" smtClean="0"/>
               <a:pPr/>
-              <a:t>7</a:t>
+              <a:t>5</a:t>
             </a:fld>
             <a:endParaRPr lang="en-US"/>
           </a:p>
@@ -2120,22 +2516,6 @@
           </a:bodyPr>
           <a:lstStyle/>
           <a:p>
-            <a:r>
-              <a:rPr lang="en-US" dirty="0" smtClean="0"/>
-              <a:t>Here</a:t>
-            </a:r>
-            <a:r>
-              <a:rPr lang="en-US" baseline="0" dirty="0" smtClean="0"/>
-              <a:t> say that we actually created our own instrument </a:t>
-            </a:r>
-            <a:r>
-              <a:rPr lang="en-US" baseline="0" dirty="0" err="1" smtClean="0"/>
-              <a:t>calss</a:t>
-            </a:r>
-            <a:r>
-              <a:rPr lang="en-US" baseline="0" dirty="0" smtClean="0"/>
-              <a:t> because </a:t>
-            </a:r>
             <a:endParaRPr lang="en-US" dirty="0"/>
           </a:p>
         </p:txBody>
@@ -2224,13 +2604,17 @@
             </a:r>
             <a:r>
               <a:rPr lang="en-US" baseline="0" dirty="0" smtClean="0"/>
-              <a:t> I may want </a:t>
-            </a:r>
-            <a:r>
-              <a:rPr lang="en-US" baseline="0" smtClean="0"/>
-              <a:t>to need </a:t>
-            </a:r>
-            <a:endParaRPr lang="en-US"/>
+              <a:t> say that we actually created our own instrument </a:t>
+            </a:r>
+            <a:r>
+              <a:rPr lang="en-US" baseline="0" dirty="0" err="1" smtClean="0"/>
+              <a:t>calss</a:t>
+            </a:r>
+            <a:r>
+              <a:rPr lang="en-US" baseline="0" dirty="0" smtClean="0"/>
+              <a:t> because </a:t>
+            </a:r>
+            <a:endParaRPr lang="en-US" dirty="0"/>
           </a:p>
         </p:txBody>
       </p:sp>
@@ -2312,7 +2696,19 @@
           </a:bodyPr>
           <a:lstStyle/>
           <a:p>
-            <a:endParaRPr lang="en-US" dirty="0"/>
+            <a:r>
+              <a:rPr lang="en-US" dirty="0" smtClean="0"/>
+              <a:t>Here</a:t>
+            </a:r>
+            <a:r>
+              <a:rPr lang="en-US" baseline="0" dirty="0" smtClean="0"/>
+              <a:t> I may want </a:t>
+            </a:r>
+            <a:r>
+              <a:rPr lang="en-US" baseline="0" smtClean="0"/>
+              <a:t>to need </a:t>
+            </a:r>
+            <a:endParaRPr lang="en-US"/>
           </a:p>
         </p:txBody>
       </p:sp>
@@ -2393,13 +2789,6 @@
             <a:normAutofit/>
           </a:bodyPr>
           <a:lstStyle/>
-          <a:p>
-            <a:r>
-              <a:rPr lang="en-US" dirty="0" smtClean="0"/>
-              <a:t>Maybe I will have just the slides with the figures</a:t>
-            </a:r>
-            <a:endParaRPr lang="en-US" baseline="0" dirty="0" smtClean="0"/>
-          </a:p>
           <a:p>
             <a:endParaRPr lang="en-US" dirty="0"/>
           </a:p>
@@ -5925,6 +6314,268 @@
       </p:sp>
       <p:sp>
         <p:nvSpPr>
+          <p:cNvPr id="9" name="Content Placeholder 2"/>
+          <p:cNvSpPr>
+            <a:spLocks noGrp="1"/>
+          </p:cNvSpPr>
+          <p:nvPr>
+            <p:ph idx="1"/>
+          </p:nvPr>
+        </p:nvSpPr>
+        <p:spPr>
+          <a:xfrm>
+            <a:off x="457200" y="909228"/>
+            <a:ext cx="8507188" cy="5556958"/>
+          </a:xfrm>
+        </p:spPr>
+        <p:txBody>
+          <a:bodyPr>
+            <a:normAutofit fontScale="92500" lnSpcReduction="10000"/>
+          </a:bodyPr>
+          <a:lstStyle/>
+          <a:p>
+            <a:pPr marL="514350" indent="-514350">
+              <a:buNone/>
+            </a:pPr>
+            <a:r>
+              <a:rPr lang="en-US" dirty="0" smtClean="0"/>
+              <a:t>3) Generate new instrument to be implemented in OBI using Quick Term Template (QTT)</a:t>
+            </a:r>
+          </a:p>
+          <a:p>
+            <a:pPr marL="514350" indent="-514350">
+              <a:buNone/>
+            </a:pPr>
+            <a:endParaRPr lang="en-US" dirty="0" smtClean="0"/>
+          </a:p>
+          <a:p>
+            <a:pPr marL="514350" indent="-514350">
+              <a:buNone/>
+            </a:pPr>
+            <a:endParaRPr lang="en-US" dirty="0" smtClean="0"/>
+          </a:p>
+          <a:p>
+            <a:pPr marL="514350" indent="-514350">
+              <a:buNone/>
+            </a:pPr>
+            <a:endParaRPr lang="en-US" dirty="0" smtClean="0"/>
+          </a:p>
+          <a:p>
+            <a:pPr marL="514350" indent="-514350">
+              <a:buNone/>
+            </a:pPr>
+            <a:endParaRPr lang="en-US" dirty="0" smtClean="0"/>
+          </a:p>
+          <a:p>
+            <a:pPr marL="514350" indent="-514350">
+              <a:buNone/>
+            </a:pPr>
+            <a:endParaRPr lang="en-US" dirty="0" smtClean="0"/>
+          </a:p>
+          <a:p>
+            <a:pPr marL="514350" indent="-514350">
+              <a:buNone/>
+            </a:pPr>
+            <a:endParaRPr lang="en-US" dirty="0" smtClean="0"/>
+          </a:p>
+          <a:p>
+            <a:pPr marL="514350" indent="-514350">
+              <a:buNone/>
+            </a:pPr>
+            <a:endParaRPr lang="en-US" dirty="0" smtClean="0"/>
+          </a:p>
+          <a:p>
+            <a:pPr marL="514350" indent="-514350">
+              <a:buNone/>
+            </a:pPr>
+            <a:r>
+              <a:rPr lang="en-US" dirty="0" smtClean="0"/>
+              <a:t>4) MIREOT back from OBI the new instrument classes into eagle-</a:t>
+            </a:r>
+            <a:r>
+              <a:rPr lang="en-US" dirty="0" err="1" smtClean="0"/>
+              <a:t>i</a:t>
+            </a:r>
+            <a:endParaRPr lang="en-US" dirty="0" smtClean="0"/>
+          </a:p>
+          <a:p>
+            <a:pPr marL="514350" indent="-514350">
+              <a:buNone/>
+            </a:pPr>
+            <a:endParaRPr lang="en-US" dirty="0" smtClean="0"/>
+          </a:p>
+          <a:p>
+            <a:pPr marL="514350" indent="-514350">
+              <a:buNone/>
+            </a:pPr>
+            <a:endParaRPr lang="en-US" dirty="0" smtClean="0"/>
+          </a:p>
+          <a:p>
+            <a:pPr marL="514350" indent="-514350">
+              <a:buNone/>
+            </a:pPr>
+            <a:endParaRPr lang="en-US" dirty="0" smtClean="0"/>
+          </a:p>
+          <a:p>
+            <a:pPr marL="514350" indent="-514350">
+              <a:buNone/>
+            </a:pPr>
+            <a:endParaRPr lang="en-US" dirty="0" smtClean="0"/>
+          </a:p>
+          <a:p>
+            <a:pPr marL="514350" indent="-514350">
+              <a:buNone/>
+            </a:pPr>
+            <a:endParaRPr lang="en-US" dirty="0" smtClean="0"/>
+          </a:p>
+          <a:p>
+            <a:pPr marL="514350" indent="-514350">
+              <a:buNone/>
+            </a:pPr>
+            <a:endParaRPr lang="en-US" dirty="0" smtClean="0"/>
+          </a:p>
+          <a:p>
+            <a:pPr marL="514350" indent="-514350">
+              <a:buNone/>
+            </a:pPr>
+            <a:endParaRPr lang="en-US" dirty="0" smtClean="0"/>
+          </a:p>
+          <a:p>
+            <a:pPr marL="514350" indent="-514350">
+              <a:buNone/>
+            </a:pPr>
+            <a:endParaRPr lang="en-US" dirty="0" smtClean="0"/>
+          </a:p>
+          <a:p>
+            <a:pPr marL="514350" indent="-514350">
+              <a:buNone/>
+            </a:pPr>
+            <a:endParaRPr lang="en-US" dirty="0" smtClean="0"/>
+          </a:p>
+          <a:p>
+            <a:pPr marL="514350" indent="-514350">
+              <a:buNone/>
+            </a:pPr>
+            <a:endParaRPr lang="en-US" dirty="0" smtClean="0"/>
+          </a:p>
+          <a:p>
+            <a:pPr marL="514350" indent="-514350">
+              <a:buNone/>
+            </a:pPr>
+            <a:endParaRPr lang="en-US" dirty="0" smtClean="0"/>
+          </a:p>
+          <a:p>
+            <a:pPr marL="514350" indent="-514350">
+              <a:buNone/>
+            </a:pPr>
+            <a:endParaRPr lang="en-US" dirty="0" smtClean="0"/>
+          </a:p>
+          <a:p>
+            <a:pPr marL="514350" indent="-514350">
+              <a:buAutoNum type="arabicParenR"/>
+            </a:pPr>
+            <a:endParaRPr lang="en-US" dirty="0" smtClean="0"/>
+          </a:p>
+          <a:p>
+            <a:pPr marL="514350" indent="-514350">
+              <a:buAutoNum type="arabicParenR"/>
+            </a:pPr>
+            <a:endParaRPr lang="en-US" dirty="0" smtClean="0"/>
+          </a:p>
+          <a:p>
+            <a:pPr marL="514350" indent="-514350">
+              <a:buNone/>
+            </a:pPr>
+            <a:endParaRPr lang="en-US" dirty="0" smtClean="0"/>
+          </a:p>
+          <a:p>
+            <a:pPr marL="514350" indent="-514350">
+              <a:buNone/>
+            </a:pPr>
+            <a:endParaRPr lang="en-US" dirty="0" smtClean="0"/>
+          </a:p>
+          <a:p>
+            <a:pPr marL="514350" indent="-514350">
+              <a:buNone/>
+            </a:pPr>
+            <a:endParaRPr lang="en-US" dirty="0" smtClean="0"/>
+          </a:p>
+          <a:p>
+            <a:pPr marL="514350" indent="-514350">
+              <a:buNone/>
+            </a:pPr>
+            <a:endParaRPr lang="en-US" dirty="0" smtClean="0"/>
+          </a:p>
+          <a:p>
+            <a:pPr marL="514350" indent="-514350">
+              <a:buNone/>
+            </a:pPr>
+            <a:endParaRPr lang="en-US" dirty="0" smtClean="0"/>
+          </a:p>
+          <a:p>
+            <a:pPr marL="514350" indent="-514350">
+              <a:buNone/>
+            </a:pPr>
+            <a:endParaRPr lang="en-US" dirty="0" smtClean="0"/>
+          </a:p>
+          <a:p>
+            <a:pPr marL="514350" indent="-514350">
+              <a:buAutoNum type="arabicParenR"/>
+            </a:pPr>
+            <a:endParaRPr lang="en-US" dirty="0" smtClean="0"/>
+          </a:p>
+          <a:p>
+            <a:pPr marL="514350" indent="-514350">
+              <a:buAutoNum type="arabicParenR"/>
+            </a:pPr>
+            <a:endParaRPr lang="en-US" dirty="0" smtClean="0"/>
+          </a:p>
+          <a:p>
+            <a:pPr marL="514350" indent="-514350">
+              <a:buAutoNum type="arabicParenR"/>
+            </a:pPr>
+            <a:endParaRPr lang="en-US" dirty="0" smtClean="0"/>
+          </a:p>
+          <a:p>
+            <a:pPr marL="514350" indent="-514350">
+              <a:buAutoNum type="arabicParenR"/>
+            </a:pPr>
+            <a:endParaRPr lang="en-US" dirty="0" smtClean="0"/>
+          </a:p>
+          <a:p>
+            <a:pPr marL="514350" indent="-514350">
+              <a:buAutoNum type="arabicParenR"/>
+            </a:pPr>
+            <a:endParaRPr lang="en-US" dirty="0" smtClean="0"/>
+          </a:p>
+          <a:p>
+            <a:pPr marL="514350" indent="-514350">
+              <a:buAutoNum type="arabicParenR"/>
+            </a:pPr>
+            <a:endParaRPr lang="en-US" b="1" dirty="0" smtClean="0"/>
+          </a:p>
+          <a:p>
+            <a:pPr lvl="3">
+              <a:buNone/>
+            </a:pPr>
+            <a:endParaRPr lang="en-US" dirty="0" smtClean="0"/>
+          </a:p>
+          <a:p>
+            <a:pPr lvl="1">
+              <a:buNone/>
+            </a:pPr>
+            <a:endParaRPr lang="en-US" dirty="0" smtClean="0"/>
+          </a:p>
+          <a:p>
+            <a:pPr lvl="1">
+              <a:buNone/>
+            </a:pPr>
+            <a:endParaRPr lang="en-US" dirty="0" smtClean="0"/>
+          </a:p>
+        </p:txBody>
+      </p:sp>
+      <p:sp>
+        <p:nvSpPr>
           <p:cNvPr id="10" name="Title 1"/>
           <p:cNvSpPr>
             <a:spLocks noGrp="1"/>
@@ -5971,40 +6622,9 @@
           </a:p>
         </p:txBody>
       </p:sp>
-      <p:sp>
-        <p:nvSpPr>
-          <p:cNvPr id="11" name="Content Placeholder 10"/>
-          <p:cNvSpPr>
-            <a:spLocks noGrp="1"/>
-          </p:cNvSpPr>
-          <p:nvPr>
-            <p:ph idx="1"/>
-          </p:nvPr>
-        </p:nvSpPr>
-        <p:spPr>
-          <a:xfrm>
-            <a:off x="5933428" y="1600200"/>
-            <a:ext cx="2753371" cy="4525963"/>
-          </a:xfrm>
-        </p:spPr>
-        <p:txBody>
-          <a:bodyPr/>
-          <a:lstStyle/>
-          <a:p>
-            <a:pPr>
-              <a:buNone/>
-            </a:pPr>
-            <a:r>
-              <a:rPr lang="en-US" dirty="0" smtClean="0"/>
-              <a:t>    Instrument hierarchy enables search across multiple axes</a:t>
-            </a:r>
-            <a:endParaRPr lang="en-US" dirty="0"/>
-          </a:p>
-        </p:txBody>
-      </p:sp>
       <p:pic>
         <p:nvPicPr>
-          <p:cNvPr id="12" name="Picture 11"/>
+          <p:cNvPr id="13" name="Picture 12"/>
           <p:cNvPicPr>
             <a:picLocks noChangeAspect="1"/>
           </p:cNvPicPr>
@@ -6018,8 +6638,8 @@
         </p:blipFill>
         <p:spPr>
           <a:xfrm>
-            <a:off x="889793" y="824706"/>
-            <a:ext cx="5043636" cy="5358608"/>
+            <a:off x="889793" y="1902933"/>
+            <a:ext cx="6795292" cy="3287537"/>
           </a:xfrm>
           <a:prstGeom prst="rect">
             <a:avLst/>
@@ -6473,131 +7093,6 @@
       </p:sp>
       <p:sp>
         <p:nvSpPr>
-          <p:cNvPr id="9" name="Content Placeholder 2"/>
-          <p:cNvSpPr>
-            <a:spLocks noGrp="1"/>
-          </p:cNvSpPr>
-          <p:nvPr>
-            <p:ph idx="1"/>
-          </p:nvPr>
-        </p:nvSpPr>
-        <p:spPr>
-          <a:xfrm>
-            <a:off x="457200" y="1164248"/>
-            <a:ext cx="8229600" cy="4961915"/>
-          </a:xfrm>
-        </p:spPr>
-        <p:txBody>
-          <a:bodyPr>
-            <a:normAutofit lnSpcReduction="10000"/>
-          </a:bodyPr>
-          <a:lstStyle/>
-          <a:p>
-            <a:pPr>
-              <a:buFont typeface="Wingdings" charset="2"/>
-              <a:buChar char="§"/>
-            </a:pPr>
-            <a:r>
-              <a:rPr lang="en-US" dirty="0" smtClean="0"/>
-              <a:t>Reusing already defined devices in OBI</a:t>
-            </a:r>
-          </a:p>
-          <a:p>
-            <a:pPr lvl="1"/>
-            <a:r>
-              <a:rPr lang="en-US" dirty="0" smtClean="0"/>
-              <a:t>Definitions and metadata already available and vetted by the community</a:t>
-            </a:r>
-          </a:p>
-          <a:p>
-            <a:pPr>
-              <a:buFont typeface="Wingdings" charset="2"/>
-              <a:buChar char="§"/>
-            </a:pPr>
-            <a:r>
-              <a:rPr lang="en-US" dirty="0" smtClean="0"/>
-              <a:t>Aligned instrument representations across other similar efforts</a:t>
-            </a:r>
-          </a:p>
-          <a:p>
-            <a:pPr lvl="1"/>
-            <a:r>
-              <a:rPr lang="en-US" dirty="0" smtClean="0"/>
-              <a:t>Same </a:t>
-            </a:r>
-            <a:r>
-              <a:rPr lang="en-US" dirty="0" err="1" smtClean="0"/>
-              <a:t>URIs</a:t>
-            </a:r>
-            <a:r>
-              <a:rPr lang="en-US" dirty="0" smtClean="0"/>
-              <a:t> facilitate data integration and interoperability</a:t>
-            </a:r>
-          </a:p>
-          <a:p>
-            <a:pPr>
-              <a:buFont typeface="Wingdings" charset="2"/>
-              <a:buChar char="§"/>
-            </a:pPr>
-            <a:r>
-              <a:rPr lang="en-US" dirty="0" smtClean="0"/>
-              <a:t>Adoption of OBI design pattern</a:t>
-            </a:r>
-          </a:p>
-          <a:p>
-            <a:pPr lvl="1"/>
-            <a:r>
-              <a:rPr lang="en-US" dirty="0" smtClean="0"/>
-              <a:t>Functional hierarchy for eagle-</a:t>
-            </a:r>
-            <a:r>
-              <a:rPr lang="en-US" dirty="0" err="1" smtClean="0"/>
-              <a:t>i</a:t>
-            </a:r>
-            <a:r>
-              <a:rPr lang="en-US" dirty="0" smtClean="0"/>
-              <a:t> instrument</a:t>
-            </a:r>
-          </a:p>
-          <a:p>
-            <a:pPr>
-              <a:buFont typeface="Wingdings" charset="2"/>
-              <a:buChar char="§"/>
-            </a:pPr>
-            <a:r>
-              <a:rPr lang="en-US" dirty="0" smtClean="0"/>
-              <a:t>Contribution to OBI development</a:t>
-            </a:r>
-          </a:p>
-          <a:p>
-            <a:pPr lvl="1">
-              <a:buFontTx/>
-              <a:buChar char="-"/>
-            </a:pPr>
-            <a:endParaRPr lang="en-US" dirty="0" smtClean="0"/>
-          </a:p>
-          <a:p>
-            <a:pPr lvl="3">
-              <a:buNone/>
-            </a:pPr>
-            <a:endParaRPr lang="en-US" dirty="0" smtClean="0"/>
-          </a:p>
-          <a:p>
-            <a:pPr lvl="1">
-              <a:buNone/>
-            </a:pPr>
-            <a:endParaRPr lang="en-US" dirty="0" smtClean="0"/>
-          </a:p>
-          <a:p>
-            <a:pPr lvl="1">
-              <a:buNone/>
-            </a:pPr>
-            <a:endParaRPr lang="en-US" dirty="0" smtClean="0"/>
-          </a:p>
-        </p:txBody>
-      </p:sp>
-      <p:sp>
-        <p:nvSpPr>
           <p:cNvPr id="10" name="Title 1"/>
           <p:cNvSpPr>
             <a:spLocks noGrp="1"/>
@@ -6632,7 +7127,7 @@
                 <a:ea typeface="ＭＳ Ｐゴシック" pitchFamily="34" charset="-128"/>
                 <a:cs typeface="Arial Bold" pitchFamily="-106" charset="0"/>
               </a:rPr>
-              <a:t>Instruments: Advantages</a:t>
+              <a:t>Instruments: implementation</a:t>
             </a:r>
             <a:endParaRPr lang="en-US" sz="4400" b="1" dirty="0" smtClean="0">
               <a:solidFill>
@@ -6644,6 +7139,61 @@
           </a:p>
         </p:txBody>
       </p:sp>
+      <p:sp>
+        <p:nvSpPr>
+          <p:cNvPr id="11" name="Content Placeholder 10"/>
+          <p:cNvSpPr>
+            <a:spLocks noGrp="1"/>
+          </p:cNvSpPr>
+          <p:nvPr>
+            <p:ph idx="1"/>
+          </p:nvPr>
+        </p:nvSpPr>
+        <p:spPr>
+          <a:xfrm>
+            <a:off x="5933428" y="1600200"/>
+            <a:ext cx="2753371" cy="4525963"/>
+          </a:xfrm>
+        </p:spPr>
+        <p:txBody>
+          <a:bodyPr/>
+          <a:lstStyle/>
+          <a:p>
+            <a:pPr>
+              <a:buNone/>
+            </a:pPr>
+            <a:r>
+              <a:rPr lang="en-US" dirty="0" smtClean="0"/>
+              <a:t>    Instrument hierarchy enables search across multiple axes</a:t>
+            </a:r>
+            <a:endParaRPr lang="en-US" dirty="0"/>
+          </a:p>
+        </p:txBody>
+      </p:sp>
+      <p:pic>
+        <p:nvPicPr>
+          <p:cNvPr id="12" name="Picture 11"/>
+          <p:cNvPicPr>
+            <a:picLocks noChangeAspect="1"/>
+          </p:cNvPicPr>
+          <p:nvPr/>
+        </p:nvPicPr>
+        <p:blipFill>
+          <a:blip r:embed="rId5"/>
+          <a:stretch>
+            <a:fillRect/>
+          </a:stretch>
+        </p:blipFill>
+        <p:spPr>
+          <a:xfrm>
+            <a:off x="889793" y="824706"/>
+            <a:ext cx="5043636" cy="5358608"/>
+          </a:xfrm>
+          <a:prstGeom prst="rect">
+            <a:avLst/>
+          </a:prstGeom>
+        </p:spPr>
+      </p:pic>
     </p:spTree>
   </p:cSld>
   <p:clrMapOvr>
@@ -7107,7 +7657,7 @@
         </p:spPr>
         <p:txBody>
           <a:bodyPr>
-            <a:normAutofit/>
+            <a:normAutofit lnSpcReduction="10000"/>
           </a:bodyPr>
           <a:lstStyle/>
           <a:p>
@@ -7117,31 +7667,15 @@
             </a:pPr>
             <a:r>
               <a:rPr lang="en-US" dirty="0" smtClean="0"/>
-              <a:t>Goals:</a:t>
-            </a:r>
-          </a:p>
-          <a:p>
-            <a:pPr lvl="1">
-              <a:buNone/>
-            </a:pPr>
+              <a:t>Reusing already defined devices in OBI</a:t>
+            </a:r>
+          </a:p>
+          <a:p>
+            <a:pPr lvl="1"/>
             <a:r>
               <a:rPr lang="en-US" dirty="0" smtClean="0"/>
-              <a:t>Define a  common representation of services across eagle-</a:t>
-            </a:r>
-            <a:r>
-              <a:rPr lang="en-US" dirty="0" err="1" smtClean="0"/>
-              <a:t>i</a:t>
-            </a:r>
-            <a:r>
-              <a:rPr lang="en-US" dirty="0" smtClean="0"/>
-              <a:t>, NIF, OBI</a:t>
-            </a:r>
-          </a:p>
-          <a:p>
-            <a:pPr lvl="1">
-              <a:buNone/>
-            </a:pPr>
-            <a:endParaRPr lang="en-US" dirty="0" smtClean="0"/>
+              <a:t>Definitions and metadata already available and vetted by the community</a:t>
+            </a:r>
           </a:p>
           <a:p>
             <a:pPr>
@@ -7150,7 +7684,39 @@
             </a:pPr>
             <a:r>
               <a:rPr lang="en-US" dirty="0" smtClean="0"/>
-              <a:t> eagle-</a:t>
+              <a:t>Aligned instrument representations across other similar efforts</a:t>
+            </a:r>
+          </a:p>
+          <a:p>
+            <a:pPr lvl="1"/>
+            <a:r>
+              <a:rPr lang="en-US" dirty="0" smtClean="0"/>
+              <a:t>Same </a:t>
+            </a:r>
+            <a:r>
+              <a:rPr lang="en-US" dirty="0" err="1" smtClean="0"/>
+              <a:t>URIs</a:t>
+            </a:r>
+            <a:r>
+              <a:rPr lang="en-US" dirty="0" smtClean="0"/>
+              <a:t> facilitate data integration and interoperability</a:t>
+            </a:r>
+          </a:p>
+          <a:p>
+            <a:pPr>
+              <a:buFont typeface="Wingdings" charset="2"/>
+              <a:buChar char="§"/>
+            </a:pPr>
+            <a:r>
+              <a:rPr lang="en-US" dirty="0" smtClean="0"/>
+              <a:t>Adoption of OBI design pattern</a:t>
+            </a:r>
+          </a:p>
+          <a:p>
+            <a:pPr lvl="1"/>
+            <a:r>
+              <a:rPr lang="en-US" dirty="0" smtClean="0"/>
+              <a:t>Functional hierarchy for eagle-</a:t>
             </a:r>
             <a:r>
               <a:rPr lang="en-US" dirty="0" err="1" smtClean="0"/>
@@ -7158,56 +7724,18 @@
             </a:r>
             <a:r>
               <a:rPr lang="en-US" dirty="0" smtClean="0"/>
-              <a:t> requirements:</a:t>
-            </a:r>
-          </a:p>
-          <a:p>
-            <a:pPr lvl="1"/>
+              <a:t> instrument</a:t>
+            </a:r>
+          </a:p>
+          <a:p>
+            <a:pPr>
+              <a:buFont typeface="Wingdings" charset="2"/>
+              <a:buChar char="§"/>
+            </a:pPr>
             <a:r>
               <a:rPr lang="en-US" dirty="0" smtClean="0"/>
-              <a:t>Collect metadata about services</a:t>
-            </a:r>
-          </a:p>
-          <a:p>
-            <a:pPr lvl="2"/>
-            <a:r>
-              <a:rPr lang="en-US" dirty="0" smtClean="0"/>
-              <a:t>Cost, restrictions, etc.</a:t>
-            </a:r>
-          </a:p>
-          <a:p>
-            <a:pPr lvl="1"/>
-            <a:r>
-              <a:rPr lang="en-US" dirty="0" smtClean="0"/>
-              <a:t>Align with high level services categories used by other efforts</a:t>
-            </a:r>
-          </a:p>
-          <a:p>
-            <a:pPr lvl="2">
-              <a:buFontTx/>
-              <a:buChar char="-"/>
-            </a:pPr>
-            <a:endParaRPr lang="en-US" dirty="0" smtClean="0"/>
-          </a:p>
-          <a:p>
-            <a:pPr lvl="1">
-              <a:buFontTx/>
-              <a:buChar char="-"/>
-            </a:pPr>
-            <a:endParaRPr lang="en-US" dirty="0" smtClean="0"/>
-          </a:p>
-          <a:p>
-            <a:pPr lvl="2">
-              <a:buNone/>
-            </a:pPr>
-            <a:endParaRPr lang="en-US" dirty="0" smtClean="0"/>
-          </a:p>
-          <a:p>
-            <a:pPr>
-              <a:buFontTx/>
-              <a:buChar char="-"/>
-            </a:pPr>
-            <a:endParaRPr lang="en-US" dirty="0" smtClean="0"/>
+              <a:t>Contribution to OBI development</a:t>
+            </a:r>
           </a:p>
           <a:p>
             <a:pPr lvl="1">
@@ -7272,7 +7800,7 @@
                 <a:ea typeface="ＭＳ Ｐゴシック" pitchFamily="34" charset="-128"/>
                 <a:cs typeface="Arial Bold" pitchFamily="-106" charset="0"/>
               </a:rPr>
-              <a:t>Use case 2: Services</a:t>
+              <a:t>Instruments: Advantages</a:t>
             </a:r>
             <a:endParaRPr lang="en-US" sz="4400" b="1" dirty="0" smtClean="0">
               <a:solidFill>
@@ -7741,6 +8269,646 @@
         </p:nvSpPr>
         <p:spPr>
           <a:xfrm>
+            <a:off x="457200" y="1164248"/>
+            <a:ext cx="8229600" cy="4961915"/>
+          </a:xfrm>
+        </p:spPr>
+        <p:txBody>
+          <a:bodyPr>
+            <a:normAutofit/>
+          </a:bodyPr>
+          <a:lstStyle/>
+          <a:p>
+            <a:pPr>
+              <a:buFont typeface="Wingdings" charset="2"/>
+              <a:buChar char="§"/>
+            </a:pPr>
+            <a:r>
+              <a:rPr lang="en-US" dirty="0" smtClean="0"/>
+              <a:t>Goals:</a:t>
+            </a:r>
+          </a:p>
+          <a:p>
+            <a:pPr lvl="1">
+              <a:buNone/>
+            </a:pPr>
+            <a:r>
+              <a:rPr lang="en-US" dirty="0" smtClean="0"/>
+              <a:t>Define a  common representation of services across eagle-</a:t>
+            </a:r>
+            <a:r>
+              <a:rPr lang="en-US" dirty="0" err="1" smtClean="0"/>
+              <a:t>i</a:t>
+            </a:r>
+            <a:r>
+              <a:rPr lang="en-US" dirty="0" smtClean="0"/>
+              <a:t>, NIF, OBI</a:t>
+            </a:r>
+          </a:p>
+          <a:p>
+            <a:pPr lvl="1">
+              <a:buNone/>
+            </a:pPr>
+            <a:endParaRPr lang="en-US" dirty="0" smtClean="0"/>
+          </a:p>
+          <a:p>
+            <a:pPr>
+              <a:buFont typeface="Wingdings" charset="2"/>
+              <a:buChar char="§"/>
+            </a:pPr>
+            <a:r>
+              <a:rPr lang="en-US" dirty="0" smtClean="0"/>
+              <a:t> eagle-</a:t>
+            </a:r>
+            <a:r>
+              <a:rPr lang="en-US" dirty="0" err="1" smtClean="0"/>
+              <a:t>i</a:t>
+            </a:r>
+            <a:r>
+              <a:rPr lang="en-US" dirty="0" smtClean="0"/>
+              <a:t> requirements:</a:t>
+            </a:r>
+          </a:p>
+          <a:p>
+            <a:pPr lvl="1"/>
+            <a:r>
+              <a:rPr lang="en-US" dirty="0" smtClean="0"/>
+              <a:t>Collect metadata about services</a:t>
+            </a:r>
+          </a:p>
+          <a:p>
+            <a:pPr lvl="2"/>
+            <a:r>
+              <a:rPr lang="en-US" dirty="0" smtClean="0"/>
+              <a:t>Cost, restrictions, etc.</a:t>
+            </a:r>
+          </a:p>
+          <a:p>
+            <a:pPr lvl="1"/>
+            <a:r>
+              <a:rPr lang="en-US" dirty="0" smtClean="0"/>
+              <a:t>Align with high level services categories used by other efforts</a:t>
+            </a:r>
+          </a:p>
+          <a:p>
+            <a:pPr lvl="2">
+              <a:buFontTx/>
+              <a:buChar char="-"/>
+            </a:pPr>
+            <a:endParaRPr lang="en-US" dirty="0" smtClean="0"/>
+          </a:p>
+          <a:p>
+            <a:pPr lvl="1">
+              <a:buFontTx/>
+              <a:buChar char="-"/>
+            </a:pPr>
+            <a:endParaRPr lang="en-US" dirty="0" smtClean="0"/>
+          </a:p>
+          <a:p>
+            <a:pPr lvl="2">
+              <a:buNone/>
+            </a:pPr>
+            <a:endParaRPr lang="en-US" dirty="0" smtClean="0"/>
+          </a:p>
+          <a:p>
+            <a:pPr>
+              <a:buFontTx/>
+              <a:buChar char="-"/>
+            </a:pPr>
+            <a:endParaRPr lang="en-US" dirty="0" smtClean="0"/>
+          </a:p>
+          <a:p>
+            <a:pPr lvl="1">
+              <a:buFontTx/>
+              <a:buChar char="-"/>
+            </a:pPr>
+            <a:endParaRPr lang="en-US" dirty="0" smtClean="0"/>
+          </a:p>
+          <a:p>
+            <a:pPr lvl="3">
+              <a:buNone/>
+            </a:pPr>
+            <a:endParaRPr lang="en-US" dirty="0" smtClean="0"/>
+          </a:p>
+          <a:p>
+            <a:pPr lvl="1">
+              <a:buNone/>
+            </a:pPr>
+            <a:endParaRPr lang="en-US" dirty="0" smtClean="0"/>
+          </a:p>
+          <a:p>
+            <a:pPr lvl="1">
+              <a:buNone/>
+            </a:pPr>
+            <a:endParaRPr lang="en-US" dirty="0" smtClean="0"/>
+          </a:p>
+        </p:txBody>
+      </p:sp>
+      <p:sp>
+        <p:nvSpPr>
+          <p:cNvPr id="10" name="Title 1"/>
+          <p:cNvSpPr>
+            <a:spLocks noGrp="1"/>
+          </p:cNvSpPr>
+          <p:nvPr>
+            <p:ph type="title" idx="4294967295"/>
+          </p:nvPr>
+        </p:nvSpPr>
+        <p:spPr>
+          <a:xfrm>
+            <a:off x="0" y="-147506"/>
+            <a:ext cx="9144000" cy="1143000"/>
+          </a:xfrm>
+        </p:spPr>
+        <p:txBody>
+          <a:bodyPr>
+            <a:normAutofit/>
+          </a:bodyPr>
+          <a:lstStyle/>
+          <a:p>
+            <a:pPr fontAlgn="auto">
+              <a:spcAft>
+                <a:spcPts val="0"/>
+              </a:spcAft>
+              <a:defRPr/>
+            </a:pPr>
+            <a:r>
+              <a:rPr lang="en-US" b="1" dirty="0" smtClean="0">
+                <a:solidFill>
+                  <a:srgbClr val="800000"/>
+                </a:solidFill>
+                <a:ea typeface="ＭＳ Ｐゴシック" pitchFamily="34" charset="-128"/>
+                <a:cs typeface="Arial Bold" pitchFamily="-106" charset="0"/>
+              </a:rPr>
+              <a:t>Use case 2: Services</a:t>
+            </a:r>
+            <a:endParaRPr lang="en-US" sz="4400" b="1" dirty="0" smtClean="0">
+              <a:solidFill>
+                <a:srgbClr val="800000"/>
+              </a:solidFill>
+              <a:ea typeface="ＭＳ Ｐゴシック" pitchFamily="34" charset="-128"/>
+              <a:cs typeface="Arial Bold" pitchFamily="-106" charset="0"/>
+            </a:endParaRPr>
+          </a:p>
+        </p:txBody>
+      </p:sp>
+    </p:spTree>
+  </p:cSld>
+  <p:clrMapOvr>
+    <a:masterClrMapping/>
+  </p:clrMapOvr>
+  <p:timing>
+    <p:tnLst>
+      <p:par>
+        <p:cTn id="1" dur="indefinite" restart="never" nodeType="tmRoot"/>
+      </p:par>
+    </p:tnLst>
+  </p:timing>
+</p:sld>
+</file>
+
+<file path=ppt/slides/slide14.xml><?xml version="1.0" encoding="utf-8"?>
+<p:sld xmlns:a="http://schemas.openxmlformats.org/drawingml/2006/main" xmlns:r="http://schemas.openxmlformats.org/officeDocument/2006/relationships" xmlns:mc="http://schemas.openxmlformats.org/markup-compatibility/2006" xmlns:mv="urn:schemas-microsoft-com:mac:vml" xmlns:p="http://schemas.openxmlformats.org/presentationml/2006/main" mc:Ignorable="mv" mc:PreserveAttributes="mv:*">
+  <p:cSld>
+    <p:spTree>
+      <p:nvGrpSpPr>
+        <p:cNvPr id="1" name=""/>
+        <p:cNvGrpSpPr/>
+        <p:nvPr/>
+      </p:nvGrpSpPr>
+      <p:grpSpPr>
+        <a:xfrm>
+          <a:off x="0" y="0"/>
+          <a:ext cx="0" cy="0"/>
+          <a:chOff x="0" y="0"/>
+          <a:chExt cx="0" cy="0"/>
+        </a:xfrm>
+      </p:grpSpPr>
+      <p:pic>
+        <p:nvPicPr>
+          <p:cNvPr id="5" name="Picture 2" descr="H:\Eagle-i\Office\OHSU Library Logo.transparent.tif"/>
+          <p:cNvPicPr>
+            <a:picLocks noChangeAspect="1" noChangeArrowheads="1"/>
+          </p:cNvPicPr>
+          <p:nvPr/>
+        </p:nvPicPr>
+        <p:blipFill>
+          <a:blip r:embed="rId3"/>
+          <a:srcRect/>
+          <a:stretch>
+            <a:fillRect/>
+          </a:stretch>
+        </p:blipFill>
+        <p:spPr bwMode="auto">
+          <a:xfrm>
+            <a:off x="8305800" y="6122988"/>
+            <a:ext cx="882650" cy="735012"/>
+          </a:xfrm>
+          <a:prstGeom prst="rect">
+            <a:avLst/>
+          </a:prstGeom>
+          <a:noFill/>
+          <a:ln w="9525">
+            <a:noFill/>
+            <a:miter lim="800000"/>
+            <a:headEnd/>
+            <a:tailEnd/>
+          </a:ln>
+        </p:spPr>
+      </p:pic>
+      <p:grpSp>
+        <p:nvGrpSpPr>
+          <p:cNvPr id="2" name="Group 8"/>
+          <p:cNvGrpSpPr>
+            <a:grpSpLocks/>
+          </p:cNvGrpSpPr>
+          <p:nvPr/>
+        </p:nvGrpSpPr>
+        <p:grpSpPr bwMode="auto">
+          <a:xfrm>
+            <a:off x="115888" y="6183313"/>
+            <a:ext cx="2011362" cy="649287"/>
+            <a:chOff x="696913" y="6069621"/>
+            <a:chExt cx="2011616" cy="649602"/>
+          </a:xfrm>
+        </p:grpSpPr>
+        <p:sp>
+          <p:nvSpPr>
+            <p:cNvPr id="7" name="TextBox 4"/>
+            <p:cNvSpPr txBox="1">
+              <a:spLocks noChangeArrowheads="1"/>
+            </p:cNvSpPr>
+            <p:nvPr/>
+          </p:nvSpPr>
+          <p:spPr bwMode="auto">
+            <a:xfrm>
+              <a:off x="1470916" y="6473002"/>
+              <a:ext cx="1237613" cy="246221"/>
+            </a:xfrm>
+            <a:prstGeom prst="rect">
+              <a:avLst/>
+            </a:prstGeom>
+            <a:noFill/>
+            <a:ln w="9525">
+              <a:noFill/>
+              <a:miter lim="800000"/>
+              <a:headEnd/>
+              <a:tailEnd/>
+            </a:ln>
+          </p:spPr>
+          <p:txBody>
+            <a:bodyPr>
+              <a:prstTxWarp prst="textNoShape">
+                <a:avLst/>
+              </a:prstTxWarp>
+              <a:spAutoFit/>
+            </a:bodyPr>
+            <a:lstStyle/>
+            <a:p>
+              <a:r>
+                <a:rPr lang="en-US" sz="1000" b="1">
+                  <a:latin typeface="Corbel" charset="0"/>
+                </a:rPr>
+                <a:t>c o n s o r t i u m</a:t>
+              </a:r>
+            </a:p>
+          </p:txBody>
+        </p:sp>
+        <p:pic>
+          <p:nvPicPr>
+            <p:cNvPr id="8" name="Picture 6" descr="C:\Documents and Settings\rgg9\Desktop\eagle-i\Images\U24_Logos\EI_Logo_Final_BW.png"/>
+            <p:cNvPicPr>
+              <a:picLocks noChangeAspect="1" noChangeArrowheads="1"/>
+            </p:cNvPicPr>
+            <p:nvPr/>
+          </p:nvPicPr>
+          <p:blipFill>
+            <a:blip r:embed="rId4"/>
+            <a:srcRect/>
+            <a:stretch>
+              <a:fillRect/>
+            </a:stretch>
+          </p:blipFill>
+          <p:spPr bwMode="auto">
+            <a:xfrm>
+              <a:off x="696913" y="6069621"/>
+              <a:ext cx="1747395" cy="605925"/>
+            </a:xfrm>
+            <a:prstGeom prst="rect">
+              <a:avLst/>
+            </a:prstGeom>
+            <a:noFill/>
+            <a:ln w="9525">
+              <a:noFill/>
+              <a:miter lim="800000"/>
+              <a:headEnd/>
+              <a:tailEnd/>
+            </a:ln>
+          </p:spPr>
+        </p:pic>
+      </p:grpSp>
+      <p:sp>
+        <p:nvSpPr>
+          <p:cNvPr id="14" name="Content Placeholder 2"/>
+          <p:cNvSpPr>
+            <a:spLocks noGrp="1"/>
+          </p:cNvSpPr>
+          <p:nvPr/>
+        </p:nvSpPr>
+        <p:spPr>
+          <a:xfrm>
+            <a:off x="472959" y="1758647"/>
+            <a:ext cx="8209387" cy="4525963"/>
+          </a:xfrm>
+          <a:prstGeom prst="rect">
+            <a:avLst/>
+          </a:prstGeom>
+          <a:effectLst/>
+        </p:spPr>
+        <p:txBody>
+          <a:bodyPr anchor="ctr">
+            <a:scene3d>
+              <a:camera prst="orthographicFront"/>
+              <a:lightRig rig="chilly" dir="t"/>
+            </a:scene3d>
+            <a:sp3d extrusionH="6350">
+              <a:extrusionClr>
+                <a:schemeClr val="bg1"/>
+              </a:extrusionClr>
+            </a:sp3d>
+          </a:bodyPr>
+          <a:lstStyle>
+            <a:lvl1pPr marL="342900" indent="-342900" algn="l" defTabSz="914400" rtl="0" eaLnBrk="1" latinLnBrk="0" hangingPunct="1">
+              <a:spcBef>
+                <a:spcPts val="2000"/>
+              </a:spcBef>
+              <a:buSzPct val="80000"/>
+              <a:buFont typeface="Wingdings" pitchFamily="2" charset="2"/>
+              <a:buChar char="l"/>
+              <a:defRPr sz="2400" kern="1200">
+                <a:gradFill>
+                  <a:gsLst>
+                    <a:gs pos="50000">
+                      <a:schemeClr val="tx1">
+                        <a:lumMod val="65000"/>
+                        <a:lumOff val="35000"/>
+                      </a:schemeClr>
+                    </a:gs>
+                    <a:gs pos="100000">
+                      <a:schemeClr val="tx1">
+                        <a:lumMod val="85000"/>
+                        <a:lumOff val="15000"/>
+                      </a:schemeClr>
+                    </a:gs>
+                  </a:gsLst>
+                  <a:lin ang="5400000" scaled="0"/>
+                </a:gradFill>
+                <a:effectLst/>
+                <a:latin typeface="+mn-lt"/>
+                <a:ea typeface="+mn-ea"/>
+                <a:cs typeface="+mn-cs"/>
+              </a:defRPr>
+            </a:lvl1pPr>
+            <a:lvl2pPr marL="685800" indent="-336550" algn="l" defTabSz="914400" rtl="0" eaLnBrk="1" latinLnBrk="0" hangingPunct="1">
+              <a:spcBef>
+                <a:spcPct val="20000"/>
+              </a:spcBef>
+              <a:buSzPct val="80000"/>
+              <a:buFont typeface="Wingdings" pitchFamily="2" charset="2"/>
+              <a:buChar char="l"/>
+              <a:defRPr sz="2200" kern="1200">
+                <a:gradFill>
+                  <a:gsLst>
+                    <a:gs pos="50000">
+                      <a:schemeClr val="tx1">
+                        <a:lumMod val="65000"/>
+                        <a:lumOff val="35000"/>
+                      </a:schemeClr>
+                    </a:gs>
+                    <a:gs pos="100000">
+                      <a:schemeClr val="tx1">
+                        <a:lumMod val="85000"/>
+                        <a:lumOff val="15000"/>
+                      </a:schemeClr>
+                    </a:gs>
+                  </a:gsLst>
+                  <a:lin ang="5400000" scaled="0"/>
+                </a:gradFill>
+                <a:effectLst/>
+                <a:latin typeface="+mn-lt"/>
+                <a:ea typeface="+mn-ea"/>
+                <a:cs typeface="+mn-cs"/>
+              </a:defRPr>
+            </a:lvl2pPr>
+            <a:lvl3pPr marL="1035050" indent="-349250" algn="l" defTabSz="914400" rtl="0" eaLnBrk="1" latinLnBrk="0" hangingPunct="1">
+              <a:spcBef>
+                <a:spcPct val="20000"/>
+              </a:spcBef>
+              <a:buSzPct val="80000"/>
+              <a:buFont typeface="Wingdings" pitchFamily="2" charset="2"/>
+              <a:buChar char="l"/>
+              <a:defRPr sz="2000" kern="1200">
+                <a:gradFill>
+                  <a:gsLst>
+                    <a:gs pos="50000">
+                      <a:schemeClr val="tx1">
+                        <a:lumMod val="65000"/>
+                        <a:lumOff val="35000"/>
+                      </a:schemeClr>
+                    </a:gs>
+                    <a:gs pos="100000">
+                      <a:schemeClr val="tx1">
+                        <a:lumMod val="85000"/>
+                        <a:lumOff val="15000"/>
+                      </a:schemeClr>
+                    </a:gs>
+                  </a:gsLst>
+                  <a:lin ang="5400000" scaled="0"/>
+                </a:gradFill>
+                <a:effectLst/>
+                <a:latin typeface="+mn-lt"/>
+                <a:ea typeface="+mn-ea"/>
+                <a:cs typeface="+mn-cs"/>
+              </a:defRPr>
+            </a:lvl3pPr>
+            <a:lvl4pPr marL="1371600" indent="-336550" algn="l" defTabSz="914400" rtl="0" eaLnBrk="1" latinLnBrk="0" hangingPunct="1">
+              <a:spcBef>
+                <a:spcPct val="20000"/>
+              </a:spcBef>
+              <a:buSzPct val="80000"/>
+              <a:buFont typeface="Wingdings" pitchFamily="2" charset="2"/>
+              <a:buChar char="l"/>
+              <a:defRPr sz="1800" kern="1200">
+                <a:gradFill>
+                  <a:gsLst>
+                    <a:gs pos="50000">
+                      <a:schemeClr val="tx1">
+                        <a:lumMod val="65000"/>
+                        <a:lumOff val="35000"/>
+                      </a:schemeClr>
+                    </a:gs>
+                    <a:gs pos="100000">
+                      <a:schemeClr val="tx1">
+                        <a:lumMod val="85000"/>
+                        <a:lumOff val="15000"/>
+                      </a:schemeClr>
+                    </a:gs>
+                  </a:gsLst>
+                  <a:lin ang="5400000" scaled="0"/>
+                </a:gradFill>
+                <a:effectLst/>
+                <a:latin typeface="+mn-lt"/>
+                <a:ea typeface="+mn-ea"/>
+                <a:cs typeface="+mn-cs"/>
+              </a:defRPr>
+            </a:lvl4pPr>
+            <a:lvl5pPr marL="1720850" indent="-349250" algn="l" defTabSz="914400" rtl="0" eaLnBrk="1" latinLnBrk="0" hangingPunct="1">
+              <a:spcBef>
+                <a:spcPct val="20000"/>
+              </a:spcBef>
+              <a:buSzPct val="80000"/>
+              <a:buFont typeface="Wingdings" pitchFamily="2" charset="2"/>
+              <a:buChar char="l"/>
+              <a:defRPr sz="1800" kern="1200">
+                <a:gradFill>
+                  <a:gsLst>
+                    <a:gs pos="50000">
+                      <a:schemeClr val="tx1">
+                        <a:lumMod val="65000"/>
+                        <a:lumOff val="35000"/>
+                      </a:schemeClr>
+                    </a:gs>
+                    <a:gs pos="100000">
+                      <a:schemeClr val="tx1">
+                        <a:lumMod val="85000"/>
+                        <a:lumOff val="15000"/>
+                      </a:schemeClr>
+                    </a:gs>
+                  </a:gsLst>
+                  <a:lin ang="5400000" scaled="0"/>
+                </a:gradFill>
+                <a:effectLst/>
+                <a:latin typeface="+mn-lt"/>
+                <a:ea typeface="+mn-ea"/>
+                <a:cs typeface="+mn-cs"/>
+              </a:defRPr>
+            </a:lvl5pPr>
+            <a:lvl6pPr marL="2514600" indent="-228600" algn="l" defTabSz="914400" rtl="0" eaLnBrk="1" latinLnBrk="0" hangingPunct="1">
+              <a:spcBef>
+                <a:spcPct val="20000"/>
+              </a:spcBef>
+              <a:buFont typeface="Arial" pitchFamily="34" charset="0"/>
+              <a:buChar char="•"/>
+              <a:defRPr sz="2000" kern="1200">
+                <a:solidFill>
+                  <a:schemeClr val="tx1"/>
+                </a:solidFill>
+                <a:latin typeface="+mn-lt"/>
+                <a:ea typeface="+mn-ea"/>
+                <a:cs typeface="+mn-cs"/>
+              </a:defRPr>
+            </a:lvl6pPr>
+            <a:lvl7pPr marL="2971800" indent="-228600" algn="l" defTabSz="914400" rtl="0" eaLnBrk="1" latinLnBrk="0" hangingPunct="1">
+              <a:spcBef>
+                <a:spcPct val="20000"/>
+              </a:spcBef>
+              <a:buFont typeface="Arial" pitchFamily="34" charset="0"/>
+              <a:buChar char="•"/>
+              <a:defRPr sz="2000" kern="1200">
+                <a:solidFill>
+                  <a:schemeClr val="tx1"/>
+                </a:solidFill>
+                <a:latin typeface="+mn-lt"/>
+                <a:ea typeface="+mn-ea"/>
+                <a:cs typeface="+mn-cs"/>
+              </a:defRPr>
+            </a:lvl7pPr>
+            <a:lvl8pPr marL="3429000" indent="-228600" algn="l" defTabSz="914400" rtl="0" eaLnBrk="1" latinLnBrk="0" hangingPunct="1">
+              <a:spcBef>
+                <a:spcPct val="20000"/>
+              </a:spcBef>
+              <a:buFont typeface="Arial" pitchFamily="34" charset="0"/>
+              <a:buChar char="•"/>
+              <a:defRPr sz="2000" kern="1200">
+                <a:solidFill>
+                  <a:schemeClr val="tx1"/>
+                </a:solidFill>
+                <a:latin typeface="+mn-lt"/>
+                <a:ea typeface="+mn-ea"/>
+                <a:cs typeface="+mn-cs"/>
+              </a:defRPr>
+            </a:lvl8pPr>
+            <a:lvl9pPr marL="3886200" indent="-228600" algn="l" defTabSz="914400" rtl="0" eaLnBrk="1" latinLnBrk="0" hangingPunct="1">
+              <a:spcBef>
+                <a:spcPct val="20000"/>
+              </a:spcBef>
+              <a:buFont typeface="Arial" pitchFamily="34" charset="0"/>
+              <a:buChar char="•"/>
+              <a:defRPr sz="2000" kern="1200">
+                <a:solidFill>
+                  <a:schemeClr val="tx1"/>
+                </a:solidFill>
+                <a:latin typeface="+mn-lt"/>
+                <a:ea typeface="+mn-ea"/>
+                <a:cs typeface="+mn-cs"/>
+              </a:defRPr>
+            </a:lvl9pPr>
+          </a:lstStyle>
+          <a:p>
+            <a:pPr marL="234950" indent="-234950" fontAlgn="auto">
+              <a:spcAft>
+                <a:spcPts val="0"/>
+              </a:spcAft>
+              <a:buSzPct val="125000"/>
+              <a:buFont typeface="Wingdings" pitchFamily="2" charset="2"/>
+              <a:buNone/>
+              <a:defRPr/>
+            </a:pPr>
+            <a:endParaRPr lang="en-US" sz="2600" i="1" dirty="0" smtClean="0">
+              <a:solidFill>
+                <a:schemeClr val="tx1"/>
+              </a:solidFill>
+              <a:latin typeface="Trebuchet MS"/>
+              <a:ea typeface="ＭＳ Ｐゴシック" pitchFamily="34" charset="-128"/>
+              <a:cs typeface="Trebuchet MS"/>
+            </a:endParaRPr>
+          </a:p>
+          <a:p>
+            <a:pPr marL="234950" indent="-234950" fontAlgn="auto">
+              <a:spcAft>
+                <a:spcPts val="0"/>
+              </a:spcAft>
+              <a:buSzPct val="125000"/>
+              <a:buFont typeface="Wingdings" pitchFamily="2" charset="2"/>
+              <a:buNone/>
+              <a:defRPr/>
+            </a:pPr>
+            <a:endParaRPr lang="en-US" sz="2800" b="1" dirty="0" smtClean="0">
+              <a:solidFill>
+                <a:schemeClr val="tx1">
+                  <a:lumMod val="75000"/>
+                  <a:lumOff val="25000"/>
+                </a:schemeClr>
+              </a:solidFill>
+              <a:latin typeface="Trebuchet MS"/>
+              <a:ea typeface="ＭＳ Ｐゴシック" pitchFamily="34" charset="-128"/>
+              <a:cs typeface="Trebuchet MS"/>
+            </a:endParaRPr>
+          </a:p>
+        </p:txBody>
+      </p:sp>
+      <p:sp>
+        <p:nvSpPr>
+          <p:cNvPr id="9" name="Content Placeholder 2"/>
+          <p:cNvSpPr>
+            <a:spLocks noGrp="1"/>
+          </p:cNvSpPr>
+          <p:nvPr>
+            <p:ph idx="1"/>
+          </p:nvPr>
+        </p:nvSpPr>
+        <p:spPr>
+          <a:xfrm>
             <a:off x="452746" y="888550"/>
             <a:ext cx="8229600" cy="1055430"/>
           </a:xfrm>
@@ -7879,7 +9047,7 @@
 </p:sld>
 </file>
 
-<file path=ppt/slides/slide14.xml><?xml version="1.0" encoding="utf-8"?>
+<file path=ppt/slides/slide15.xml><?xml version="1.0" encoding="utf-8"?>
 <p:sld xmlns:a="http://schemas.openxmlformats.org/drawingml/2006/main" xmlns:r="http://schemas.openxmlformats.org/officeDocument/2006/relationships" xmlns:mc="http://schemas.openxmlformats.org/markup-compatibility/2006" xmlns:mv="urn:schemas-microsoft-com:mac:vml" xmlns:p="http://schemas.openxmlformats.org/presentationml/2006/main" mc:Ignorable="mv" mc:PreserveAttributes="mv:*">
   <p:cSld>
     <p:spTree>
@@ -8460,7 +9628,7 @@
 </p:sld>
 </file>
 
-<file path=ppt/slides/slide15.xml><?xml version="1.0" encoding="utf-8"?>
+<file path=ppt/slides/slide16.xml><?xml version="1.0" encoding="utf-8"?>
 <p:sld xmlns:a="http://schemas.openxmlformats.org/drawingml/2006/main" xmlns:r="http://schemas.openxmlformats.org/officeDocument/2006/relationships" xmlns:mc="http://schemas.openxmlformats.org/markup-compatibility/2006" xmlns:mv="urn:schemas-microsoft-com:mac:vml" xmlns:p="http://schemas.openxmlformats.org/presentationml/2006/main" mc:Ignorable="mv" mc:PreserveAttributes="mv:*">
   <p:cSld>
     <p:spTree>
@@ -9205,7 +10373,7 @@
 </p:sld>
 </file>
 
-<file path=ppt/slides/slide16.xml><?xml version="1.0" encoding="utf-8"?>
+<file path=ppt/slides/slide17.xml><?xml version="1.0" encoding="utf-8"?>
 <p:sld xmlns:a="http://schemas.openxmlformats.org/drawingml/2006/main" xmlns:r="http://schemas.openxmlformats.org/officeDocument/2006/relationships" xmlns:mc="http://schemas.openxmlformats.org/markup-compatibility/2006" xmlns:mv="urn:schemas-microsoft-com:mac:vml" xmlns:p="http://schemas.openxmlformats.org/presentationml/2006/main" mc:Ignorable="mv" mc:PreserveAttributes="mv:*">
   <p:cSld>
     <p:spTree>
@@ -9231,7 +10399,7 @@
           <p:nvPr>
             <p:extLst>
               <p:ext uri="{D42A27DB-BD31-4B8C-83A1-F6EECF244321}">
-                <p14:modId xmlns="" xmlns:a="http://schemas.openxmlformats.org/drawingml/2006/main" xmlns:r="http://schemas.openxmlformats.org/officeDocument/2006/relationships" xmlns:p="http://schemas.openxmlformats.org/presentationml/2006/main" xmlns:p14="http://schemas.microsoft.com/office/powerpoint/2010/main" xmlns:mv="urn:schemas-microsoft-com:mac:vml" xmlns:mc="http://schemas.openxmlformats.org/markup-compatibility/2006" val="3368082906"/>
+                <p14:modId xmlns="" xmlns:p14="http://schemas.microsoft.com/office/powerpoint/2010/main" xmlns:mv="urn:schemas-microsoft-com:mac:vml" xmlns:mc="http://schemas.openxmlformats.org/markup-compatibility/2006" xmlns:p="http://schemas.openxmlformats.org/presentationml/2006/main" xmlns:r="http://schemas.openxmlformats.org/officeDocument/2006/relationships" xmlns:a="http://schemas.openxmlformats.org/drawingml/2006/main" val="3368082906"/>
               </p:ext>
             </p:extLst>
           </p:nvPr>
@@ -9817,8 +10985,13 @@
             </a:pPr>
             <a:r>
               <a:rPr lang="en-US" sz="2595" dirty="0" smtClean="0"/>
-              <a:t>											Layered modules architecture</a:t>
-            </a:r>
+              <a:t>				</a:t>
+            </a:r>
+            <a:r>
+              <a:rPr lang="en-US" sz="2595" smtClean="0"/>
+              <a:t>				Layered modules</a:t>
+            </a:r>
+            <a:endParaRPr lang="en-US" sz="2595" dirty="0" smtClean="0"/>
           </a:p>
           <a:p>
             <a:pPr>
@@ -9894,7 +11067,7 @@
 </p:sld>
 </file>
 
-<file path=ppt/slides/slide17.xml><?xml version="1.0" encoding="utf-8"?>
+<file path=ppt/slides/slide18.xml><?xml version="1.0" encoding="utf-8"?>
 <p:sld xmlns:a="http://schemas.openxmlformats.org/drawingml/2006/main" xmlns:r="http://schemas.openxmlformats.org/officeDocument/2006/relationships" xmlns:mc="http://schemas.openxmlformats.org/markup-compatibility/2006" xmlns:mv="urn:schemas-microsoft-com:mac:vml" xmlns:p="http://schemas.openxmlformats.org/presentationml/2006/main" mc:Ignorable="mv" mc:PreserveAttributes="mv:*">
   <p:cSld>
     <p:spTree>
@@ -10534,628 +11707,6 @@
 </p:sld>
 </file>
 
-<file path=ppt/slides/slide18.xml><?xml version="1.0" encoding="utf-8"?>
-<p:sld xmlns:a="http://schemas.openxmlformats.org/drawingml/2006/main" xmlns:r="http://schemas.openxmlformats.org/officeDocument/2006/relationships" xmlns:mc="http://schemas.openxmlformats.org/markup-compatibility/2006" xmlns:mv="urn:schemas-microsoft-com:mac:vml" xmlns:p="http://schemas.openxmlformats.org/presentationml/2006/main" mc:Ignorable="mv" mc:PreserveAttributes="mv:*">
-  <p:cSld>
-    <p:spTree>
-      <p:nvGrpSpPr>
-        <p:cNvPr id="1" name=""/>
-        <p:cNvGrpSpPr/>
-        <p:nvPr/>
-      </p:nvGrpSpPr>
-      <p:grpSpPr>
-        <a:xfrm>
-          <a:off x="0" y="0"/>
-          <a:ext cx="0" cy="0"/>
-          <a:chOff x="0" y="0"/>
-          <a:chExt cx="0" cy="0"/>
-        </a:xfrm>
-      </p:grpSpPr>
-      <p:sp>
-        <p:nvSpPr>
-          <p:cNvPr id="2" name="Title 1"/>
-          <p:cNvSpPr>
-            <a:spLocks noGrp="1"/>
-          </p:cNvSpPr>
-          <p:nvPr>
-            <p:ph type="title"/>
-          </p:nvPr>
-        </p:nvSpPr>
-        <p:spPr/>
-        <p:txBody>
-          <a:bodyPr/>
-          <a:lstStyle/>
-          <a:p>
-            <a:r>
-              <a:rPr lang="en-US" dirty="0" smtClean="0"/>
-              <a:t>Backup</a:t>
-            </a:r>
-            <a:endParaRPr lang="en-US" dirty="0"/>
-          </a:p>
-        </p:txBody>
-      </p:sp>
-      <p:sp>
-        <p:nvSpPr>
-          <p:cNvPr id="3" name="Content Placeholder 2"/>
-          <p:cNvSpPr>
-            <a:spLocks noGrp="1"/>
-          </p:cNvSpPr>
-          <p:nvPr>
-            <p:ph idx="1"/>
-          </p:nvPr>
-        </p:nvSpPr>
-        <p:spPr/>
-        <p:txBody>
-          <a:bodyPr>
-            <a:normAutofit/>
-          </a:bodyPr>
-          <a:lstStyle/>
-          <a:p>
-            <a:pPr>
-              <a:buNone/>
-            </a:pPr>
-            <a:r>
-              <a:rPr lang="en-US" dirty="0" smtClean="0"/>
-              <a:t>	</a:t>
-            </a:r>
-          </a:p>
-          <a:p>
-            <a:endParaRPr lang="en-US" dirty="0"/>
-          </a:p>
-        </p:txBody>
-      </p:sp>
-    </p:spTree>
-  </p:cSld>
-  <p:clrMapOvr>
-    <a:masterClrMapping/>
-  </p:clrMapOvr>
-</p:sld>
-</file>
-
-<file path=ppt/slides/slide19.xml><?xml version="1.0" encoding="utf-8"?>
-<p:sld xmlns:a="http://schemas.openxmlformats.org/drawingml/2006/main" xmlns:r="http://schemas.openxmlformats.org/officeDocument/2006/relationships" xmlns:mc="http://schemas.openxmlformats.org/markup-compatibility/2006" xmlns:mv="urn:schemas-microsoft-com:mac:vml" xmlns:p="http://schemas.openxmlformats.org/presentationml/2006/main" mc:Ignorable="mv" mc:PreserveAttributes="mv:*">
-  <p:cSld>
-    <p:spTree>
-      <p:nvGrpSpPr>
-        <p:cNvPr id="1" name=""/>
-        <p:cNvGrpSpPr/>
-        <p:nvPr/>
-      </p:nvGrpSpPr>
-      <p:grpSpPr>
-        <a:xfrm>
-          <a:off x="0" y="0"/>
-          <a:ext cx="0" cy="0"/>
-          <a:chOff x="0" y="0"/>
-          <a:chExt cx="0" cy="0"/>
-        </a:xfrm>
-      </p:grpSpPr>
-      <p:pic>
-        <p:nvPicPr>
-          <p:cNvPr id="5" name="Picture 2" descr="H:\Eagle-i\Office\OHSU Library Logo.transparent.tif"/>
-          <p:cNvPicPr>
-            <a:picLocks noChangeAspect="1" noChangeArrowheads="1"/>
-          </p:cNvPicPr>
-          <p:nvPr/>
-        </p:nvPicPr>
-        <p:blipFill>
-          <a:blip r:embed="rId4"/>
-          <a:srcRect/>
-          <a:stretch>
-            <a:fillRect/>
-          </a:stretch>
-        </p:blipFill>
-        <p:spPr bwMode="auto">
-          <a:xfrm>
-            <a:off x="8305800" y="6122988"/>
-            <a:ext cx="882650" cy="735012"/>
-          </a:xfrm>
-          <a:prstGeom prst="rect">
-            <a:avLst/>
-          </a:prstGeom>
-          <a:noFill/>
-          <a:ln w="9525">
-            <a:noFill/>
-            <a:miter lim="800000"/>
-            <a:headEnd/>
-            <a:tailEnd/>
-          </a:ln>
-        </p:spPr>
-      </p:pic>
-      <p:grpSp>
-        <p:nvGrpSpPr>
-          <p:cNvPr id="2" name="Group 8"/>
-          <p:cNvGrpSpPr>
-            <a:grpSpLocks/>
-          </p:cNvGrpSpPr>
-          <p:nvPr/>
-        </p:nvGrpSpPr>
-        <p:grpSpPr bwMode="auto">
-          <a:xfrm>
-            <a:off x="115888" y="6183313"/>
-            <a:ext cx="2011362" cy="649287"/>
-            <a:chOff x="696913" y="6069621"/>
-            <a:chExt cx="2011616" cy="649602"/>
-          </a:xfrm>
-        </p:grpSpPr>
-        <p:sp>
-          <p:nvSpPr>
-            <p:cNvPr id="7" name="TextBox 4"/>
-            <p:cNvSpPr txBox="1">
-              <a:spLocks noChangeArrowheads="1"/>
-            </p:cNvSpPr>
-            <p:nvPr/>
-          </p:nvSpPr>
-          <p:spPr bwMode="auto">
-            <a:xfrm>
-              <a:off x="1470916" y="6473002"/>
-              <a:ext cx="1237613" cy="246221"/>
-            </a:xfrm>
-            <a:prstGeom prst="rect">
-              <a:avLst/>
-            </a:prstGeom>
-            <a:noFill/>
-            <a:ln w="9525">
-              <a:noFill/>
-              <a:miter lim="800000"/>
-              <a:headEnd/>
-              <a:tailEnd/>
-            </a:ln>
-          </p:spPr>
-          <p:txBody>
-            <a:bodyPr>
-              <a:prstTxWarp prst="textNoShape">
-                <a:avLst/>
-              </a:prstTxWarp>
-              <a:spAutoFit/>
-            </a:bodyPr>
-            <a:lstStyle/>
-            <a:p>
-              <a:r>
-                <a:rPr lang="en-US" sz="1000" b="1">
-                  <a:latin typeface="Corbel" charset="0"/>
-                </a:rPr>
-                <a:t>c o n s o r t i u m</a:t>
-              </a:r>
-            </a:p>
-          </p:txBody>
-        </p:sp>
-        <p:pic>
-          <p:nvPicPr>
-            <p:cNvPr id="8" name="Picture 6" descr="C:\Documents and Settings\rgg9\Desktop\eagle-i\Images\U24_Logos\EI_Logo_Final_BW.png"/>
-            <p:cNvPicPr>
-              <a:picLocks noChangeAspect="1" noChangeArrowheads="1"/>
-            </p:cNvPicPr>
-            <p:nvPr/>
-          </p:nvPicPr>
-          <p:blipFill>
-            <a:blip r:embed="rId5"/>
-            <a:srcRect/>
-            <a:stretch>
-              <a:fillRect/>
-            </a:stretch>
-          </p:blipFill>
-          <p:spPr bwMode="auto">
-            <a:xfrm>
-              <a:off x="696913" y="6069621"/>
-              <a:ext cx="1747395" cy="605925"/>
-            </a:xfrm>
-            <a:prstGeom prst="rect">
-              <a:avLst/>
-            </a:prstGeom>
-            <a:noFill/>
-            <a:ln w="9525">
-              <a:noFill/>
-              <a:miter lim="800000"/>
-              <a:headEnd/>
-              <a:tailEnd/>
-            </a:ln>
-          </p:spPr>
-        </p:pic>
-      </p:grpSp>
-      <p:sp>
-        <p:nvSpPr>
-          <p:cNvPr id="14" name="Content Placeholder 2"/>
-          <p:cNvSpPr>
-            <a:spLocks noGrp="1"/>
-          </p:cNvSpPr>
-          <p:nvPr/>
-        </p:nvSpPr>
-        <p:spPr>
-          <a:xfrm>
-            <a:off x="472959" y="1758647"/>
-            <a:ext cx="8209387" cy="4525963"/>
-          </a:xfrm>
-          <a:prstGeom prst="rect">
-            <a:avLst/>
-          </a:prstGeom>
-          <a:effectLst/>
-        </p:spPr>
-        <p:txBody>
-          <a:bodyPr anchor="ctr">
-            <a:scene3d>
-              <a:camera prst="orthographicFront"/>
-              <a:lightRig rig="chilly" dir="t"/>
-            </a:scene3d>
-            <a:sp3d extrusionH="6350">
-              <a:extrusionClr>
-                <a:schemeClr val="bg1"/>
-              </a:extrusionClr>
-            </a:sp3d>
-          </a:bodyPr>
-          <a:lstStyle>
-            <a:lvl1pPr marL="342900" indent="-342900" algn="l" defTabSz="914400" rtl="0" eaLnBrk="1" latinLnBrk="0" hangingPunct="1">
-              <a:spcBef>
-                <a:spcPts val="2000"/>
-              </a:spcBef>
-              <a:buSzPct val="80000"/>
-              <a:buFont typeface="Wingdings" pitchFamily="2" charset="2"/>
-              <a:buChar char="l"/>
-              <a:defRPr sz="2400" kern="1200">
-                <a:gradFill>
-                  <a:gsLst>
-                    <a:gs pos="50000">
-                      <a:schemeClr val="tx1">
-                        <a:lumMod val="65000"/>
-                        <a:lumOff val="35000"/>
-                      </a:schemeClr>
-                    </a:gs>
-                    <a:gs pos="100000">
-                      <a:schemeClr val="tx1">
-                        <a:lumMod val="85000"/>
-                        <a:lumOff val="15000"/>
-                      </a:schemeClr>
-                    </a:gs>
-                  </a:gsLst>
-                  <a:lin ang="5400000" scaled="0"/>
-                </a:gradFill>
-                <a:effectLst/>
-                <a:latin typeface="+mn-lt"/>
-                <a:ea typeface="+mn-ea"/>
-                <a:cs typeface="+mn-cs"/>
-              </a:defRPr>
-            </a:lvl1pPr>
-            <a:lvl2pPr marL="685800" indent="-336550" algn="l" defTabSz="914400" rtl="0" eaLnBrk="1" latinLnBrk="0" hangingPunct="1">
-              <a:spcBef>
-                <a:spcPct val="20000"/>
-              </a:spcBef>
-              <a:buSzPct val="80000"/>
-              <a:buFont typeface="Wingdings" pitchFamily="2" charset="2"/>
-              <a:buChar char="l"/>
-              <a:defRPr sz="2200" kern="1200">
-                <a:gradFill>
-                  <a:gsLst>
-                    <a:gs pos="50000">
-                      <a:schemeClr val="tx1">
-                        <a:lumMod val="65000"/>
-                        <a:lumOff val="35000"/>
-                      </a:schemeClr>
-                    </a:gs>
-                    <a:gs pos="100000">
-                      <a:schemeClr val="tx1">
-                        <a:lumMod val="85000"/>
-                        <a:lumOff val="15000"/>
-                      </a:schemeClr>
-                    </a:gs>
-                  </a:gsLst>
-                  <a:lin ang="5400000" scaled="0"/>
-                </a:gradFill>
-                <a:effectLst/>
-                <a:latin typeface="+mn-lt"/>
-                <a:ea typeface="+mn-ea"/>
-                <a:cs typeface="+mn-cs"/>
-              </a:defRPr>
-            </a:lvl2pPr>
-            <a:lvl3pPr marL="1035050" indent="-349250" algn="l" defTabSz="914400" rtl="0" eaLnBrk="1" latinLnBrk="0" hangingPunct="1">
-              <a:spcBef>
-                <a:spcPct val="20000"/>
-              </a:spcBef>
-              <a:buSzPct val="80000"/>
-              <a:buFont typeface="Wingdings" pitchFamily="2" charset="2"/>
-              <a:buChar char="l"/>
-              <a:defRPr sz="2000" kern="1200">
-                <a:gradFill>
-                  <a:gsLst>
-                    <a:gs pos="50000">
-                      <a:schemeClr val="tx1">
-                        <a:lumMod val="65000"/>
-                        <a:lumOff val="35000"/>
-                      </a:schemeClr>
-                    </a:gs>
-                    <a:gs pos="100000">
-                      <a:schemeClr val="tx1">
-                        <a:lumMod val="85000"/>
-                        <a:lumOff val="15000"/>
-                      </a:schemeClr>
-                    </a:gs>
-                  </a:gsLst>
-                  <a:lin ang="5400000" scaled="0"/>
-                </a:gradFill>
-                <a:effectLst/>
-                <a:latin typeface="+mn-lt"/>
-                <a:ea typeface="+mn-ea"/>
-                <a:cs typeface="+mn-cs"/>
-              </a:defRPr>
-            </a:lvl3pPr>
-            <a:lvl4pPr marL="1371600" indent="-336550" algn="l" defTabSz="914400" rtl="0" eaLnBrk="1" latinLnBrk="0" hangingPunct="1">
-              <a:spcBef>
-                <a:spcPct val="20000"/>
-              </a:spcBef>
-              <a:buSzPct val="80000"/>
-              <a:buFont typeface="Wingdings" pitchFamily="2" charset="2"/>
-              <a:buChar char="l"/>
-              <a:defRPr sz="1800" kern="1200">
-                <a:gradFill>
-                  <a:gsLst>
-                    <a:gs pos="50000">
-                      <a:schemeClr val="tx1">
-                        <a:lumMod val="65000"/>
-                        <a:lumOff val="35000"/>
-                      </a:schemeClr>
-                    </a:gs>
-                    <a:gs pos="100000">
-                      <a:schemeClr val="tx1">
-                        <a:lumMod val="85000"/>
-                        <a:lumOff val="15000"/>
-                      </a:schemeClr>
-                    </a:gs>
-                  </a:gsLst>
-                  <a:lin ang="5400000" scaled="0"/>
-                </a:gradFill>
-                <a:effectLst/>
-                <a:latin typeface="+mn-lt"/>
-                <a:ea typeface="+mn-ea"/>
-                <a:cs typeface="+mn-cs"/>
-              </a:defRPr>
-            </a:lvl4pPr>
-            <a:lvl5pPr marL="1720850" indent="-349250" algn="l" defTabSz="914400" rtl="0" eaLnBrk="1" latinLnBrk="0" hangingPunct="1">
-              <a:spcBef>
-                <a:spcPct val="20000"/>
-              </a:spcBef>
-              <a:buSzPct val="80000"/>
-              <a:buFont typeface="Wingdings" pitchFamily="2" charset="2"/>
-              <a:buChar char="l"/>
-              <a:defRPr sz="1800" kern="1200">
-                <a:gradFill>
-                  <a:gsLst>
-                    <a:gs pos="50000">
-                      <a:schemeClr val="tx1">
-                        <a:lumMod val="65000"/>
-                        <a:lumOff val="35000"/>
-                      </a:schemeClr>
-                    </a:gs>
-                    <a:gs pos="100000">
-                      <a:schemeClr val="tx1">
-                        <a:lumMod val="85000"/>
-                        <a:lumOff val="15000"/>
-                      </a:schemeClr>
-                    </a:gs>
-                  </a:gsLst>
-                  <a:lin ang="5400000" scaled="0"/>
-                </a:gradFill>
-                <a:effectLst/>
-                <a:latin typeface="+mn-lt"/>
-                <a:ea typeface="+mn-ea"/>
-                <a:cs typeface="+mn-cs"/>
-              </a:defRPr>
-            </a:lvl5pPr>
-            <a:lvl6pPr marL="2514600" indent="-228600" algn="l" defTabSz="914400" rtl="0" eaLnBrk="1" latinLnBrk="0" hangingPunct="1">
-              <a:spcBef>
-                <a:spcPct val="20000"/>
-              </a:spcBef>
-              <a:buFont typeface="Arial" pitchFamily="34" charset="0"/>
-              <a:buChar char="•"/>
-              <a:defRPr sz="2000" kern="1200">
-                <a:solidFill>
-                  <a:schemeClr val="tx1"/>
-                </a:solidFill>
-                <a:latin typeface="+mn-lt"/>
-                <a:ea typeface="+mn-ea"/>
-                <a:cs typeface="+mn-cs"/>
-              </a:defRPr>
-            </a:lvl6pPr>
-            <a:lvl7pPr marL="2971800" indent="-228600" algn="l" defTabSz="914400" rtl="0" eaLnBrk="1" latinLnBrk="0" hangingPunct="1">
-              <a:spcBef>
-                <a:spcPct val="20000"/>
-              </a:spcBef>
-              <a:buFont typeface="Arial" pitchFamily="34" charset="0"/>
-              <a:buChar char="•"/>
-              <a:defRPr sz="2000" kern="1200">
-                <a:solidFill>
-                  <a:schemeClr val="tx1"/>
-                </a:solidFill>
-                <a:latin typeface="+mn-lt"/>
-                <a:ea typeface="+mn-ea"/>
-                <a:cs typeface="+mn-cs"/>
-              </a:defRPr>
-            </a:lvl7pPr>
-            <a:lvl8pPr marL="3429000" indent="-228600" algn="l" defTabSz="914400" rtl="0" eaLnBrk="1" latinLnBrk="0" hangingPunct="1">
-              <a:spcBef>
-                <a:spcPct val="20000"/>
-              </a:spcBef>
-              <a:buFont typeface="Arial" pitchFamily="34" charset="0"/>
-              <a:buChar char="•"/>
-              <a:defRPr sz="2000" kern="1200">
-                <a:solidFill>
-                  <a:schemeClr val="tx1"/>
-                </a:solidFill>
-                <a:latin typeface="+mn-lt"/>
-                <a:ea typeface="+mn-ea"/>
-                <a:cs typeface="+mn-cs"/>
-              </a:defRPr>
-            </a:lvl8pPr>
-            <a:lvl9pPr marL="3886200" indent="-228600" algn="l" defTabSz="914400" rtl="0" eaLnBrk="1" latinLnBrk="0" hangingPunct="1">
-              <a:spcBef>
-                <a:spcPct val="20000"/>
-              </a:spcBef>
-              <a:buFont typeface="Arial" pitchFamily="34" charset="0"/>
-              <a:buChar char="•"/>
-              <a:defRPr sz="2000" kern="1200">
-                <a:solidFill>
-                  <a:schemeClr val="tx1"/>
-                </a:solidFill>
-                <a:latin typeface="+mn-lt"/>
-                <a:ea typeface="+mn-ea"/>
-                <a:cs typeface="+mn-cs"/>
-              </a:defRPr>
-            </a:lvl9pPr>
-          </a:lstStyle>
-          <a:p>
-            <a:pPr marL="234950" indent="-234950" fontAlgn="auto">
-              <a:spcAft>
-                <a:spcPts val="0"/>
-              </a:spcAft>
-              <a:buSzPct val="125000"/>
-              <a:buFont typeface="Wingdings" pitchFamily="2" charset="2"/>
-              <a:buNone/>
-              <a:defRPr/>
-            </a:pPr>
-            <a:endParaRPr lang="en-US" sz="2600" i="1" dirty="0" smtClean="0">
-              <a:solidFill>
-                <a:schemeClr val="tx1"/>
-              </a:solidFill>
-              <a:latin typeface="Trebuchet MS"/>
-              <a:ea typeface="ＭＳ Ｐゴシック" pitchFamily="34" charset="-128"/>
-              <a:cs typeface="Trebuchet MS"/>
-            </a:endParaRPr>
-          </a:p>
-          <a:p>
-            <a:pPr marL="234950" indent="-234950" fontAlgn="auto">
-              <a:spcAft>
-                <a:spcPts val="0"/>
-              </a:spcAft>
-              <a:buSzPct val="125000"/>
-              <a:buFont typeface="Wingdings" pitchFamily="2" charset="2"/>
-              <a:buNone/>
-              <a:defRPr/>
-            </a:pPr>
-            <a:endParaRPr lang="en-US" sz="2800" b="1" dirty="0" smtClean="0">
-              <a:solidFill>
-                <a:schemeClr val="tx1">
-                  <a:lumMod val="75000"/>
-                  <a:lumOff val="25000"/>
-                </a:schemeClr>
-              </a:solidFill>
-              <a:latin typeface="Trebuchet MS"/>
-              <a:ea typeface="ＭＳ Ｐゴシック" pitchFamily="34" charset="-128"/>
-              <a:cs typeface="Trebuchet MS"/>
-            </a:endParaRPr>
-          </a:p>
-        </p:txBody>
-      </p:sp>
-      <p:sp>
-        <p:nvSpPr>
-          <p:cNvPr id="10" name="Title 1"/>
-          <p:cNvSpPr>
-            <a:spLocks noGrp="1"/>
-          </p:cNvSpPr>
-          <p:nvPr>
-            <p:ph type="title" idx="4294967295"/>
-          </p:nvPr>
-        </p:nvSpPr>
-        <p:spPr>
-          <a:xfrm>
-            <a:off x="0" y="-147506"/>
-            <a:ext cx="9144000" cy="1143000"/>
-          </a:xfrm>
-        </p:spPr>
-        <p:txBody>
-          <a:bodyPr>
-            <a:normAutofit/>
-          </a:bodyPr>
-          <a:lstStyle/>
-          <a:p>
-            <a:pPr fontAlgn="auto">
-              <a:spcAft>
-                <a:spcPts val="0"/>
-              </a:spcAft>
-              <a:defRPr/>
-            </a:pPr>
-            <a:r>
-              <a:rPr lang="en-US" b="1" dirty="0" smtClean="0">
-                <a:solidFill>
-                  <a:srgbClr val="800000"/>
-                </a:solidFill>
-                <a:ea typeface="ＭＳ Ｐゴシック" pitchFamily="34" charset="-128"/>
-                <a:cs typeface="Arial Bold" pitchFamily="-106" charset="0"/>
-              </a:rPr>
-              <a:t>Service Hierarchy in eagle-</a:t>
-            </a:r>
-            <a:r>
-              <a:rPr lang="en-US" b="1" dirty="0" err="1" smtClean="0">
-                <a:solidFill>
-                  <a:srgbClr val="800000"/>
-                </a:solidFill>
-                <a:ea typeface="ＭＳ Ｐゴシック" pitchFamily="34" charset="-128"/>
-                <a:cs typeface="Arial Bold" pitchFamily="-106" charset="0"/>
-              </a:rPr>
-              <a:t>i</a:t>
-            </a:r>
-            <a:endParaRPr lang="en-US" sz="4400" b="1" dirty="0" smtClean="0">
-              <a:solidFill>
-                <a:srgbClr val="800000"/>
-              </a:solidFill>
-              <a:ea typeface="ＭＳ Ｐゴシック" pitchFamily="34" charset="-128"/>
-              <a:cs typeface="Arial Bold" pitchFamily="-106" charset="0"/>
-            </a:endParaRPr>
-          </a:p>
-        </p:txBody>
-      </p:sp>
-      <p:sp>
-        <p:nvSpPr>
-          <p:cNvPr id="11" name="Content Placeholder 10"/>
-          <p:cNvSpPr>
-            <a:spLocks noGrp="1"/>
-          </p:cNvSpPr>
-          <p:nvPr>
-            <p:ph idx="1"/>
-          </p:nvPr>
-        </p:nvSpPr>
-        <p:spPr>
-          <a:xfrm>
-            <a:off x="457200" y="995494"/>
-            <a:ext cx="8229600" cy="5130669"/>
-          </a:xfrm>
-        </p:spPr>
-        <p:txBody>
-          <a:bodyPr/>
-          <a:lstStyle/>
-          <a:p>
-            <a:r>
-              <a:rPr lang="en-US" dirty="0" smtClean="0"/>
-              <a:t>Hierarchy based on Process (we will still use the same classes)</a:t>
-            </a:r>
-            <a:endParaRPr lang="en-US" dirty="0"/>
-          </a:p>
-        </p:txBody>
-      </p:sp>
-      <p:graphicFrame>
-        <p:nvGraphicFramePr>
-          <p:cNvPr id="53250" name="Object 2"/>
-          <p:cNvGraphicFramePr>
-            <a:graphicFrameLocks noChangeAspect="1"/>
-          </p:cNvGraphicFramePr>
-          <p:nvPr/>
-        </p:nvGraphicFramePr>
-        <p:xfrm>
-          <a:off x="2310058" y="2164925"/>
-          <a:ext cx="5486400" cy="3810000"/>
-        </p:xfrm>
-        <a:graphic>
-          <a:graphicData uri="http://schemas.openxmlformats.org/presentationml/2006/ole">
-            <p:oleObj spid="_x0000_s53250" name="Document" r:id="rId6" imgW="5486400" imgH="3810000" progId="Word.Document.12">
-              <p:link updateAutomatic="1"/>
-            </p:oleObj>
-          </a:graphicData>
-        </a:graphic>
-      </p:graphicFrame>
-    </p:spTree>
-  </p:cSld>
-  <p:clrMapOvr>
-    <a:masterClrMapping/>
-  </p:clrMapOvr>
-</p:sld>
-</file>
-
 <file path=ppt/slides/slide2.xml><?xml version="1.0" encoding="utf-8"?>
 <p:sld xmlns:a="http://schemas.openxmlformats.org/drawingml/2006/main" xmlns:r="http://schemas.openxmlformats.org/officeDocument/2006/relationships" xmlns:mc="http://schemas.openxmlformats.org/markup-compatibility/2006" xmlns:mv="urn:schemas-microsoft-com:mac:vml" xmlns:p="http://schemas.openxmlformats.org/presentationml/2006/main" mc:Ignorable="mv" mc:PreserveAttributes="mv:*">
   <p:cSld>
@@ -11371,11 +11922,7 @@
             </a:pPr>
             <a:r>
               <a:rPr lang="en-US" dirty="0" smtClean="0"/>
-              <a:t>  </a:t>
-            </a:r>
-            <a:r>
-              <a:rPr lang="en-US" dirty="0" smtClean="0"/>
-              <a:t> </a:t>
+              <a:t>   </a:t>
             </a:r>
             <a:r>
               <a:rPr lang="en-US" b="1" dirty="0" smtClean="0"/>
@@ -11383,11 +11930,7 @@
             </a:r>
             <a:r>
               <a:rPr lang="en-US" dirty="0" smtClean="0"/>
-              <a:t>: Leverage </a:t>
-            </a:r>
-            <a:r>
-              <a:rPr lang="en-US" dirty="0" smtClean="0"/>
-              <a:t>OBI to develop an interoperable application ontology for representing research resources</a:t>
+              <a:t>: Leverage OBI to develop an interoperable application ontology for representing research resources</a:t>
             </a:r>
           </a:p>
           <a:p>
@@ -13023,619 +13566,198 @@
           <a:chExt cx="0" cy="0"/>
         </a:xfrm>
       </p:grpSpPr>
-      <p:pic>
-        <p:nvPicPr>
-          <p:cNvPr id="5" name="Picture 2" descr="H:\Eagle-i\Office\OHSU Library Logo.transparent.tif"/>
-          <p:cNvPicPr>
-            <a:picLocks noChangeAspect="1" noChangeArrowheads="1"/>
-          </p:cNvPicPr>
+      <p:sp>
+        <p:nvSpPr>
+          <p:cNvPr id="12" name="Rectangle 11"/>
+          <p:cNvSpPr/>
           <p:nvPr/>
-        </p:nvPicPr>
-        <p:blipFill>
-          <a:blip r:embed="rId2"/>
-          <a:srcRect/>
-          <a:stretch>
-            <a:fillRect/>
-          </a:stretch>
-        </p:blipFill>
-        <p:spPr bwMode="auto">
+        </p:nvSpPr>
+        <p:spPr>
           <a:xfrm>
-            <a:off x="8305800" y="6122988"/>
-            <a:ext cx="882650" cy="735012"/>
+            <a:off x="3793026" y="3486371"/>
+            <a:ext cx="322729" cy="144025"/>
           </a:xfrm>
           <a:prstGeom prst="rect">
             <a:avLst/>
           </a:prstGeom>
-          <a:noFill/>
-          <a:ln w="9525">
+          <a:solidFill>
+            <a:schemeClr val="bg2"/>
+          </a:solidFill>
+          <a:ln>
             <a:noFill/>
-            <a:miter lim="800000"/>
-            <a:headEnd/>
-            <a:tailEnd/>
           </a:ln>
+          <a:effectLst/>
         </p:spPr>
-      </p:pic>
+        <p:style>
+          <a:lnRef idx="1">
+            <a:schemeClr val="accent1"/>
+          </a:lnRef>
+          <a:fillRef idx="3">
+            <a:schemeClr val="accent1"/>
+          </a:fillRef>
+          <a:effectRef idx="2">
+            <a:schemeClr val="accent1"/>
+          </a:effectRef>
+          <a:fontRef idx="minor">
+            <a:schemeClr val="lt1"/>
+          </a:fontRef>
+        </p:style>
+        <p:txBody>
+          <a:bodyPr rtlCol="0" anchor="ctr"/>
+          <a:lstStyle/>
+          <a:p>
+            <a:pPr algn="ctr"/>
+            <a:endParaRPr lang="en-US"/>
+          </a:p>
+        </p:txBody>
+      </p:sp>
       <p:grpSp>
         <p:nvGrpSpPr>
-          <p:cNvPr id="2" name="Group 8"/>
-          <p:cNvGrpSpPr>
-            <a:grpSpLocks/>
-          </p:cNvGrpSpPr>
+          <p:cNvPr id="2" name="Group 15"/>
+          <p:cNvGrpSpPr/>
           <p:nvPr/>
         </p:nvGrpSpPr>
-        <p:grpSpPr bwMode="auto">
+        <p:grpSpPr>
           <a:xfrm>
-            <a:off x="115888" y="6183313"/>
-            <a:ext cx="2011362" cy="649287"/>
-            <a:chOff x="696913" y="6069621"/>
-            <a:chExt cx="2011616" cy="649602"/>
+            <a:off x="0" y="0"/>
+            <a:ext cx="8343900" cy="10363591"/>
+            <a:chOff x="0" y="0"/>
+            <a:chExt cx="8343900" cy="10363591"/>
           </a:xfrm>
         </p:grpSpPr>
-        <p:sp>
-          <p:nvSpPr>
-            <p:cNvPr id="7" name="TextBox 4"/>
-            <p:cNvSpPr txBox="1">
-              <a:spLocks noChangeArrowheads="1"/>
-            </p:cNvSpPr>
+        <p:grpSp>
+          <p:nvGrpSpPr>
+            <p:cNvPr id="3" name="Group 10"/>
+            <p:cNvGrpSpPr/>
             <p:nvPr/>
-          </p:nvSpPr>
-          <p:spPr bwMode="auto">
+          </p:nvGrpSpPr>
+          <p:grpSpPr>
             <a:xfrm>
-              <a:off x="1470916" y="6473002"/>
-              <a:ext cx="1237613" cy="246221"/>
+              <a:off x="0" y="0"/>
+              <a:ext cx="8343900" cy="10363591"/>
+              <a:chOff x="-952500" y="-3384550"/>
+              <a:chExt cx="11049000" cy="13627100"/>
+            </a:xfrm>
+          </p:grpSpPr>
+          <p:pic>
+            <p:nvPicPr>
+              <p:cNvPr id="8" name="Picture 7"/>
+              <p:cNvPicPr>
+                <a:picLocks noChangeAspect="1"/>
+              </p:cNvPicPr>
+              <p:nvPr/>
+            </p:nvPicPr>
+            <p:blipFill>
+              <a:blip r:embed="rId3"/>
+              <a:stretch>
+                <a:fillRect/>
+              </a:stretch>
+            </p:blipFill>
+            <p:spPr>
+              <a:xfrm>
+                <a:off x="-952500" y="-3384550"/>
+                <a:ext cx="11049000" cy="13627100"/>
+              </a:xfrm>
+              <a:prstGeom prst="rect">
+                <a:avLst/>
+              </a:prstGeom>
+            </p:spPr>
+          </p:pic>
+          <p:sp>
+            <p:nvSpPr>
+              <p:cNvPr id="9" name="Rectangle 8"/>
+              <p:cNvSpPr/>
+              <p:nvPr/>
+            </p:nvSpPr>
+            <p:spPr>
+              <a:xfrm>
+                <a:off x="4201350" y="1454228"/>
+                <a:ext cx="453199" cy="199894"/>
+              </a:xfrm>
+              <a:prstGeom prst="rect">
+                <a:avLst/>
+              </a:prstGeom>
+              <a:solidFill>
+                <a:schemeClr val="bg2"/>
+              </a:solidFill>
+              <a:ln>
+                <a:noFill/>
+              </a:ln>
+              <a:effectLst/>
+            </p:spPr>
+            <p:style>
+              <a:lnRef idx="1">
+                <a:schemeClr val="accent1"/>
+              </a:lnRef>
+              <a:fillRef idx="3">
+                <a:schemeClr val="accent1"/>
+              </a:fillRef>
+              <a:effectRef idx="2">
+                <a:schemeClr val="accent1"/>
+              </a:effectRef>
+              <a:fontRef idx="minor">
+                <a:schemeClr val="lt1"/>
+              </a:fontRef>
+            </p:style>
+            <p:txBody>
+              <a:bodyPr rtlCol="0" anchor="ctr"/>
+              <a:lstStyle/>
+              <a:p>
+                <a:pPr algn="ctr"/>
+                <a:endParaRPr lang="en-US"/>
+              </a:p>
+            </p:txBody>
+          </p:sp>
+        </p:grpSp>
+        <p:pic>
+          <p:nvPicPr>
+            <p:cNvPr id="5" name="Picture 4"/>
+            <p:cNvPicPr>
+              <a:picLocks noChangeAspect="1"/>
+            </p:cNvPicPr>
+            <p:nvPr/>
+          </p:nvPicPr>
+          <p:blipFill>
+            <a:blip r:embed="rId4"/>
+            <a:stretch>
+              <a:fillRect/>
+            </a:stretch>
+          </p:blipFill>
+          <p:spPr>
+            <a:xfrm>
+              <a:off x="5076691" y="3994371"/>
+              <a:ext cx="2369489" cy="2342511"/>
             </a:xfrm>
             <a:prstGeom prst="rect">
               <a:avLst/>
             </a:prstGeom>
-            <a:noFill/>
-            <a:ln w="9525">
-              <a:noFill/>
-              <a:miter lim="800000"/>
-              <a:headEnd/>
-              <a:tailEnd/>
-            </a:ln>
           </p:spPr>
-          <p:txBody>
-            <a:bodyPr>
-              <a:prstTxWarp prst="textNoShape">
-                <a:avLst/>
-              </a:prstTxWarp>
-              <a:spAutoFit/>
-            </a:bodyPr>
-            <a:lstStyle/>
-            <a:p>
-              <a:r>
-                <a:rPr lang="en-US" sz="1000" b="1">
-                  <a:latin typeface="Corbel" charset="0"/>
-                </a:rPr>
-                <a:t>c o n s o r t i u m</a:t>
-              </a:r>
-            </a:p>
-          </p:txBody>
-        </p:sp>
+        </p:pic>
         <p:pic>
           <p:nvPicPr>
-            <p:cNvPr id="8" name="Picture 6" descr="C:\Documents and Settings\rgg9\Desktop\eagle-i\Images\U24_Logos\EI_Logo_Final_BW.png"/>
+            <p:cNvPr id="13" name="Picture 12"/>
             <p:cNvPicPr>
-              <a:picLocks noChangeAspect="1" noChangeArrowheads="1"/>
+              <a:picLocks noChangeAspect="1"/>
             </p:cNvPicPr>
             <p:nvPr/>
           </p:nvPicPr>
           <p:blipFill>
-            <a:blip r:embed="rId3"/>
-            <a:srcRect/>
+            <a:blip r:embed="rId5"/>
             <a:stretch>
               <a:fillRect/>
             </a:stretch>
           </p:blipFill>
-          <p:spPr bwMode="auto">
+          <p:spPr>
             <a:xfrm>
-              <a:off x="696913" y="6069621"/>
-              <a:ext cx="1747395" cy="605925"/>
+              <a:off x="2065651" y="2502643"/>
+              <a:ext cx="1727375" cy="256212"/>
             </a:xfrm>
             <a:prstGeom prst="rect">
               <a:avLst/>
             </a:prstGeom>
-            <a:noFill/>
-            <a:ln w="9525">
-              <a:noFill/>
-              <a:miter lim="800000"/>
-              <a:headEnd/>
-              <a:tailEnd/>
-            </a:ln>
           </p:spPr>
         </p:pic>
       </p:grpSp>
-      <p:sp>
-        <p:nvSpPr>
-          <p:cNvPr id="14" name="Content Placeholder 2"/>
-          <p:cNvSpPr>
-            <a:spLocks noGrp="1"/>
-          </p:cNvSpPr>
-          <p:nvPr/>
-        </p:nvSpPr>
-        <p:spPr>
-          <a:xfrm>
-            <a:off x="472959" y="1758647"/>
-            <a:ext cx="8209387" cy="4525963"/>
-          </a:xfrm>
-          <a:prstGeom prst="rect">
-            <a:avLst/>
-          </a:prstGeom>
-          <a:effectLst/>
-        </p:spPr>
-        <p:txBody>
-          <a:bodyPr anchor="ctr">
-            <a:scene3d>
-              <a:camera prst="orthographicFront"/>
-              <a:lightRig rig="chilly" dir="t"/>
-            </a:scene3d>
-            <a:sp3d extrusionH="6350">
-              <a:extrusionClr>
-                <a:schemeClr val="bg1"/>
-              </a:extrusionClr>
-            </a:sp3d>
-          </a:bodyPr>
-          <a:lstStyle>
-            <a:lvl1pPr marL="342900" indent="-342900" algn="l" defTabSz="914400" rtl="0" eaLnBrk="1" latinLnBrk="0" hangingPunct="1">
-              <a:spcBef>
-                <a:spcPts val="2000"/>
-              </a:spcBef>
-              <a:buSzPct val="80000"/>
-              <a:buFont typeface="Wingdings" pitchFamily="2" charset="2"/>
-              <a:buChar char="l"/>
-              <a:defRPr sz="2400" kern="1200">
-                <a:gradFill>
-                  <a:gsLst>
-                    <a:gs pos="50000">
-                      <a:schemeClr val="tx1">
-                        <a:lumMod val="65000"/>
-                        <a:lumOff val="35000"/>
-                      </a:schemeClr>
-                    </a:gs>
-                    <a:gs pos="100000">
-                      <a:schemeClr val="tx1">
-                        <a:lumMod val="85000"/>
-                        <a:lumOff val="15000"/>
-                      </a:schemeClr>
-                    </a:gs>
-                  </a:gsLst>
-                  <a:lin ang="5400000" scaled="0"/>
-                </a:gradFill>
-                <a:effectLst/>
-                <a:latin typeface="+mn-lt"/>
-                <a:ea typeface="+mn-ea"/>
-                <a:cs typeface="+mn-cs"/>
-              </a:defRPr>
-            </a:lvl1pPr>
-            <a:lvl2pPr marL="685800" indent="-336550" algn="l" defTabSz="914400" rtl="0" eaLnBrk="1" latinLnBrk="0" hangingPunct="1">
-              <a:spcBef>
-                <a:spcPct val="20000"/>
-              </a:spcBef>
-              <a:buSzPct val="80000"/>
-              <a:buFont typeface="Wingdings" pitchFamily="2" charset="2"/>
-              <a:buChar char="l"/>
-              <a:defRPr sz="2200" kern="1200">
-                <a:gradFill>
-                  <a:gsLst>
-                    <a:gs pos="50000">
-                      <a:schemeClr val="tx1">
-                        <a:lumMod val="65000"/>
-                        <a:lumOff val="35000"/>
-                      </a:schemeClr>
-                    </a:gs>
-                    <a:gs pos="100000">
-                      <a:schemeClr val="tx1">
-                        <a:lumMod val="85000"/>
-                        <a:lumOff val="15000"/>
-                      </a:schemeClr>
-                    </a:gs>
-                  </a:gsLst>
-                  <a:lin ang="5400000" scaled="0"/>
-                </a:gradFill>
-                <a:effectLst/>
-                <a:latin typeface="+mn-lt"/>
-                <a:ea typeface="+mn-ea"/>
-                <a:cs typeface="+mn-cs"/>
-              </a:defRPr>
-            </a:lvl2pPr>
-            <a:lvl3pPr marL="1035050" indent="-349250" algn="l" defTabSz="914400" rtl="0" eaLnBrk="1" latinLnBrk="0" hangingPunct="1">
-              <a:spcBef>
-                <a:spcPct val="20000"/>
-              </a:spcBef>
-              <a:buSzPct val="80000"/>
-              <a:buFont typeface="Wingdings" pitchFamily="2" charset="2"/>
-              <a:buChar char="l"/>
-              <a:defRPr sz="2000" kern="1200">
-                <a:gradFill>
-                  <a:gsLst>
-                    <a:gs pos="50000">
-                      <a:schemeClr val="tx1">
-                        <a:lumMod val="65000"/>
-                        <a:lumOff val="35000"/>
-                      </a:schemeClr>
-                    </a:gs>
-                    <a:gs pos="100000">
-                      <a:schemeClr val="tx1">
-                        <a:lumMod val="85000"/>
-                        <a:lumOff val="15000"/>
-                      </a:schemeClr>
-                    </a:gs>
-                  </a:gsLst>
-                  <a:lin ang="5400000" scaled="0"/>
-                </a:gradFill>
-                <a:effectLst/>
-                <a:latin typeface="+mn-lt"/>
-                <a:ea typeface="+mn-ea"/>
-                <a:cs typeface="+mn-cs"/>
-              </a:defRPr>
-            </a:lvl3pPr>
-            <a:lvl4pPr marL="1371600" indent="-336550" algn="l" defTabSz="914400" rtl="0" eaLnBrk="1" latinLnBrk="0" hangingPunct="1">
-              <a:spcBef>
-                <a:spcPct val="20000"/>
-              </a:spcBef>
-              <a:buSzPct val="80000"/>
-              <a:buFont typeface="Wingdings" pitchFamily="2" charset="2"/>
-              <a:buChar char="l"/>
-              <a:defRPr sz="1800" kern="1200">
-                <a:gradFill>
-                  <a:gsLst>
-                    <a:gs pos="50000">
-                      <a:schemeClr val="tx1">
-                        <a:lumMod val="65000"/>
-                        <a:lumOff val="35000"/>
-                      </a:schemeClr>
-                    </a:gs>
-                    <a:gs pos="100000">
-                      <a:schemeClr val="tx1">
-                        <a:lumMod val="85000"/>
-                        <a:lumOff val="15000"/>
-                      </a:schemeClr>
-                    </a:gs>
-                  </a:gsLst>
-                  <a:lin ang="5400000" scaled="0"/>
-                </a:gradFill>
-                <a:effectLst/>
-                <a:latin typeface="+mn-lt"/>
-                <a:ea typeface="+mn-ea"/>
-                <a:cs typeface="+mn-cs"/>
-              </a:defRPr>
-            </a:lvl4pPr>
-            <a:lvl5pPr marL="1720850" indent="-349250" algn="l" defTabSz="914400" rtl="0" eaLnBrk="1" latinLnBrk="0" hangingPunct="1">
-              <a:spcBef>
-                <a:spcPct val="20000"/>
-              </a:spcBef>
-              <a:buSzPct val="80000"/>
-              <a:buFont typeface="Wingdings" pitchFamily="2" charset="2"/>
-              <a:buChar char="l"/>
-              <a:defRPr sz="1800" kern="1200">
-                <a:gradFill>
-                  <a:gsLst>
-                    <a:gs pos="50000">
-                      <a:schemeClr val="tx1">
-                        <a:lumMod val="65000"/>
-                        <a:lumOff val="35000"/>
-                      </a:schemeClr>
-                    </a:gs>
-                    <a:gs pos="100000">
-                      <a:schemeClr val="tx1">
-                        <a:lumMod val="85000"/>
-                        <a:lumOff val="15000"/>
-                      </a:schemeClr>
-                    </a:gs>
-                  </a:gsLst>
-                  <a:lin ang="5400000" scaled="0"/>
-                </a:gradFill>
-                <a:effectLst/>
-                <a:latin typeface="+mn-lt"/>
-                <a:ea typeface="+mn-ea"/>
-                <a:cs typeface="+mn-cs"/>
-              </a:defRPr>
-            </a:lvl5pPr>
-            <a:lvl6pPr marL="2514600" indent="-228600" algn="l" defTabSz="914400" rtl="0" eaLnBrk="1" latinLnBrk="0" hangingPunct="1">
-              <a:spcBef>
-                <a:spcPct val="20000"/>
-              </a:spcBef>
-              <a:buFont typeface="Arial" pitchFamily="34" charset="0"/>
-              <a:buChar char="•"/>
-              <a:defRPr sz="2000" kern="1200">
-                <a:solidFill>
-                  <a:schemeClr val="tx1"/>
-                </a:solidFill>
-                <a:latin typeface="+mn-lt"/>
-                <a:ea typeface="+mn-ea"/>
-                <a:cs typeface="+mn-cs"/>
-              </a:defRPr>
-            </a:lvl6pPr>
-            <a:lvl7pPr marL="2971800" indent="-228600" algn="l" defTabSz="914400" rtl="0" eaLnBrk="1" latinLnBrk="0" hangingPunct="1">
-              <a:spcBef>
-                <a:spcPct val="20000"/>
-              </a:spcBef>
-              <a:buFont typeface="Arial" pitchFamily="34" charset="0"/>
-              <a:buChar char="•"/>
-              <a:defRPr sz="2000" kern="1200">
-                <a:solidFill>
-                  <a:schemeClr val="tx1"/>
-                </a:solidFill>
-                <a:latin typeface="+mn-lt"/>
-                <a:ea typeface="+mn-ea"/>
-                <a:cs typeface="+mn-cs"/>
-              </a:defRPr>
-            </a:lvl7pPr>
-            <a:lvl8pPr marL="3429000" indent="-228600" algn="l" defTabSz="914400" rtl="0" eaLnBrk="1" latinLnBrk="0" hangingPunct="1">
-              <a:spcBef>
-                <a:spcPct val="20000"/>
-              </a:spcBef>
-              <a:buFont typeface="Arial" pitchFamily="34" charset="0"/>
-              <a:buChar char="•"/>
-              <a:defRPr sz="2000" kern="1200">
-                <a:solidFill>
-                  <a:schemeClr val="tx1"/>
-                </a:solidFill>
-                <a:latin typeface="+mn-lt"/>
-                <a:ea typeface="+mn-ea"/>
-                <a:cs typeface="+mn-cs"/>
-              </a:defRPr>
-            </a:lvl8pPr>
-            <a:lvl9pPr marL="3886200" indent="-228600" algn="l" defTabSz="914400" rtl="0" eaLnBrk="1" latinLnBrk="0" hangingPunct="1">
-              <a:spcBef>
-                <a:spcPct val="20000"/>
-              </a:spcBef>
-              <a:buFont typeface="Arial" pitchFamily="34" charset="0"/>
-              <a:buChar char="•"/>
-              <a:defRPr sz="2000" kern="1200">
-                <a:solidFill>
-                  <a:schemeClr val="tx1"/>
-                </a:solidFill>
-                <a:latin typeface="+mn-lt"/>
-                <a:ea typeface="+mn-ea"/>
-                <a:cs typeface="+mn-cs"/>
-              </a:defRPr>
-            </a:lvl9pPr>
-          </a:lstStyle>
-          <a:p>
-            <a:pPr marL="234950" indent="-234950" fontAlgn="auto">
-              <a:spcAft>
-                <a:spcPts val="0"/>
-              </a:spcAft>
-              <a:buSzPct val="125000"/>
-              <a:buFont typeface="Wingdings" pitchFamily="2" charset="2"/>
-              <a:buNone/>
-              <a:defRPr/>
-            </a:pPr>
-            <a:endParaRPr lang="en-US" sz="2600" i="1" dirty="0" smtClean="0">
-              <a:solidFill>
-                <a:schemeClr val="tx1"/>
-              </a:solidFill>
-              <a:latin typeface="Trebuchet MS"/>
-              <a:ea typeface="ＭＳ Ｐゴシック" pitchFamily="34" charset="-128"/>
-              <a:cs typeface="Trebuchet MS"/>
-            </a:endParaRPr>
-          </a:p>
-          <a:p>
-            <a:pPr marL="234950" indent="-234950" fontAlgn="auto">
-              <a:spcAft>
-                <a:spcPts val="0"/>
-              </a:spcAft>
-              <a:buSzPct val="125000"/>
-              <a:buFont typeface="Wingdings" pitchFamily="2" charset="2"/>
-              <a:buNone/>
-              <a:defRPr/>
-            </a:pPr>
-            <a:endParaRPr lang="en-US" sz="2800" b="1" dirty="0" smtClean="0">
-              <a:solidFill>
-                <a:schemeClr val="tx1">
-                  <a:lumMod val="75000"/>
-                  <a:lumOff val="25000"/>
-                </a:schemeClr>
-              </a:solidFill>
-              <a:latin typeface="Trebuchet MS"/>
-              <a:ea typeface="ＭＳ Ｐゴシック" pitchFamily="34" charset="-128"/>
-              <a:cs typeface="Trebuchet MS"/>
-            </a:endParaRPr>
-          </a:p>
-        </p:txBody>
-      </p:sp>
-      <p:sp>
-        <p:nvSpPr>
-          <p:cNvPr id="9" name="Content Placeholder 2"/>
-          <p:cNvSpPr>
-            <a:spLocks noGrp="1"/>
-          </p:cNvSpPr>
-          <p:nvPr>
-            <p:ph idx="1"/>
-          </p:nvPr>
-        </p:nvSpPr>
-        <p:spPr>
-          <a:xfrm>
-            <a:off x="457200" y="995494"/>
-            <a:ext cx="8229600" cy="5130669"/>
-          </a:xfrm>
-        </p:spPr>
-        <p:txBody>
-          <a:bodyPr>
-            <a:normAutofit fontScale="92500" lnSpcReduction="20000"/>
-          </a:bodyPr>
-          <a:lstStyle/>
-          <a:p>
-            <a:pPr>
-              <a:buFont typeface="Wingdings" charset="2"/>
-              <a:buChar char="§"/>
-            </a:pPr>
-            <a:r>
-              <a:rPr lang="en-US" dirty="0" smtClean="0"/>
-              <a:t>Don’t reinvent the wheel</a:t>
-            </a:r>
-          </a:p>
-          <a:p>
-            <a:pPr lvl="1"/>
-            <a:r>
-              <a:rPr lang="en-US" dirty="0" smtClean="0"/>
-              <a:t>A lot of overlap between eagle-</a:t>
-            </a:r>
-            <a:r>
-              <a:rPr lang="en-US" dirty="0" err="1" smtClean="0"/>
-              <a:t>i</a:t>
-            </a:r>
-            <a:r>
-              <a:rPr lang="en-US" dirty="0" smtClean="0"/>
-              <a:t> and OBI content</a:t>
-            </a:r>
-          </a:p>
-          <a:p>
-            <a:pPr lvl="1">
-              <a:buFont typeface="Wingdings" charset="2"/>
-              <a:buChar char="§"/>
-            </a:pPr>
-            <a:endParaRPr lang="en-US" dirty="0" smtClean="0"/>
-          </a:p>
-          <a:p>
-            <a:pPr>
-              <a:buFont typeface="Wingdings" charset="2"/>
-              <a:buChar char="§"/>
-            </a:pPr>
-            <a:r>
-              <a:rPr lang="en-US" dirty="0" smtClean="0"/>
-              <a:t>OBI and eagle-</a:t>
-            </a:r>
-            <a:r>
-              <a:rPr lang="en-US" dirty="0" err="1" smtClean="0"/>
-              <a:t>i</a:t>
-            </a:r>
-            <a:r>
-              <a:rPr lang="en-US" dirty="0" smtClean="0"/>
-              <a:t> follow common design principles: </a:t>
-            </a:r>
-          </a:p>
-          <a:p>
-            <a:pPr lvl="1"/>
-            <a:r>
-              <a:rPr lang="en-US" dirty="0" smtClean="0"/>
-              <a:t>Same upper ontology Basic Formal Ontology (BFO)</a:t>
-            </a:r>
-          </a:p>
-          <a:p>
-            <a:pPr lvl="1"/>
-            <a:r>
-              <a:rPr lang="en-US" dirty="0" smtClean="0"/>
-              <a:t>OBO Foundry </a:t>
-            </a:r>
-            <a:r>
-              <a:rPr lang="en-US" dirty="0" err="1" smtClean="0"/>
-              <a:t>orthogonality</a:t>
-            </a:r>
-            <a:endParaRPr lang="en-US" dirty="0" smtClean="0"/>
-          </a:p>
-          <a:p>
-            <a:pPr lvl="1"/>
-            <a:r>
-              <a:rPr lang="en-US" dirty="0" smtClean="0"/>
-              <a:t>Ease of reuse and imports</a:t>
-            </a:r>
-          </a:p>
-          <a:p>
-            <a:pPr lvl="1">
-              <a:buFont typeface="Wingdings" charset="2"/>
-              <a:buChar char="§"/>
-            </a:pPr>
-            <a:endParaRPr lang="en-US" dirty="0" smtClean="0"/>
-          </a:p>
-          <a:p>
-            <a:pPr>
-              <a:buFont typeface="Wingdings" charset="2"/>
-              <a:buChar char="§"/>
-            </a:pPr>
-            <a:r>
-              <a:rPr lang="en-US" dirty="0" smtClean="0"/>
-              <a:t>OBI is an integrative ontology connecting many domains: maximize the interoperability</a:t>
-            </a:r>
-          </a:p>
-          <a:p>
-            <a:pPr>
-              <a:buFont typeface="Wingdings" charset="2"/>
-              <a:buChar char="§"/>
-            </a:pPr>
-            <a:endParaRPr lang="en-US" dirty="0" smtClean="0"/>
-          </a:p>
-          <a:p>
-            <a:pPr>
-              <a:buFont typeface="Wingdings" charset="2"/>
-              <a:buChar char="§"/>
-            </a:pPr>
-            <a:r>
-              <a:rPr lang="en-US" dirty="0" smtClean="0"/>
-              <a:t>Good support from a community of developers</a:t>
-            </a:r>
-          </a:p>
-          <a:p>
-            <a:pPr>
-              <a:buFont typeface="Wingdings" charset="2"/>
-              <a:buChar char="§"/>
-            </a:pPr>
-            <a:endParaRPr lang="en-US" dirty="0" smtClean="0"/>
-          </a:p>
-          <a:p>
-            <a:pPr lvl="1">
-              <a:buNone/>
-            </a:pPr>
-            <a:endParaRPr lang="en-US" dirty="0" smtClean="0"/>
-          </a:p>
-          <a:p>
-            <a:pPr lvl="1">
-              <a:buNone/>
-            </a:pPr>
-            <a:endParaRPr lang="en-US" dirty="0" smtClean="0"/>
-          </a:p>
-        </p:txBody>
-      </p:sp>
-      <p:sp>
-        <p:nvSpPr>
-          <p:cNvPr id="10" name="Title 1"/>
-          <p:cNvSpPr>
-            <a:spLocks noGrp="1"/>
-          </p:cNvSpPr>
-          <p:nvPr>
-            <p:ph type="title" idx="4294967295"/>
-          </p:nvPr>
-        </p:nvSpPr>
-        <p:spPr>
-          <a:xfrm>
-            <a:off x="0" y="-147506"/>
-            <a:ext cx="9144000" cy="1143000"/>
-          </a:xfrm>
-        </p:spPr>
-        <p:txBody>
-          <a:bodyPr>
-            <a:normAutofit/>
-          </a:bodyPr>
-          <a:lstStyle/>
-          <a:p>
-            <a:pPr fontAlgn="auto">
-              <a:spcAft>
-                <a:spcPts val="0"/>
-              </a:spcAft>
-              <a:defRPr/>
-            </a:pPr>
-            <a:r>
-              <a:rPr lang="en-US" b="1" dirty="0" smtClean="0">
-                <a:solidFill>
-                  <a:srgbClr val="800000"/>
-                </a:solidFill>
-                <a:ea typeface="ＭＳ Ｐゴシック" pitchFamily="34" charset="-128"/>
-                <a:cs typeface="Arial Bold" pitchFamily="-106" charset="0"/>
-              </a:rPr>
-              <a:t>Why OBI?</a:t>
-            </a:r>
-            <a:endParaRPr lang="en-US" sz="4400" b="1" dirty="0" smtClean="0">
-              <a:solidFill>
-                <a:srgbClr val="800000"/>
-              </a:solidFill>
-              <a:ea typeface="ＭＳ Ｐゴシック" pitchFamily="34" charset="-128"/>
-              <a:cs typeface="Arial Bold" pitchFamily="-106" charset="0"/>
-            </a:endParaRPr>
-          </a:p>
-        </p:txBody>
-      </p:sp>
     </p:spTree>
   </p:cSld>
   <p:clrMapOvr>
@@ -14093,13 +14215,13 @@
         </p:nvSpPr>
         <p:spPr>
           <a:xfrm>
-            <a:off x="295056" y="1056168"/>
-            <a:ext cx="8686800" cy="4961915"/>
+            <a:off x="457200" y="995494"/>
+            <a:ext cx="8229600" cy="5130669"/>
           </a:xfrm>
         </p:spPr>
         <p:txBody>
           <a:bodyPr>
-            <a:normAutofit lnSpcReduction="10000"/>
+            <a:normAutofit fontScale="92500" lnSpcReduction="20000"/>
           </a:bodyPr>
           <a:lstStyle/>
           <a:p>
@@ -14108,44 +14230,29 @@
               <a:buChar char="§"/>
             </a:pPr>
             <a:r>
+              <a:rPr lang="en-US" dirty="0" smtClean="0"/>
+              <a:t>Don’t reinvent the wheel</a:t>
+            </a:r>
+          </a:p>
+          <a:p>
+            <a:pPr lvl="1"/>
+            <a:r>
+              <a:rPr lang="en-US" dirty="0" smtClean="0"/>
+              <a:t>A lot of overlap between eagle-</a:t>
+            </a:r>
+            <a:r>
               <a:rPr lang="en-US" dirty="0" err="1" smtClean="0"/>
-              <a:t>MIREOTed</a:t>
+              <a:t>i</a:t>
             </a:r>
             <a:r>
               <a:rPr lang="en-US" dirty="0" smtClean="0"/>
-              <a:t> a set of terms and properties:</a:t>
-            </a:r>
-          </a:p>
-          <a:p>
-            <a:pPr lvl="1"/>
-            <a:r>
-              <a:rPr lang="en-US" dirty="0" smtClean="0"/>
-              <a:t>Classes: Techniques (aka planned processes), roles, functions</a:t>
-            </a:r>
-          </a:p>
-          <a:p>
-            <a:pPr lvl="1"/>
-            <a:r>
-              <a:rPr lang="en-US" dirty="0" smtClean="0"/>
-              <a:t>Properties: </a:t>
-            </a:r>
-            <a:r>
-              <a:rPr lang="en-US" i="1" dirty="0" err="1" smtClean="0"/>
-              <a:t>has_specified_input</a:t>
-            </a:r>
-            <a:r>
-              <a:rPr lang="en-US" dirty="0" smtClean="0"/>
-              <a:t>, </a:t>
-            </a:r>
-            <a:r>
-              <a:rPr lang="en-US" i="1" dirty="0" err="1" smtClean="0"/>
-              <a:t>has_specified_output</a:t>
-            </a:r>
-            <a:endParaRPr lang="en-US" i="1" dirty="0" smtClean="0"/>
+              <a:t> and OBI content</a:t>
+            </a:r>
           </a:p>
           <a:p>
             <a:pPr lvl="1">
-              <a:buNone/>
+              <a:buFont typeface="Wingdings" charset="2"/>
+              <a:buChar char="§"/>
             </a:pPr>
             <a:endParaRPr lang="en-US" dirty="0" smtClean="0"/>
           </a:p>
@@ -14156,30 +14263,81 @@
             </a:pPr>
             <a:r>
               <a:rPr lang="en-US" dirty="0" smtClean="0"/>
-              <a:t>Two use cases of new OBI related development:</a:t>
+              <a:t>OBI and eagle-</a:t>
+            </a:r>
+            <a:r>
+              <a:rPr lang="en-US" dirty="0" err="1" smtClean="0"/>
+              <a:t>i</a:t>
+            </a:r>
+            <a:r>
+              <a:rPr lang="en-US" dirty="0" smtClean="0"/>
+              <a:t> follow common design principles: </a:t>
             </a:r>
           </a:p>
           <a:p>
             <a:pPr lvl="1"/>
             <a:r>
               <a:rPr lang="en-US" dirty="0" smtClean="0"/>
-              <a:t>Instruments: reused existing classes and contributed new ones</a:t>
+              <a:t>Same upper ontology Basic Formal Ontology (BFO)</a:t>
             </a:r>
           </a:p>
           <a:p>
             <a:pPr lvl="1"/>
             <a:r>
               <a:rPr lang="en-US" dirty="0" smtClean="0"/>
-              <a:t>Services: collaborate to define new modeling</a:t>
-            </a:r>
+              <a:t>OBO Foundry </a:t>
+            </a:r>
+            <a:r>
+              <a:rPr lang="en-US" dirty="0" err="1" smtClean="0"/>
+              <a:t>orthogonality</a:t>
+            </a:r>
+            <a:endParaRPr lang="en-US" dirty="0" smtClean="0"/>
           </a:p>
           <a:p>
             <a:pPr lvl="1"/>
+            <a:r>
+              <a:rPr lang="en-US" dirty="0" smtClean="0"/>
+              <a:t>Ease of reuse and imports</a:t>
+            </a:r>
+          </a:p>
+          <a:p>
+            <a:pPr lvl="1">
+              <a:buFont typeface="Wingdings" charset="2"/>
+              <a:buChar char="§"/>
+            </a:pPr>
             <a:endParaRPr lang="en-US" dirty="0" smtClean="0"/>
           </a:p>
           <a:p>
-            <a:pPr lvl="1">
-              <a:buNone/>
+            <a:pPr>
+              <a:buFont typeface="Wingdings" charset="2"/>
+              <a:buChar char="§"/>
+            </a:pPr>
+            <a:r>
+              <a:rPr lang="en-US" dirty="0" smtClean="0"/>
+              <a:t>OBI is an integrative ontology connecting many domains: maximize the interoperability</a:t>
+            </a:r>
+          </a:p>
+          <a:p>
+            <a:pPr>
+              <a:buFont typeface="Wingdings" charset="2"/>
+              <a:buChar char="§"/>
+            </a:pPr>
+            <a:endParaRPr lang="en-US" dirty="0" smtClean="0"/>
+          </a:p>
+          <a:p>
+            <a:pPr>
+              <a:buFont typeface="Wingdings" charset="2"/>
+              <a:buChar char="§"/>
+            </a:pPr>
+            <a:r>
+              <a:rPr lang="en-US" dirty="0" smtClean="0"/>
+              <a:t>Good support from a community of developers</a:t>
+            </a:r>
+          </a:p>
+          <a:p>
+            <a:pPr>
+              <a:buFont typeface="Wingdings" charset="2"/>
+              <a:buChar char="§"/>
             </a:pPr>
             <a:endParaRPr lang="en-US" dirty="0" smtClean="0"/>
           </a:p>
@@ -14233,7 +14391,7 @@
                 <a:ea typeface="ＭＳ Ｐゴシック" pitchFamily="34" charset="-128"/>
                 <a:cs typeface="Arial Bold" pitchFamily="-106" charset="0"/>
               </a:rPr>
-              <a:t>How we used OBI</a:t>
+              <a:t>Why OBI?</a:t>
             </a:r>
             <a:endParaRPr lang="en-US" sz="4400" b="1" dirty="0" smtClean="0">
               <a:solidFill>
@@ -14286,7 +14444,7 @@
           <p:nvPr/>
         </p:nvPicPr>
         <p:blipFill>
-          <a:blip r:embed="rId3"/>
+          <a:blip r:embed="rId2"/>
           <a:srcRect/>
           <a:stretch>
             <a:fillRect/>
@@ -14376,7 +14534,7 @@
             <p:nvPr/>
           </p:nvPicPr>
           <p:blipFill>
-            <a:blip r:embed="rId4"/>
+            <a:blip r:embed="rId3"/>
             <a:srcRect/>
             <a:stretch>
               <a:fillRect/>
@@ -14702,33 +14860,61 @@
         </p:nvSpPr>
         <p:spPr>
           <a:xfrm>
-            <a:off x="592320" y="981430"/>
-            <a:ext cx="8229600" cy="4961915"/>
+            <a:off x="295056" y="1056168"/>
+            <a:ext cx="8686800" cy="4961915"/>
           </a:xfrm>
         </p:spPr>
         <p:txBody>
           <a:bodyPr>
-            <a:normAutofit fontScale="92500" lnSpcReduction="10000"/>
+            <a:normAutofit lnSpcReduction="10000"/>
           </a:bodyPr>
           <a:lstStyle/>
-          <a:p>
-            <a:pPr>
-              <a:buNone/>
-            </a:pPr>
-            <a:r>
-              <a:rPr lang="en-US" b="1" dirty="0" smtClean="0"/>
-              <a:t>Goals</a:t>
-            </a:r>
-          </a:p>
           <a:p>
             <a:pPr>
               <a:buFont typeface="Wingdings" charset="2"/>
               <a:buChar char="§"/>
             </a:pPr>
             <a:r>
+              <a:rPr lang="en-US" dirty="0" err="1" smtClean="0"/>
+              <a:t>MIREOTed</a:t>
+            </a:r>
+            <a:r>
               <a:rPr lang="en-US" dirty="0" smtClean="0"/>
-              <a:t>Reuse classes already defined as OBI ‘device’</a:t>
-            </a:r>
+              <a:t> a set of terms and properties:</a:t>
+            </a:r>
+          </a:p>
+          <a:p>
+            <a:pPr lvl="1"/>
+            <a:r>
+              <a:rPr lang="en-US" dirty="0" smtClean="0"/>
+              <a:t>Classes: Techniques (aka planned processes), roles, functions</a:t>
+            </a:r>
+          </a:p>
+          <a:p>
+            <a:pPr lvl="1"/>
+            <a:r>
+              <a:rPr lang="en-US" dirty="0" smtClean="0"/>
+              <a:t>Properties: </a:t>
+            </a:r>
+            <a:r>
+              <a:rPr lang="en-US" i="1" dirty="0" err="1" smtClean="0"/>
+              <a:t>has_specified_input</a:t>
+            </a:r>
+            <a:r>
+              <a:rPr lang="en-US" dirty="0" smtClean="0"/>
+              <a:t>, </a:t>
+            </a:r>
+            <a:r>
+              <a:rPr lang="en-US" i="1" dirty="0" err="1" smtClean="0"/>
+              <a:t>has_specified_output</a:t>
+            </a:r>
+            <a:endParaRPr lang="en-US" i="1" dirty="0" smtClean="0"/>
+          </a:p>
+          <a:p>
+            <a:pPr lvl="1">
+              <a:buNone/>
+            </a:pPr>
+            <a:endParaRPr lang="en-US" dirty="0" smtClean="0"/>
           </a:p>
           <a:p>
             <a:pPr>
@@ -14737,100 +14923,32 @@
             </a:pPr>
             <a:r>
               <a:rPr lang="en-US" dirty="0" smtClean="0"/>
-              <a:t>Use the same OBI design pattern for eagle-</a:t>
-            </a:r>
-            <a:r>
-              <a:rPr lang="en-US" dirty="0" err="1" smtClean="0"/>
-              <a:t>i</a:t>
-            </a:r>
+              <a:t>Two use cases of new OBI related development:</a:t>
+            </a:r>
+          </a:p>
+          <a:p>
+            <a:pPr lvl="1"/>
             <a:r>
               <a:rPr lang="en-US" dirty="0" smtClean="0"/>
-              <a:t> instrument classes</a:t>
+              <a:t>Instruments: reused existing classes and contributed new ones</a:t>
             </a:r>
           </a:p>
           <a:p>
             <a:pPr lvl="1"/>
             <a:r>
               <a:rPr lang="en-US" dirty="0" smtClean="0"/>
-              <a:t>Define equivalent classes based on device functions</a:t>
-            </a:r>
-          </a:p>
-          <a:p>
-            <a:pPr lvl="2"/>
-            <a:r>
-              <a:rPr lang="en-US" dirty="0" err="1" smtClean="0"/>
-              <a:t>Eg</a:t>
-            </a:r>
-            <a:r>
-              <a:rPr lang="en-US" dirty="0" smtClean="0"/>
-              <a:t>: measurement device </a:t>
-            </a:r>
-          </a:p>
-          <a:p>
-            <a:pPr lvl="2">
-              <a:buNone/>
-            </a:pPr>
-            <a:r>
-              <a:rPr lang="en-US" dirty="0" smtClean="0"/>
-              <a:t>	Equivalent to:	</a:t>
-            </a:r>
-            <a:r>
-              <a:rPr lang="en-US" i="1" dirty="0" smtClean="0"/>
-              <a:t>device </a:t>
-            </a:r>
-            <a:r>
-              <a:rPr lang="en-US" dirty="0" smtClean="0"/>
-              <a:t>and (</a:t>
-            </a:r>
-            <a:r>
-              <a:rPr lang="en-US" i="1" dirty="0" err="1" smtClean="0"/>
-              <a:t>has_function</a:t>
-            </a:r>
-            <a:r>
-              <a:rPr lang="en-US" dirty="0" smtClean="0"/>
-              <a:t> some '</a:t>
-            </a:r>
-            <a:r>
-              <a:rPr lang="en-US" i="1" dirty="0" smtClean="0"/>
-              <a:t>measure function</a:t>
-            </a:r>
-            <a:r>
-              <a:rPr lang="en-US" dirty="0" smtClean="0"/>
-              <a:t>')</a:t>
-            </a:r>
-          </a:p>
-          <a:p>
-            <a:pPr marL="342900" lvl="1" indent="-342900">
-              <a:buFont typeface="Wingdings" charset="2"/>
-              <a:buChar char="§"/>
-            </a:pPr>
-            <a:r>
-              <a:rPr lang="en-US" sz="3200" dirty="0" smtClean="0"/>
-              <a:t>Align instrument representation with other similar efforts (NIF, RDS, VIVO)</a:t>
-            </a:r>
-          </a:p>
-          <a:p>
-            <a:pPr marL="342900" lvl="1" indent="-342900">
-              <a:buFont typeface="Wingdings" charset="2"/>
-              <a:buChar char="§"/>
-            </a:pPr>
-            <a:r>
-              <a:rPr lang="en-US" sz="3200" dirty="0" smtClean="0"/>
-              <a:t>Contribute back, enriching OBI devices</a:t>
-            </a:r>
-          </a:p>
-          <a:p>
-            <a:pPr marL="742950" lvl="2" indent="-342900">
-              <a:buNone/>
-            </a:pPr>
+              <a:t>Services: collaborate to define new modeling</a:t>
+            </a:r>
+          </a:p>
+          <a:p>
+            <a:pPr lvl="1"/>
             <a:endParaRPr lang="en-US" dirty="0" smtClean="0"/>
           </a:p>
           <a:p>
-            <a:pPr marL="342900" lvl="1" indent="-342900">
-              <a:buFont typeface="Arial"/>
-              <a:buChar char="•"/>
-            </a:pPr>
-            <a:endParaRPr lang="en-US" sz="3200" dirty="0" smtClean="0"/>
+            <a:pPr lvl="1">
+              <a:buNone/>
+            </a:pPr>
+            <a:endParaRPr lang="en-US" dirty="0" smtClean="0"/>
           </a:p>
           <a:p>
             <a:pPr lvl="1">
@@ -14882,7 +15000,7 @@
                 <a:ea typeface="ＭＳ Ｐゴシック" pitchFamily="34" charset="-128"/>
                 <a:cs typeface="Arial Bold" pitchFamily="-106" charset="0"/>
               </a:rPr>
-              <a:t>Use case 1: Instruments</a:t>
+              <a:t>How we used OBI</a:t>
             </a:r>
             <a:endParaRPr lang="en-US" sz="4400" b="1" dirty="0" smtClean="0">
               <a:solidFill>
@@ -15341,6 +15459,162 @@
       </p:sp>
       <p:sp>
         <p:nvSpPr>
+          <p:cNvPr id="9" name="Content Placeholder 2"/>
+          <p:cNvSpPr>
+            <a:spLocks noGrp="1"/>
+          </p:cNvSpPr>
+          <p:nvPr>
+            <p:ph idx="1"/>
+          </p:nvPr>
+        </p:nvSpPr>
+        <p:spPr>
+          <a:xfrm>
+            <a:off x="592320" y="981430"/>
+            <a:ext cx="8229600" cy="4961915"/>
+          </a:xfrm>
+        </p:spPr>
+        <p:txBody>
+          <a:bodyPr>
+            <a:normAutofit fontScale="92500" lnSpcReduction="10000"/>
+          </a:bodyPr>
+          <a:lstStyle/>
+          <a:p>
+            <a:pPr>
+              <a:buNone/>
+            </a:pPr>
+            <a:r>
+              <a:rPr lang="en-US" b="1" dirty="0" smtClean="0"/>
+              <a:t>Goals</a:t>
+            </a:r>
+          </a:p>
+          <a:p>
+            <a:pPr>
+              <a:buFont typeface="Wingdings" charset="2"/>
+              <a:buChar char="§"/>
+            </a:pPr>
+            <a:r>
+              <a:rPr lang="en-US" dirty="0" smtClean="0"/>
+              <a:t>Reuse classes already defined as OBI ‘device’</a:t>
+            </a:r>
+          </a:p>
+          <a:p>
+            <a:pPr>
+              <a:buFont typeface="Wingdings" charset="2"/>
+              <a:buChar char="§"/>
+            </a:pPr>
+            <a:r>
+              <a:rPr lang="en-US" dirty="0" smtClean="0"/>
+              <a:t>Use the same OBI design pattern for eagle-</a:t>
+            </a:r>
+            <a:r>
+              <a:rPr lang="en-US" dirty="0" err="1" smtClean="0"/>
+              <a:t>i</a:t>
+            </a:r>
+            <a:r>
+              <a:rPr lang="en-US" dirty="0" smtClean="0"/>
+              <a:t> instrument classes</a:t>
+            </a:r>
+          </a:p>
+          <a:p>
+            <a:pPr lvl="1"/>
+            <a:r>
+              <a:rPr lang="en-US" dirty="0" smtClean="0"/>
+              <a:t>Define equivalent classes based on device functions</a:t>
+            </a:r>
+          </a:p>
+          <a:p>
+            <a:pPr lvl="2"/>
+            <a:r>
+              <a:rPr lang="en-US" dirty="0" err="1" smtClean="0"/>
+              <a:t>Eg</a:t>
+            </a:r>
+            <a:r>
+              <a:rPr lang="en-US" dirty="0" smtClean="0"/>
+              <a:t>: measurement device </a:t>
+            </a:r>
+          </a:p>
+          <a:p>
+            <a:pPr lvl="2">
+              <a:buNone/>
+            </a:pPr>
+            <a:r>
+              <a:rPr lang="en-US" dirty="0" smtClean="0"/>
+              <a:t>	Equivalent to:	</a:t>
+            </a:r>
+            <a:r>
+              <a:rPr lang="en-US" i="1" dirty="0" smtClean="0"/>
+              <a:t>device </a:t>
+            </a:r>
+            <a:r>
+              <a:rPr lang="en-US" dirty="0" smtClean="0"/>
+              <a:t>and (</a:t>
+            </a:r>
+            <a:r>
+              <a:rPr lang="en-US" i="1" dirty="0" err="1" smtClean="0"/>
+              <a:t>has_function</a:t>
+            </a:r>
+            <a:r>
+              <a:rPr lang="en-US" dirty="0" smtClean="0"/>
+              <a:t> some '</a:t>
+            </a:r>
+            <a:r>
+              <a:rPr lang="en-US" i="1" dirty="0" smtClean="0"/>
+              <a:t>measure function</a:t>
+            </a:r>
+            <a:r>
+              <a:rPr lang="en-US" dirty="0" smtClean="0"/>
+              <a:t>')</a:t>
+            </a:r>
+          </a:p>
+          <a:p>
+            <a:pPr marL="342900" lvl="1" indent="-342900">
+              <a:buFont typeface="Wingdings" charset="2"/>
+              <a:buChar char="§"/>
+            </a:pPr>
+            <a:r>
+              <a:rPr lang="en-US" sz="3200" dirty="0" smtClean="0"/>
+              <a:t>Align instrument representation with other similar efforts (NIF, RDS, VIVO)</a:t>
+            </a:r>
+          </a:p>
+          <a:p>
+            <a:pPr marL="342900" lvl="1" indent="-342900">
+              <a:buFont typeface="Wingdings" charset="2"/>
+              <a:buChar char="§"/>
+            </a:pPr>
+            <a:r>
+              <a:rPr lang="en-US" sz="3200" dirty="0" smtClean="0"/>
+              <a:t>Contribute back, enriching OBI devices</a:t>
+            </a:r>
+          </a:p>
+          <a:p>
+            <a:pPr marL="742950" lvl="2" indent="-342900">
+              <a:buNone/>
+            </a:pPr>
+            <a:endParaRPr lang="en-US" dirty="0" smtClean="0"/>
+          </a:p>
+          <a:p>
+            <a:pPr marL="342900" lvl="1" indent="-342900">
+              <a:buFont typeface="Arial"/>
+              <a:buChar char="•"/>
+            </a:pPr>
+            <a:endParaRPr lang="en-US" sz="3200" dirty="0" smtClean="0"/>
+          </a:p>
+          <a:p>
+            <a:pPr lvl="1">
+              <a:buNone/>
+            </a:pPr>
+            <a:endParaRPr lang="en-US" dirty="0" smtClean="0"/>
+          </a:p>
+          <a:p>
+            <a:pPr lvl="1">
+              <a:buNone/>
+            </a:pPr>
+            <a:endParaRPr lang="en-US" dirty="0" smtClean="0"/>
+          </a:p>
+        </p:txBody>
+      </p:sp>
+      <p:sp>
+        <p:nvSpPr>
           <p:cNvPr id="10" name="Title 1"/>
           <p:cNvSpPr>
             <a:spLocks noGrp="1"/>
@@ -15375,7 +15649,7 @@
                 <a:ea typeface="ＭＳ Ｐゴシック" pitchFamily="34" charset="-128"/>
                 <a:cs typeface="Arial Bold" pitchFamily="-106" charset="0"/>
               </a:rPr>
-              <a:t>Instruments: implementation</a:t>
+              <a:t>Use case 1: Instruments</a:t>
             </a:r>
             <a:endParaRPr lang="en-US" sz="4400" b="1" dirty="0" smtClean="0">
               <a:solidFill>
@@ -15384,704 +15658,6 @@
               <a:ea typeface="ＭＳ Ｐゴシック" pitchFamily="34" charset="-128"/>
               <a:cs typeface="Arial Bold" pitchFamily="-106" charset="0"/>
             </a:endParaRPr>
-          </a:p>
-        </p:txBody>
-      </p:sp>
-      <p:pic>
-        <p:nvPicPr>
-          <p:cNvPr id="11" name="Picture 10"/>
-          <p:cNvPicPr>
-            <a:picLocks noChangeAspect="1"/>
-          </p:cNvPicPr>
-          <p:nvPr/>
-        </p:nvPicPr>
-        <p:blipFill>
-          <a:blip r:embed="rId5"/>
-          <a:stretch>
-            <a:fillRect/>
-          </a:stretch>
-        </p:blipFill>
-        <p:spPr>
-          <a:xfrm>
-            <a:off x="1025610" y="1647741"/>
-            <a:ext cx="6811507" cy="3514537"/>
-          </a:xfrm>
-          <a:prstGeom prst="rect">
-            <a:avLst/>
-          </a:prstGeom>
-        </p:spPr>
-      </p:pic>
-      <p:sp>
-        <p:nvSpPr>
-          <p:cNvPr id="12" name="Content Placeholder 2"/>
-          <p:cNvSpPr txBox="1">
-            <a:spLocks/>
-          </p:cNvSpPr>
-          <p:nvPr/>
-        </p:nvSpPr>
-        <p:spPr>
-          <a:xfrm>
-            <a:off x="609600" y="5162278"/>
-            <a:ext cx="8229600" cy="1260231"/>
-          </a:xfrm>
-          <a:prstGeom prst="rect">
-            <a:avLst/>
-          </a:prstGeom>
-        </p:spPr>
-        <p:txBody>
-          <a:bodyPr vert="horz" lIns="91440" tIns="45720" rIns="91440" bIns="45720" rtlCol="0">
-            <a:normAutofit/>
-          </a:bodyPr>
-          <a:lstStyle/>
-          <a:p>
-            <a:pPr marL="514350" lvl="0" indent="-514350">
-              <a:spcBef>
-                <a:spcPct val="20000"/>
-              </a:spcBef>
-            </a:pPr>
-            <a:r>
-              <a:rPr lang="en-US" sz="3200" dirty="0" smtClean="0"/>
-              <a:t>2) MIREOT the device classes already present in OBI (</a:t>
-            </a:r>
-            <a:r>
-              <a:rPr lang="en-US" sz="3200" dirty="0" err="1" smtClean="0"/>
-              <a:t>eg</a:t>
-            </a:r>
-            <a:r>
-              <a:rPr lang="en-US" sz="3200" dirty="0" smtClean="0"/>
-              <a:t>. DNA sequencer, centrifuge)</a:t>
-            </a:r>
-          </a:p>
-          <a:p>
-            <a:pPr marL="514350" marR="0" lvl="0" indent="-514350" algn="l" defTabSz="457200" rtl="0" eaLnBrk="1" fontAlgn="auto" latinLnBrk="0" hangingPunct="1">
-              <a:lnSpc>
-                <a:spcPct val="100000"/>
-              </a:lnSpc>
-              <a:spcBef>
-                <a:spcPct val="20000"/>
-              </a:spcBef>
-              <a:spcAft>
-                <a:spcPts val="0"/>
-              </a:spcAft>
-              <a:buClrTx/>
-              <a:buSzTx/>
-              <a:tabLst/>
-              <a:defRPr/>
-            </a:pPr>
-            <a:endParaRPr kumimoji="0" lang="en-US" sz="3200" b="0" i="0" u="none" strike="noStrike" kern="1200" cap="none" spc="0" normalizeH="0" baseline="0" noProof="0" dirty="0" smtClean="0">
-              <a:ln>
-                <a:noFill/>
-              </a:ln>
-              <a:solidFill>
-                <a:schemeClr val="tx1"/>
-              </a:solidFill>
-              <a:effectLst/>
-              <a:uLnTx/>
-              <a:uFillTx/>
-              <a:latin typeface="+mn-lt"/>
-              <a:ea typeface="+mn-ea"/>
-              <a:cs typeface="+mn-cs"/>
-            </a:endParaRPr>
-          </a:p>
-          <a:p>
-            <a:pPr marL="514350" marR="0" lvl="0" indent="-514350" algn="l" defTabSz="457200" rtl="0" eaLnBrk="1" fontAlgn="auto" latinLnBrk="0" hangingPunct="1">
-              <a:lnSpc>
-                <a:spcPct val="100000"/>
-              </a:lnSpc>
-              <a:spcBef>
-                <a:spcPct val="20000"/>
-              </a:spcBef>
-              <a:spcAft>
-                <a:spcPts val="0"/>
-              </a:spcAft>
-              <a:buClrTx/>
-              <a:buSzTx/>
-              <a:buFont typeface="Arial"/>
-              <a:buAutoNum type="arabicParenR"/>
-              <a:tabLst/>
-              <a:defRPr/>
-            </a:pPr>
-            <a:endParaRPr kumimoji="0" lang="en-US" sz="3200" b="0" i="0" u="none" strike="noStrike" kern="1200" cap="none" spc="0" normalizeH="0" baseline="0" noProof="0" dirty="0" smtClean="0">
-              <a:ln>
-                <a:noFill/>
-              </a:ln>
-              <a:solidFill>
-                <a:schemeClr val="tx1"/>
-              </a:solidFill>
-              <a:effectLst/>
-              <a:uLnTx/>
-              <a:uFillTx/>
-              <a:latin typeface="+mn-lt"/>
-              <a:ea typeface="+mn-ea"/>
-              <a:cs typeface="+mn-cs"/>
-            </a:endParaRPr>
-          </a:p>
-          <a:p>
-            <a:pPr marL="514350" marR="0" lvl="0" indent="-514350" algn="l" defTabSz="457200" rtl="0" eaLnBrk="1" fontAlgn="auto" latinLnBrk="0" hangingPunct="1">
-              <a:lnSpc>
-                <a:spcPct val="100000"/>
-              </a:lnSpc>
-              <a:spcBef>
-                <a:spcPct val="20000"/>
-              </a:spcBef>
-              <a:spcAft>
-                <a:spcPts val="0"/>
-              </a:spcAft>
-              <a:buClrTx/>
-              <a:buSzTx/>
-              <a:buFont typeface="Arial"/>
-              <a:buAutoNum type="arabicParenR"/>
-              <a:tabLst/>
-              <a:defRPr/>
-            </a:pPr>
-            <a:endParaRPr kumimoji="0" lang="en-US" sz="3200" b="0" i="0" u="none" strike="noStrike" kern="1200" cap="none" spc="0" normalizeH="0" baseline="0" noProof="0" dirty="0" smtClean="0">
-              <a:ln>
-                <a:noFill/>
-              </a:ln>
-              <a:solidFill>
-                <a:schemeClr val="tx1"/>
-              </a:solidFill>
-              <a:effectLst/>
-              <a:uLnTx/>
-              <a:uFillTx/>
-              <a:latin typeface="+mn-lt"/>
-              <a:ea typeface="+mn-ea"/>
-              <a:cs typeface="+mn-cs"/>
-            </a:endParaRPr>
-          </a:p>
-          <a:p>
-            <a:pPr marL="514350" marR="0" lvl="0" indent="-514350" algn="l" defTabSz="457200" rtl="0" eaLnBrk="1" fontAlgn="auto" latinLnBrk="0" hangingPunct="1">
-              <a:lnSpc>
-                <a:spcPct val="100000"/>
-              </a:lnSpc>
-              <a:spcBef>
-                <a:spcPct val="20000"/>
-              </a:spcBef>
-              <a:spcAft>
-                <a:spcPts val="0"/>
-              </a:spcAft>
-              <a:buClrTx/>
-              <a:buSzTx/>
-              <a:buFont typeface="Arial"/>
-              <a:buNone/>
-              <a:tabLst/>
-              <a:defRPr/>
-            </a:pPr>
-            <a:endParaRPr kumimoji="0" lang="en-US" sz="3200" b="0" i="0" u="none" strike="noStrike" kern="1200" cap="none" spc="0" normalizeH="0" baseline="0" noProof="0" dirty="0" smtClean="0">
-              <a:ln>
-                <a:noFill/>
-              </a:ln>
-              <a:solidFill>
-                <a:schemeClr val="tx1"/>
-              </a:solidFill>
-              <a:effectLst/>
-              <a:uLnTx/>
-              <a:uFillTx/>
-              <a:latin typeface="+mn-lt"/>
-              <a:ea typeface="+mn-ea"/>
-              <a:cs typeface="+mn-cs"/>
-            </a:endParaRPr>
-          </a:p>
-          <a:p>
-            <a:pPr marL="514350" marR="0" lvl="0" indent="-514350" algn="l" defTabSz="457200" rtl="0" eaLnBrk="1" fontAlgn="auto" latinLnBrk="0" hangingPunct="1">
-              <a:lnSpc>
-                <a:spcPct val="100000"/>
-              </a:lnSpc>
-              <a:spcBef>
-                <a:spcPct val="20000"/>
-              </a:spcBef>
-              <a:spcAft>
-                <a:spcPts val="0"/>
-              </a:spcAft>
-              <a:buClrTx/>
-              <a:buSzTx/>
-              <a:buFont typeface="Arial"/>
-              <a:buNone/>
-              <a:tabLst/>
-              <a:defRPr/>
-            </a:pPr>
-            <a:endParaRPr kumimoji="0" lang="en-US" sz="3200" b="0" i="0" u="none" strike="noStrike" kern="1200" cap="none" spc="0" normalizeH="0" baseline="0" noProof="0" dirty="0" smtClean="0">
-              <a:ln>
-                <a:noFill/>
-              </a:ln>
-              <a:solidFill>
-                <a:schemeClr val="tx1"/>
-              </a:solidFill>
-              <a:effectLst/>
-              <a:uLnTx/>
-              <a:uFillTx/>
-              <a:latin typeface="+mn-lt"/>
-              <a:ea typeface="+mn-ea"/>
-              <a:cs typeface="+mn-cs"/>
-            </a:endParaRPr>
-          </a:p>
-          <a:p>
-            <a:pPr marL="514350" marR="0" lvl="0" indent="-514350" algn="l" defTabSz="457200" rtl="0" eaLnBrk="1" fontAlgn="auto" latinLnBrk="0" hangingPunct="1">
-              <a:lnSpc>
-                <a:spcPct val="100000"/>
-              </a:lnSpc>
-              <a:spcBef>
-                <a:spcPct val="20000"/>
-              </a:spcBef>
-              <a:spcAft>
-                <a:spcPts val="0"/>
-              </a:spcAft>
-              <a:buClrTx/>
-              <a:buSzTx/>
-              <a:buFont typeface="Arial"/>
-              <a:buNone/>
-              <a:tabLst/>
-              <a:defRPr/>
-            </a:pPr>
-            <a:endParaRPr kumimoji="0" lang="en-US" sz="3200" b="0" i="0" u="none" strike="noStrike" kern="1200" cap="none" spc="0" normalizeH="0" baseline="0" noProof="0" dirty="0" smtClean="0">
-              <a:ln>
-                <a:noFill/>
-              </a:ln>
-              <a:solidFill>
-                <a:schemeClr val="tx1"/>
-              </a:solidFill>
-              <a:effectLst/>
-              <a:uLnTx/>
-              <a:uFillTx/>
-              <a:latin typeface="+mn-lt"/>
-              <a:ea typeface="+mn-ea"/>
-              <a:cs typeface="+mn-cs"/>
-            </a:endParaRPr>
-          </a:p>
-          <a:p>
-            <a:pPr marL="514350" marR="0" lvl="0" indent="-514350" algn="l" defTabSz="457200" rtl="0" eaLnBrk="1" fontAlgn="auto" latinLnBrk="0" hangingPunct="1">
-              <a:lnSpc>
-                <a:spcPct val="100000"/>
-              </a:lnSpc>
-              <a:spcBef>
-                <a:spcPct val="20000"/>
-              </a:spcBef>
-              <a:spcAft>
-                <a:spcPts val="0"/>
-              </a:spcAft>
-              <a:buClrTx/>
-              <a:buSzTx/>
-              <a:buFont typeface="Arial"/>
-              <a:buNone/>
-              <a:tabLst/>
-              <a:defRPr/>
-            </a:pPr>
-            <a:endParaRPr kumimoji="0" lang="en-US" sz="3200" b="0" i="0" u="none" strike="noStrike" kern="1200" cap="none" spc="0" normalizeH="0" baseline="0" noProof="0" dirty="0" smtClean="0">
-              <a:ln>
-                <a:noFill/>
-              </a:ln>
-              <a:solidFill>
-                <a:schemeClr val="tx1"/>
-              </a:solidFill>
-              <a:effectLst/>
-              <a:uLnTx/>
-              <a:uFillTx/>
-              <a:latin typeface="+mn-lt"/>
-              <a:ea typeface="+mn-ea"/>
-              <a:cs typeface="+mn-cs"/>
-            </a:endParaRPr>
-          </a:p>
-          <a:p>
-            <a:pPr marL="514350" marR="0" lvl="0" indent="-514350" algn="l" defTabSz="457200" rtl="0" eaLnBrk="1" fontAlgn="auto" latinLnBrk="0" hangingPunct="1">
-              <a:lnSpc>
-                <a:spcPct val="100000"/>
-              </a:lnSpc>
-              <a:spcBef>
-                <a:spcPct val="20000"/>
-              </a:spcBef>
-              <a:spcAft>
-                <a:spcPts val="0"/>
-              </a:spcAft>
-              <a:buClrTx/>
-              <a:buSzTx/>
-              <a:buFont typeface="Arial"/>
-              <a:buNone/>
-              <a:tabLst/>
-              <a:defRPr/>
-            </a:pPr>
-            <a:endParaRPr kumimoji="0" lang="en-US" sz="3200" b="0" i="0" u="none" strike="noStrike" kern="1200" cap="none" spc="0" normalizeH="0" baseline="0" noProof="0" dirty="0" smtClean="0">
-              <a:ln>
-                <a:noFill/>
-              </a:ln>
-              <a:solidFill>
-                <a:schemeClr val="tx1"/>
-              </a:solidFill>
-              <a:effectLst/>
-              <a:uLnTx/>
-              <a:uFillTx/>
-              <a:latin typeface="+mn-lt"/>
-              <a:ea typeface="+mn-ea"/>
-              <a:cs typeface="+mn-cs"/>
-            </a:endParaRPr>
-          </a:p>
-          <a:p>
-            <a:pPr marL="514350" marR="0" lvl="0" indent="-514350" algn="l" defTabSz="457200" rtl="0" eaLnBrk="1" fontAlgn="auto" latinLnBrk="0" hangingPunct="1">
-              <a:lnSpc>
-                <a:spcPct val="100000"/>
-              </a:lnSpc>
-              <a:spcBef>
-                <a:spcPct val="20000"/>
-              </a:spcBef>
-              <a:spcAft>
-                <a:spcPts val="0"/>
-              </a:spcAft>
-              <a:buClrTx/>
-              <a:buSzTx/>
-              <a:buFont typeface="Arial"/>
-              <a:buNone/>
-              <a:tabLst/>
-              <a:defRPr/>
-            </a:pPr>
-            <a:endParaRPr kumimoji="0" lang="en-US" sz="3200" b="0" i="0" u="none" strike="noStrike" kern="1200" cap="none" spc="0" normalizeH="0" baseline="0" noProof="0" dirty="0" smtClean="0">
-              <a:ln>
-                <a:noFill/>
-              </a:ln>
-              <a:solidFill>
-                <a:schemeClr val="tx1"/>
-              </a:solidFill>
-              <a:effectLst/>
-              <a:uLnTx/>
-              <a:uFillTx/>
-              <a:latin typeface="+mn-lt"/>
-              <a:ea typeface="+mn-ea"/>
-              <a:cs typeface="+mn-cs"/>
-            </a:endParaRPr>
-          </a:p>
-          <a:p>
-            <a:pPr marL="514350" marR="0" lvl="0" indent="-514350" algn="l" defTabSz="457200" rtl="0" eaLnBrk="1" fontAlgn="auto" latinLnBrk="0" hangingPunct="1">
-              <a:lnSpc>
-                <a:spcPct val="100000"/>
-              </a:lnSpc>
-              <a:spcBef>
-                <a:spcPct val="20000"/>
-              </a:spcBef>
-              <a:spcAft>
-                <a:spcPts val="0"/>
-              </a:spcAft>
-              <a:buClrTx/>
-              <a:buSzTx/>
-              <a:buFont typeface="Arial"/>
-              <a:buAutoNum type="arabicParenR"/>
-              <a:tabLst/>
-              <a:defRPr/>
-            </a:pPr>
-            <a:endParaRPr kumimoji="0" lang="en-US" sz="3200" b="0" i="0" u="none" strike="noStrike" kern="1200" cap="none" spc="0" normalizeH="0" baseline="0" noProof="0" dirty="0" smtClean="0">
-              <a:ln>
-                <a:noFill/>
-              </a:ln>
-              <a:solidFill>
-                <a:schemeClr val="tx1"/>
-              </a:solidFill>
-              <a:effectLst/>
-              <a:uLnTx/>
-              <a:uFillTx/>
-              <a:latin typeface="+mn-lt"/>
-              <a:ea typeface="+mn-ea"/>
-              <a:cs typeface="+mn-cs"/>
-            </a:endParaRPr>
-          </a:p>
-          <a:p>
-            <a:pPr marL="514350" marR="0" lvl="0" indent="-514350" algn="l" defTabSz="457200" rtl="0" eaLnBrk="1" fontAlgn="auto" latinLnBrk="0" hangingPunct="1">
-              <a:lnSpc>
-                <a:spcPct val="100000"/>
-              </a:lnSpc>
-              <a:spcBef>
-                <a:spcPct val="20000"/>
-              </a:spcBef>
-              <a:spcAft>
-                <a:spcPts val="0"/>
-              </a:spcAft>
-              <a:buClrTx/>
-              <a:buSzTx/>
-              <a:buFont typeface="Arial"/>
-              <a:buAutoNum type="arabicParenR"/>
-              <a:tabLst/>
-              <a:defRPr/>
-            </a:pPr>
-            <a:endParaRPr kumimoji="0" lang="en-US" sz="3200" b="0" i="0" u="none" strike="noStrike" kern="1200" cap="none" spc="0" normalizeH="0" baseline="0" noProof="0" dirty="0" smtClean="0">
-              <a:ln>
-                <a:noFill/>
-              </a:ln>
-              <a:solidFill>
-                <a:schemeClr val="tx1"/>
-              </a:solidFill>
-              <a:effectLst/>
-              <a:uLnTx/>
-              <a:uFillTx/>
-              <a:latin typeface="+mn-lt"/>
-              <a:ea typeface="+mn-ea"/>
-              <a:cs typeface="+mn-cs"/>
-            </a:endParaRPr>
-          </a:p>
-          <a:p>
-            <a:pPr marL="514350" marR="0" lvl="0" indent="-514350" algn="l" defTabSz="457200" rtl="0" eaLnBrk="1" fontAlgn="auto" latinLnBrk="0" hangingPunct="1">
-              <a:lnSpc>
-                <a:spcPct val="100000"/>
-              </a:lnSpc>
-              <a:spcBef>
-                <a:spcPct val="20000"/>
-              </a:spcBef>
-              <a:spcAft>
-                <a:spcPts val="0"/>
-              </a:spcAft>
-              <a:buClrTx/>
-              <a:buSzTx/>
-              <a:buFont typeface="Arial"/>
-              <a:buAutoNum type="arabicParenR"/>
-              <a:tabLst/>
-              <a:defRPr/>
-            </a:pPr>
-            <a:endParaRPr kumimoji="0" lang="en-US" sz="3200" b="0" i="0" u="none" strike="noStrike" kern="1200" cap="none" spc="0" normalizeH="0" baseline="0" noProof="0" dirty="0" smtClean="0">
-              <a:ln>
-                <a:noFill/>
-              </a:ln>
-              <a:solidFill>
-                <a:schemeClr val="tx1"/>
-              </a:solidFill>
-              <a:effectLst/>
-              <a:uLnTx/>
-              <a:uFillTx/>
-              <a:latin typeface="+mn-lt"/>
-              <a:ea typeface="+mn-ea"/>
-              <a:cs typeface="+mn-cs"/>
-            </a:endParaRPr>
-          </a:p>
-          <a:p>
-            <a:pPr marL="514350" marR="0" lvl="0" indent="-514350" algn="l" defTabSz="457200" rtl="0" eaLnBrk="1" fontAlgn="auto" latinLnBrk="0" hangingPunct="1">
-              <a:lnSpc>
-                <a:spcPct val="100000"/>
-              </a:lnSpc>
-              <a:spcBef>
-                <a:spcPct val="20000"/>
-              </a:spcBef>
-              <a:spcAft>
-                <a:spcPts val="0"/>
-              </a:spcAft>
-              <a:buClrTx/>
-              <a:buSzTx/>
-              <a:buFont typeface="Arial"/>
-              <a:buAutoNum type="arabicParenR"/>
-              <a:tabLst/>
-              <a:defRPr/>
-            </a:pPr>
-            <a:endParaRPr kumimoji="0" lang="en-US" sz="3200" b="0" i="0" u="none" strike="noStrike" kern="1200" cap="none" spc="0" normalizeH="0" baseline="0" noProof="0" dirty="0" smtClean="0">
-              <a:ln>
-                <a:noFill/>
-              </a:ln>
-              <a:solidFill>
-                <a:schemeClr val="tx1"/>
-              </a:solidFill>
-              <a:effectLst/>
-              <a:uLnTx/>
-              <a:uFillTx/>
-              <a:latin typeface="+mn-lt"/>
-              <a:ea typeface="+mn-ea"/>
-              <a:cs typeface="+mn-cs"/>
-            </a:endParaRPr>
-          </a:p>
-          <a:p>
-            <a:pPr marL="514350" marR="0" lvl="0" indent="-514350" algn="l" defTabSz="457200" rtl="0" eaLnBrk="1" fontAlgn="auto" latinLnBrk="0" hangingPunct="1">
-              <a:lnSpc>
-                <a:spcPct val="100000"/>
-              </a:lnSpc>
-              <a:spcBef>
-                <a:spcPct val="20000"/>
-              </a:spcBef>
-              <a:spcAft>
-                <a:spcPts val="0"/>
-              </a:spcAft>
-              <a:buClrTx/>
-              <a:buSzTx/>
-              <a:buFont typeface="Arial"/>
-              <a:buAutoNum type="arabicParenR"/>
-              <a:tabLst/>
-              <a:defRPr/>
-            </a:pPr>
-            <a:endParaRPr kumimoji="0" lang="en-US" sz="3200" b="0" i="0" u="none" strike="noStrike" kern="1200" cap="none" spc="0" normalizeH="0" baseline="0" noProof="0" dirty="0" smtClean="0">
-              <a:ln>
-                <a:noFill/>
-              </a:ln>
-              <a:solidFill>
-                <a:schemeClr val="tx1"/>
-              </a:solidFill>
-              <a:effectLst/>
-              <a:uLnTx/>
-              <a:uFillTx/>
-              <a:latin typeface="+mn-lt"/>
-              <a:ea typeface="+mn-ea"/>
-              <a:cs typeface="+mn-cs"/>
-            </a:endParaRPr>
-          </a:p>
-          <a:p>
-            <a:pPr marL="514350" marR="0" lvl="0" indent="-514350" algn="l" defTabSz="457200" rtl="0" eaLnBrk="1" fontAlgn="auto" latinLnBrk="0" hangingPunct="1">
-              <a:lnSpc>
-                <a:spcPct val="100000"/>
-              </a:lnSpc>
-              <a:spcBef>
-                <a:spcPct val="20000"/>
-              </a:spcBef>
-              <a:spcAft>
-                <a:spcPts val="0"/>
-              </a:spcAft>
-              <a:buClrTx/>
-              <a:buSzTx/>
-              <a:buFont typeface="Arial"/>
-              <a:buAutoNum type="arabicParenR"/>
-              <a:tabLst/>
-              <a:defRPr/>
-            </a:pPr>
-            <a:endParaRPr kumimoji="0" lang="en-US" sz="3200" b="1" i="0" u="none" strike="noStrike" kern="1200" cap="none" spc="0" normalizeH="0" baseline="0" noProof="0" dirty="0" smtClean="0">
-              <a:ln>
-                <a:noFill/>
-              </a:ln>
-              <a:solidFill>
-                <a:schemeClr val="tx1"/>
-              </a:solidFill>
-              <a:effectLst/>
-              <a:uLnTx/>
-              <a:uFillTx/>
-              <a:latin typeface="+mn-lt"/>
-              <a:ea typeface="+mn-ea"/>
-              <a:cs typeface="+mn-cs"/>
-            </a:endParaRPr>
-          </a:p>
-          <a:p>
-            <a:pPr marL="1600200" marR="0" lvl="3" indent="-228600" algn="l" defTabSz="457200" rtl="0" eaLnBrk="1" fontAlgn="auto" latinLnBrk="0" hangingPunct="1">
-              <a:lnSpc>
-                <a:spcPct val="100000"/>
-              </a:lnSpc>
-              <a:spcBef>
-                <a:spcPct val="20000"/>
-              </a:spcBef>
-              <a:spcAft>
-                <a:spcPts val="0"/>
-              </a:spcAft>
-              <a:buClrTx/>
-              <a:buSzTx/>
-              <a:buFont typeface="Arial"/>
-              <a:buNone/>
-              <a:tabLst/>
-              <a:defRPr/>
-            </a:pPr>
-            <a:endParaRPr kumimoji="0" lang="en-US" sz="2000" b="0" i="0" u="none" strike="noStrike" kern="1200" cap="none" spc="0" normalizeH="0" baseline="0" noProof="0" dirty="0" smtClean="0">
-              <a:ln>
-                <a:noFill/>
-              </a:ln>
-              <a:solidFill>
-                <a:schemeClr val="tx1"/>
-              </a:solidFill>
-              <a:effectLst/>
-              <a:uLnTx/>
-              <a:uFillTx/>
-              <a:latin typeface="+mn-lt"/>
-              <a:ea typeface="+mn-ea"/>
-              <a:cs typeface="+mn-cs"/>
-            </a:endParaRPr>
-          </a:p>
-          <a:p>
-            <a:pPr marL="742950" marR="0" lvl="1" indent="-285750" algn="l" defTabSz="457200" rtl="0" eaLnBrk="1" fontAlgn="auto" latinLnBrk="0" hangingPunct="1">
-              <a:lnSpc>
-                <a:spcPct val="100000"/>
-              </a:lnSpc>
-              <a:spcBef>
-                <a:spcPct val="20000"/>
-              </a:spcBef>
-              <a:spcAft>
-                <a:spcPts val="0"/>
-              </a:spcAft>
-              <a:buClrTx/>
-              <a:buSzTx/>
-              <a:buFont typeface="Arial"/>
-              <a:buNone/>
-              <a:tabLst/>
-              <a:defRPr/>
-            </a:pPr>
-            <a:endParaRPr kumimoji="0" lang="en-US" sz="2800" b="0" i="0" u="none" strike="noStrike" kern="1200" cap="none" spc="0" normalizeH="0" baseline="0" noProof="0" dirty="0" smtClean="0">
-              <a:ln>
-                <a:noFill/>
-              </a:ln>
-              <a:solidFill>
-                <a:schemeClr val="tx1"/>
-              </a:solidFill>
-              <a:effectLst/>
-              <a:uLnTx/>
-              <a:uFillTx/>
-              <a:latin typeface="+mn-lt"/>
-              <a:ea typeface="+mn-ea"/>
-              <a:cs typeface="+mn-cs"/>
-            </a:endParaRPr>
-          </a:p>
-          <a:p>
-            <a:pPr marL="742950" marR="0" lvl="1" indent="-285750" algn="l" defTabSz="457200" rtl="0" eaLnBrk="1" fontAlgn="auto" latinLnBrk="0" hangingPunct="1">
-              <a:lnSpc>
-                <a:spcPct val="100000"/>
-              </a:lnSpc>
-              <a:spcBef>
-                <a:spcPct val="20000"/>
-              </a:spcBef>
-              <a:spcAft>
-                <a:spcPts val="0"/>
-              </a:spcAft>
-              <a:buClrTx/>
-              <a:buSzTx/>
-              <a:buFont typeface="Arial"/>
-              <a:buNone/>
-              <a:tabLst/>
-              <a:defRPr/>
-            </a:pPr>
-            <a:endParaRPr kumimoji="0" lang="en-US" sz="2800" b="0" i="0" u="none" strike="noStrike" kern="1200" cap="none" spc="0" normalizeH="0" baseline="0" noProof="0" dirty="0" smtClean="0">
-              <a:ln>
-                <a:noFill/>
-              </a:ln>
-              <a:solidFill>
-                <a:schemeClr val="tx1"/>
-              </a:solidFill>
-              <a:effectLst/>
-              <a:uLnTx/>
-              <a:uFillTx/>
-              <a:latin typeface="+mn-lt"/>
-              <a:ea typeface="+mn-ea"/>
-              <a:cs typeface="+mn-cs"/>
-            </a:endParaRPr>
-          </a:p>
-        </p:txBody>
-      </p:sp>
-      <p:sp>
-        <p:nvSpPr>
-          <p:cNvPr id="13" name="Content Placeholder 12"/>
-          <p:cNvSpPr>
-            <a:spLocks noGrp="1"/>
-          </p:cNvSpPr>
-          <p:nvPr>
-            <p:ph idx="1"/>
-          </p:nvPr>
-        </p:nvSpPr>
-        <p:spPr>
-          <a:xfrm>
-            <a:off x="457200" y="901918"/>
-            <a:ext cx="8572080" cy="5130669"/>
-          </a:xfrm>
-        </p:spPr>
-        <p:txBody>
-          <a:bodyPr/>
-          <a:lstStyle/>
-          <a:p>
-            <a:pPr>
-              <a:buNone/>
-            </a:pPr>
-            <a:r>
-              <a:rPr lang="en-US" dirty="0" smtClean="0"/>
-              <a:t>1) Align eagle-</a:t>
-            </a:r>
-            <a:r>
-              <a:rPr lang="en-US" dirty="0" err="1" smtClean="0"/>
-              <a:t>i</a:t>
-            </a:r>
-            <a:r>
-              <a:rPr lang="en-US" dirty="0" smtClean="0"/>
-              <a:t> instruments with OBI devices</a:t>
-            </a:r>
-            <a:endParaRPr lang="en-US" dirty="0"/>
           </a:p>
         </p:txBody>
       </p:sp>
@@ -16532,268 +16108,6 @@
       </p:sp>
       <p:sp>
         <p:nvSpPr>
-          <p:cNvPr id="9" name="Content Placeholder 2"/>
-          <p:cNvSpPr>
-            <a:spLocks noGrp="1"/>
-          </p:cNvSpPr>
-          <p:nvPr>
-            <p:ph idx="1"/>
-          </p:nvPr>
-        </p:nvSpPr>
-        <p:spPr>
-          <a:xfrm>
-            <a:off x="457200" y="909228"/>
-            <a:ext cx="8507188" cy="5556958"/>
-          </a:xfrm>
-        </p:spPr>
-        <p:txBody>
-          <a:bodyPr>
-            <a:normAutofit fontScale="92500" lnSpcReduction="10000"/>
-          </a:bodyPr>
-          <a:lstStyle/>
-          <a:p>
-            <a:pPr marL="514350" indent="-514350">
-              <a:buNone/>
-            </a:pPr>
-            <a:r>
-              <a:rPr lang="en-US" dirty="0" smtClean="0"/>
-              <a:t>3) Generate new instrument to be implemented in OBI using Quick Term Template (QTT)</a:t>
-            </a:r>
-          </a:p>
-          <a:p>
-            <a:pPr marL="514350" indent="-514350">
-              <a:buNone/>
-            </a:pPr>
-            <a:endParaRPr lang="en-US" dirty="0" smtClean="0"/>
-          </a:p>
-          <a:p>
-            <a:pPr marL="514350" indent="-514350">
-              <a:buNone/>
-            </a:pPr>
-            <a:endParaRPr lang="en-US" dirty="0" smtClean="0"/>
-          </a:p>
-          <a:p>
-            <a:pPr marL="514350" indent="-514350">
-              <a:buNone/>
-            </a:pPr>
-            <a:endParaRPr lang="en-US" dirty="0" smtClean="0"/>
-          </a:p>
-          <a:p>
-            <a:pPr marL="514350" indent="-514350">
-              <a:buNone/>
-            </a:pPr>
-            <a:endParaRPr lang="en-US" dirty="0" smtClean="0"/>
-          </a:p>
-          <a:p>
-            <a:pPr marL="514350" indent="-514350">
-              <a:buNone/>
-            </a:pPr>
-            <a:endParaRPr lang="en-US" dirty="0" smtClean="0"/>
-          </a:p>
-          <a:p>
-            <a:pPr marL="514350" indent="-514350">
-              <a:buNone/>
-            </a:pPr>
-            <a:endParaRPr lang="en-US" dirty="0" smtClean="0"/>
-          </a:p>
-          <a:p>
-            <a:pPr marL="514350" indent="-514350">
-              <a:buNone/>
-            </a:pPr>
-            <a:endParaRPr lang="en-US" dirty="0" smtClean="0"/>
-          </a:p>
-          <a:p>
-            <a:pPr marL="514350" indent="-514350">
-              <a:buNone/>
-            </a:pPr>
-            <a:r>
-              <a:rPr lang="en-US" dirty="0" smtClean="0"/>
-              <a:t>4) MIREOT back from OBI the new instrument classes into eagle-</a:t>
-            </a:r>
-            <a:r>
-              <a:rPr lang="en-US" dirty="0" err="1" smtClean="0"/>
-              <a:t>i</a:t>
-            </a:r>
-            <a:endParaRPr lang="en-US" dirty="0" smtClean="0"/>
-          </a:p>
-          <a:p>
-            <a:pPr marL="514350" indent="-514350">
-              <a:buNone/>
-            </a:pPr>
-            <a:endParaRPr lang="en-US" dirty="0" smtClean="0"/>
-          </a:p>
-          <a:p>
-            <a:pPr marL="514350" indent="-514350">
-              <a:buNone/>
-            </a:pPr>
-            <a:endParaRPr lang="en-US" dirty="0" smtClean="0"/>
-          </a:p>
-          <a:p>
-            <a:pPr marL="514350" indent="-514350">
-              <a:buNone/>
-            </a:pPr>
-            <a:endParaRPr lang="en-US" dirty="0" smtClean="0"/>
-          </a:p>
-          <a:p>
-            <a:pPr marL="514350" indent="-514350">
-              <a:buNone/>
-            </a:pPr>
-            <a:endParaRPr lang="en-US" dirty="0" smtClean="0"/>
-          </a:p>
-          <a:p>
-            <a:pPr marL="514350" indent="-514350">
-              <a:buNone/>
-            </a:pPr>
-            <a:endParaRPr lang="en-US" dirty="0" smtClean="0"/>
-          </a:p>
-          <a:p>
-            <a:pPr marL="514350" indent="-514350">
-              <a:buNone/>
-            </a:pPr>
-            <a:endParaRPr lang="en-US" dirty="0" smtClean="0"/>
-          </a:p>
-          <a:p>
-            <a:pPr marL="514350" indent="-514350">
-              <a:buNone/>
-            </a:pPr>
-            <a:endParaRPr lang="en-US" dirty="0" smtClean="0"/>
-          </a:p>
-          <a:p>
-            <a:pPr marL="514350" indent="-514350">
-              <a:buNone/>
-            </a:pPr>
-            <a:endParaRPr lang="en-US" dirty="0" smtClean="0"/>
-          </a:p>
-          <a:p>
-            <a:pPr marL="514350" indent="-514350">
-              <a:buNone/>
-            </a:pPr>
-            <a:endParaRPr lang="en-US" dirty="0" smtClean="0"/>
-          </a:p>
-          <a:p>
-            <a:pPr marL="514350" indent="-514350">
-              <a:buNone/>
-            </a:pPr>
-            <a:endParaRPr lang="en-US" dirty="0" smtClean="0"/>
-          </a:p>
-          <a:p>
-            <a:pPr marL="514350" indent="-514350">
-              <a:buNone/>
-            </a:pPr>
-            <a:endParaRPr lang="en-US" dirty="0" smtClean="0"/>
-          </a:p>
-          <a:p>
-            <a:pPr marL="514350" indent="-514350">
-              <a:buNone/>
-            </a:pPr>
-            <a:endParaRPr lang="en-US" dirty="0" smtClean="0"/>
-          </a:p>
-          <a:p>
-            <a:pPr marL="514350" indent="-514350">
-              <a:buAutoNum type="arabicParenR"/>
-            </a:pPr>
-            <a:endParaRPr lang="en-US" dirty="0" smtClean="0"/>
-          </a:p>
-          <a:p>
-            <a:pPr marL="514350" indent="-514350">
-              <a:buAutoNum type="arabicParenR"/>
-            </a:pPr>
-            <a:endParaRPr lang="en-US" dirty="0" smtClean="0"/>
-          </a:p>
-          <a:p>
-            <a:pPr marL="514350" indent="-514350">
-              <a:buNone/>
-            </a:pPr>
-            <a:endParaRPr lang="en-US" dirty="0" smtClean="0"/>
-          </a:p>
-          <a:p>
-            <a:pPr marL="514350" indent="-514350">
-              <a:buNone/>
-            </a:pPr>
-            <a:endParaRPr lang="en-US" dirty="0" smtClean="0"/>
-          </a:p>
-          <a:p>
-            <a:pPr marL="514350" indent="-514350">
-              <a:buNone/>
-            </a:pPr>
-            <a:endParaRPr lang="en-US" dirty="0" smtClean="0"/>
-          </a:p>
-          <a:p>
-            <a:pPr marL="514350" indent="-514350">
-              <a:buNone/>
-            </a:pPr>
-            <a:endParaRPr lang="en-US" dirty="0" smtClean="0"/>
-          </a:p>
-          <a:p>
-            <a:pPr marL="514350" indent="-514350">
-              <a:buNone/>
-            </a:pPr>
-            <a:endParaRPr lang="en-US" dirty="0" smtClean="0"/>
-          </a:p>
-          <a:p>
-            <a:pPr marL="514350" indent="-514350">
-              <a:buNone/>
-            </a:pPr>
-            <a:endParaRPr lang="en-US" dirty="0" smtClean="0"/>
-          </a:p>
-          <a:p>
-            <a:pPr marL="514350" indent="-514350">
-              <a:buAutoNum type="arabicParenR"/>
-            </a:pPr>
-            <a:endParaRPr lang="en-US" dirty="0" smtClean="0"/>
-          </a:p>
-          <a:p>
-            <a:pPr marL="514350" indent="-514350">
-              <a:buAutoNum type="arabicParenR"/>
-            </a:pPr>
-            <a:endParaRPr lang="en-US" dirty="0" smtClean="0"/>
-          </a:p>
-          <a:p>
-            <a:pPr marL="514350" indent="-514350">
-              <a:buAutoNum type="arabicParenR"/>
-            </a:pPr>
-            <a:endParaRPr lang="en-US" dirty="0" smtClean="0"/>
-          </a:p>
-          <a:p>
-            <a:pPr marL="514350" indent="-514350">
-              <a:buAutoNum type="arabicParenR"/>
-            </a:pPr>
-            <a:endParaRPr lang="en-US" dirty="0" smtClean="0"/>
-          </a:p>
-          <a:p>
-            <a:pPr marL="514350" indent="-514350">
-              <a:buAutoNum type="arabicParenR"/>
-            </a:pPr>
-            <a:endParaRPr lang="en-US" dirty="0" smtClean="0"/>
-          </a:p>
-          <a:p>
-            <a:pPr marL="514350" indent="-514350">
-              <a:buAutoNum type="arabicParenR"/>
-            </a:pPr>
-            <a:endParaRPr lang="en-US" b="1" dirty="0" smtClean="0"/>
-          </a:p>
-          <a:p>
-            <a:pPr lvl="3">
-              <a:buNone/>
-            </a:pPr>
-            <a:endParaRPr lang="en-US" dirty="0" smtClean="0"/>
-          </a:p>
-          <a:p>
-            <a:pPr lvl="1">
-              <a:buNone/>
-            </a:pPr>
-            <a:endParaRPr lang="en-US" dirty="0" smtClean="0"/>
-          </a:p>
-          <a:p>
-            <a:pPr lvl="1">
-              <a:buNone/>
-            </a:pPr>
-            <a:endParaRPr lang="en-US" dirty="0" smtClean="0"/>
-          </a:p>
-        </p:txBody>
-      </p:sp>
-      <p:sp>
-        <p:nvSpPr>
           <p:cNvPr id="10" name="Title 1"/>
           <p:cNvSpPr>
             <a:spLocks noGrp="1"/>
@@ -16842,7 +16156,7 @@
       </p:sp>
       <p:pic>
         <p:nvPicPr>
-          <p:cNvPr id="13" name="Picture 12"/>
+          <p:cNvPr id="11" name="Picture 10"/>
           <p:cNvPicPr>
             <a:picLocks noChangeAspect="1"/>
           </p:cNvPicPr>
@@ -16856,14 +16170,688 @@
         </p:blipFill>
         <p:spPr>
           <a:xfrm>
-            <a:off x="889793" y="1902933"/>
-            <a:ext cx="6795292" cy="3287537"/>
+            <a:off x="1025610" y="1647741"/>
+            <a:ext cx="6811507" cy="3514537"/>
           </a:xfrm>
           <a:prstGeom prst="rect">
             <a:avLst/>
           </a:prstGeom>
         </p:spPr>
       </p:pic>
+      <p:sp>
+        <p:nvSpPr>
+          <p:cNvPr id="12" name="Content Placeholder 2"/>
+          <p:cNvSpPr txBox="1">
+            <a:spLocks/>
+          </p:cNvSpPr>
+          <p:nvPr/>
+        </p:nvSpPr>
+        <p:spPr>
+          <a:xfrm>
+            <a:off x="609600" y="5162278"/>
+            <a:ext cx="8229600" cy="1260231"/>
+          </a:xfrm>
+          <a:prstGeom prst="rect">
+            <a:avLst/>
+          </a:prstGeom>
+        </p:spPr>
+        <p:txBody>
+          <a:bodyPr vert="horz" lIns="91440" tIns="45720" rIns="91440" bIns="45720" rtlCol="0">
+            <a:normAutofit/>
+          </a:bodyPr>
+          <a:lstStyle/>
+          <a:p>
+            <a:pPr marL="514350" lvl="0" indent="-514350">
+              <a:spcBef>
+                <a:spcPct val="20000"/>
+              </a:spcBef>
+            </a:pPr>
+            <a:r>
+              <a:rPr lang="en-US" sz="3200" dirty="0" smtClean="0"/>
+              <a:t>2) MIREOT the device classes already present in OBI (</a:t>
+            </a:r>
+            <a:r>
+              <a:rPr lang="en-US" sz="3200" dirty="0" err="1" smtClean="0"/>
+              <a:t>eg</a:t>
+            </a:r>
+            <a:r>
+              <a:rPr lang="en-US" sz="3200" dirty="0" smtClean="0"/>
+              <a:t>. DNA sequencer, centrifuge)</a:t>
+            </a:r>
+          </a:p>
+          <a:p>
+            <a:pPr marL="514350" marR="0" lvl="0" indent="-514350" algn="l" defTabSz="457200" rtl="0" eaLnBrk="1" fontAlgn="auto" latinLnBrk="0" hangingPunct="1">
+              <a:lnSpc>
+                <a:spcPct val="100000"/>
+              </a:lnSpc>
+              <a:spcBef>
+                <a:spcPct val="20000"/>
+              </a:spcBef>
+              <a:spcAft>
+                <a:spcPts val="0"/>
+              </a:spcAft>
+              <a:buClrTx/>
+              <a:buSzTx/>
+              <a:tabLst/>
+              <a:defRPr/>
+            </a:pPr>
+            <a:endParaRPr kumimoji="0" lang="en-US" sz="3200" b="0" i="0" u="none" strike="noStrike" kern="1200" cap="none" spc="0" normalizeH="0" baseline="0" noProof="0" dirty="0" smtClean="0">
+              <a:ln>
+                <a:noFill/>
+              </a:ln>
+              <a:solidFill>
+                <a:schemeClr val="tx1"/>
+              </a:solidFill>
+              <a:effectLst/>
+              <a:uLnTx/>
+              <a:uFillTx/>
+              <a:latin typeface="+mn-lt"/>
+              <a:ea typeface="+mn-ea"/>
+              <a:cs typeface="+mn-cs"/>
+            </a:endParaRPr>
+          </a:p>
+          <a:p>
+            <a:pPr marL="514350" marR="0" lvl="0" indent="-514350" algn="l" defTabSz="457200" rtl="0" eaLnBrk="1" fontAlgn="auto" latinLnBrk="0" hangingPunct="1">
+              <a:lnSpc>
+                <a:spcPct val="100000"/>
+              </a:lnSpc>
+              <a:spcBef>
+                <a:spcPct val="20000"/>
+              </a:spcBef>
+              <a:spcAft>
+                <a:spcPts val="0"/>
+              </a:spcAft>
+              <a:buClrTx/>
+              <a:buSzTx/>
+              <a:buFont typeface="Arial"/>
+              <a:buAutoNum type="arabicParenR"/>
+              <a:tabLst/>
+              <a:defRPr/>
+            </a:pPr>
+            <a:endParaRPr kumimoji="0" lang="en-US" sz="3200" b="0" i="0" u="none" strike="noStrike" kern="1200" cap="none" spc="0" normalizeH="0" baseline="0" noProof="0" dirty="0" smtClean="0">
+              <a:ln>
+                <a:noFill/>
+              </a:ln>
+              <a:solidFill>
+                <a:schemeClr val="tx1"/>
+              </a:solidFill>
+              <a:effectLst/>
+              <a:uLnTx/>
+              <a:uFillTx/>
+              <a:latin typeface="+mn-lt"/>
+              <a:ea typeface="+mn-ea"/>
+              <a:cs typeface="+mn-cs"/>
+            </a:endParaRPr>
+          </a:p>
+          <a:p>
+            <a:pPr marL="514350" marR="0" lvl="0" indent="-514350" algn="l" defTabSz="457200" rtl="0" eaLnBrk="1" fontAlgn="auto" latinLnBrk="0" hangingPunct="1">
+              <a:lnSpc>
+                <a:spcPct val="100000"/>
+              </a:lnSpc>
+              <a:spcBef>
+                <a:spcPct val="20000"/>
+              </a:spcBef>
+              <a:spcAft>
+                <a:spcPts val="0"/>
+              </a:spcAft>
+              <a:buClrTx/>
+              <a:buSzTx/>
+              <a:buFont typeface="Arial"/>
+              <a:buAutoNum type="arabicParenR"/>
+              <a:tabLst/>
+              <a:defRPr/>
+            </a:pPr>
+            <a:endParaRPr kumimoji="0" lang="en-US" sz="3200" b="0" i="0" u="none" strike="noStrike" kern="1200" cap="none" spc="0" normalizeH="0" baseline="0" noProof="0" dirty="0" smtClean="0">
+              <a:ln>
+                <a:noFill/>
+              </a:ln>
+              <a:solidFill>
+                <a:schemeClr val="tx1"/>
+              </a:solidFill>
+              <a:effectLst/>
+              <a:uLnTx/>
+              <a:uFillTx/>
+              <a:latin typeface="+mn-lt"/>
+              <a:ea typeface="+mn-ea"/>
+              <a:cs typeface="+mn-cs"/>
+            </a:endParaRPr>
+          </a:p>
+          <a:p>
+            <a:pPr marL="514350" marR="0" lvl="0" indent="-514350" algn="l" defTabSz="457200" rtl="0" eaLnBrk="1" fontAlgn="auto" latinLnBrk="0" hangingPunct="1">
+              <a:lnSpc>
+                <a:spcPct val="100000"/>
+              </a:lnSpc>
+              <a:spcBef>
+                <a:spcPct val="20000"/>
+              </a:spcBef>
+              <a:spcAft>
+                <a:spcPts val="0"/>
+              </a:spcAft>
+              <a:buClrTx/>
+              <a:buSzTx/>
+              <a:buFont typeface="Arial"/>
+              <a:buNone/>
+              <a:tabLst/>
+              <a:defRPr/>
+            </a:pPr>
+            <a:endParaRPr kumimoji="0" lang="en-US" sz="3200" b="0" i="0" u="none" strike="noStrike" kern="1200" cap="none" spc="0" normalizeH="0" baseline="0" noProof="0" dirty="0" smtClean="0">
+              <a:ln>
+                <a:noFill/>
+              </a:ln>
+              <a:solidFill>
+                <a:schemeClr val="tx1"/>
+              </a:solidFill>
+              <a:effectLst/>
+              <a:uLnTx/>
+              <a:uFillTx/>
+              <a:latin typeface="+mn-lt"/>
+              <a:ea typeface="+mn-ea"/>
+              <a:cs typeface="+mn-cs"/>
+            </a:endParaRPr>
+          </a:p>
+          <a:p>
+            <a:pPr marL="514350" marR="0" lvl="0" indent="-514350" algn="l" defTabSz="457200" rtl="0" eaLnBrk="1" fontAlgn="auto" latinLnBrk="0" hangingPunct="1">
+              <a:lnSpc>
+                <a:spcPct val="100000"/>
+              </a:lnSpc>
+              <a:spcBef>
+                <a:spcPct val="20000"/>
+              </a:spcBef>
+              <a:spcAft>
+                <a:spcPts val="0"/>
+              </a:spcAft>
+              <a:buClrTx/>
+              <a:buSzTx/>
+              <a:buFont typeface="Arial"/>
+              <a:buNone/>
+              <a:tabLst/>
+              <a:defRPr/>
+            </a:pPr>
+            <a:endParaRPr kumimoji="0" lang="en-US" sz="3200" b="0" i="0" u="none" strike="noStrike" kern="1200" cap="none" spc="0" normalizeH="0" baseline="0" noProof="0" dirty="0" smtClean="0">
+              <a:ln>
+                <a:noFill/>
+              </a:ln>
+              <a:solidFill>
+                <a:schemeClr val="tx1"/>
+              </a:solidFill>
+              <a:effectLst/>
+              <a:uLnTx/>
+              <a:uFillTx/>
+              <a:latin typeface="+mn-lt"/>
+              <a:ea typeface="+mn-ea"/>
+              <a:cs typeface="+mn-cs"/>
+            </a:endParaRPr>
+          </a:p>
+          <a:p>
+            <a:pPr marL="514350" marR="0" lvl="0" indent="-514350" algn="l" defTabSz="457200" rtl="0" eaLnBrk="1" fontAlgn="auto" latinLnBrk="0" hangingPunct="1">
+              <a:lnSpc>
+                <a:spcPct val="100000"/>
+              </a:lnSpc>
+              <a:spcBef>
+                <a:spcPct val="20000"/>
+              </a:spcBef>
+              <a:spcAft>
+                <a:spcPts val="0"/>
+              </a:spcAft>
+              <a:buClrTx/>
+              <a:buSzTx/>
+              <a:buFont typeface="Arial"/>
+              <a:buNone/>
+              <a:tabLst/>
+              <a:defRPr/>
+            </a:pPr>
+            <a:endParaRPr kumimoji="0" lang="en-US" sz="3200" b="0" i="0" u="none" strike="noStrike" kern="1200" cap="none" spc="0" normalizeH="0" baseline="0" noProof="0" dirty="0" smtClean="0">
+              <a:ln>
+                <a:noFill/>
+              </a:ln>
+              <a:solidFill>
+                <a:schemeClr val="tx1"/>
+              </a:solidFill>
+              <a:effectLst/>
+              <a:uLnTx/>
+              <a:uFillTx/>
+              <a:latin typeface="+mn-lt"/>
+              <a:ea typeface="+mn-ea"/>
+              <a:cs typeface="+mn-cs"/>
+            </a:endParaRPr>
+          </a:p>
+          <a:p>
+            <a:pPr marL="514350" marR="0" lvl="0" indent="-514350" algn="l" defTabSz="457200" rtl="0" eaLnBrk="1" fontAlgn="auto" latinLnBrk="0" hangingPunct="1">
+              <a:lnSpc>
+                <a:spcPct val="100000"/>
+              </a:lnSpc>
+              <a:spcBef>
+                <a:spcPct val="20000"/>
+              </a:spcBef>
+              <a:spcAft>
+                <a:spcPts val="0"/>
+              </a:spcAft>
+              <a:buClrTx/>
+              <a:buSzTx/>
+              <a:buFont typeface="Arial"/>
+              <a:buNone/>
+              <a:tabLst/>
+              <a:defRPr/>
+            </a:pPr>
+            <a:endParaRPr kumimoji="0" lang="en-US" sz="3200" b="0" i="0" u="none" strike="noStrike" kern="1200" cap="none" spc="0" normalizeH="0" baseline="0" noProof="0" dirty="0" smtClean="0">
+              <a:ln>
+                <a:noFill/>
+              </a:ln>
+              <a:solidFill>
+                <a:schemeClr val="tx1"/>
+              </a:solidFill>
+              <a:effectLst/>
+              <a:uLnTx/>
+              <a:uFillTx/>
+              <a:latin typeface="+mn-lt"/>
+              <a:ea typeface="+mn-ea"/>
+              <a:cs typeface="+mn-cs"/>
+            </a:endParaRPr>
+          </a:p>
+          <a:p>
+            <a:pPr marL="514350" marR="0" lvl="0" indent="-514350" algn="l" defTabSz="457200" rtl="0" eaLnBrk="1" fontAlgn="auto" latinLnBrk="0" hangingPunct="1">
+              <a:lnSpc>
+                <a:spcPct val="100000"/>
+              </a:lnSpc>
+              <a:spcBef>
+                <a:spcPct val="20000"/>
+              </a:spcBef>
+              <a:spcAft>
+                <a:spcPts val="0"/>
+              </a:spcAft>
+              <a:buClrTx/>
+              <a:buSzTx/>
+              <a:buFont typeface="Arial"/>
+              <a:buNone/>
+              <a:tabLst/>
+              <a:defRPr/>
+            </a:pPr>
+            <a:endParaRPr kumimoji="0" lang="en-US" sz="3200" b="0" i="0" u="none" strike="noStrike" kern="1200" cap="none" spc="0" normalizeH="0" baseline="0" noProof="0" dirty="0" smtClean="0">
+              <a:ln>
+                <a:noFill/>
+              </a:ln>
+              <a:solidFill>
+                <a:schemeClr val="tx1"/>
+              </a:solidFill>
+              <a:effectLst/>
+              <a:uLnTx/>
+              <a:uFillTx/>
+              <a:latin typeface="+mn-lt"/>
+              <a:ea typeface="+mn-ea"/>
+              <a:cs typeface="+mn-cs"/>
+            </a:endParaRPr>
+          </a:p>
+          <a:p>
+            <a:pPr marL="514350" marR="0" lvl="0" indent="-514350" algn="l" defTabSz="457200" rtl="0" eaLnBrk="1" fontAlgn="auto" latinLnBrk="0" hangingPunct="1">
+              <a:lnSpc>
+                <a:spcPct val="100000"/>
+              </a:lnSpc>
+              <a:spcBef>
+                <a:spcPct val="20000"/>
+              </a:spcBef>
+              <a:spcAft>
+                <a:spcPts val="0"/>
+              </a:spcAft>
+              <a:buClrTx/>
+              <a:buSzTx/>
+              <a:buFont typeface="Arial"/>
+              <a:buNone/>
+              <a:tabLst/>
+              <a:defRPr/>
+            </a:pPr>
+            <a:endParaRPr kumimoji="0" lang="en-US" sz="3200" b="0" i="0" u="none" strike="noStrike" kern="1200" cap="none" spc="0" normalizeH="0" baseline="0" noProof="0" dirty="0" smtClean="0">
+              <a:ln>
+                <a:noFill/>
+              </a:ln>
+              <a:solidFill>
+                <a:schemeClr val="tx1"/>
+              </a:solidFill>
+              <a:effectLst/>
+              <a:uLnTx/>
+              <a:uFillTx/>
+              <a:latin typeface="+mn-lt"/>
+              <a:ea typeface="+mn-ea"/>
+              <a:cs typeface="+mn-cs"/>
+            </a:endParaRPr>
+          </a:p>
+          <a:p>
+            <a:pPr marL="514350" marR="0" lvl="0" indent="-514350" algn="l" defTabSz="457200" rtl="0" eaLnBrk="1" fontAlgn="auto" latinLnBrk="0" hangingPunct="1">
+              <a:lnSpc>
+                <a:spcPct val="100000"/>
+              </a:lnSpc>
+              <a:spcBef>
+                <a:spcPct val="20000"/>
+              </a:spcBef>
+              <a:spcAft>
+                <a:spcPts val="0"/>
+              </a:spcAft>
+              <a:buClrTx/>
+              <a:buSzTx/>
+              <a:buFont typeface="Arial"/>
+              <a:buAutoNum type="arabicParenR"/>
+              <a:tabLst/>
+              <a:defRPr/>
+            </a:pPr>
+            <a:endParaRPr kumimoji="0" lang="en-US" sz="3200" b="0" i="0" u="none" strike="noStrike" kern="1200" cap="none" spc="0" normalizeH="0" baseline="0" noProof="0" dirty="0" smtClean="0">
+              <a:ln>
+                <a:noFill/>
+              </a:ln>
+              <a:solidFill>
+                <a:schemeClr val="tx1"/>
+              </a:solidFill>
+              <a:effectLst/>
+              <a:uLnTx/>
+              <a:uFillTx/>
+              <a:latin typeface="+mn-lt"/>
+              <a:ea typeface="+mn-ea"/>
+              <a:cs typeface="+mn-cs"/>
+            </a:endParaRPr>
+          </a:p>
+          <a:p>
+            <a:pPr marL="514350" marR="0" lvl="0" indent="-514350" algn="l" defTabSz="457200" rtl="0" eaLnBrk="1" fontAlgn="auto" latinLnBrk="0" hangingPunct="1">
+              <a:lnSpc>
+                <a:spcPct val="100000"/>
+              </a:lnSpc>
+              <a:spcBef>
+                <a:spcPct val="20000"/>
+              </a:spcBef>
+              <a:spcAft>
+                <a:spcPts val="0"/>
+              </a:spcAft>
+              <a:buClrTx/>
+              <a:buSzTx/>
+              <a:buFont typeface="Arial"/>
+              <a:buAutoNum type="arabicParenR"/>
+              <a:tabLst/>
+              <a:defRPr/>
+            </a:pPr>
+            <a:endParaRPr kumimoji="0" lang="en-US" sz="3200" b="0" i="0" u="none" strike="noStrike" kern="1200" cap="none" spc="0" normalizeH="0" baseline="0" noProof="0" dirty="0" smtClean="0">
+              <a:ln>
+                <a:noFill/>
+              </a:ln>
+              <a:solidFill>
+                <a:schemeClr val="tx1"/>
+              </a:solidFill>
+              <a:effectLst/>
+              <a:uLnTx/>
+              <a:uFillTx/>
+              <a:latin typeface="+mn-lt"/>
+              <a:ea typeface="+mn-ea"/>
+              <a:cs typeface="+mn-cs"/>
+            </a:endParaRPr>
+          </a:p>
+          <a:p>
+            <a:pPr marL="514350" marR="0" lvl="0" indent="-514350" algn="l" defTabSz="457200" rtl="0" eaLnBrk="1" fontAlgn="auto" latinLnBrk="0" hangingPunct="1">
+              <a:lnSpc>
+                <a:spcPct val="100000"/>
+              </a:lnSpc>
+              <a:spcBef>
+                <a:spcPct val="20000"/>
+              </a:spcBef>
+              <a:spcAft>
+                <a:spcPts val="0"/>
+              </a:spcAft>
+              <a:buClrTx/>
+              <a:buSzTx/>
+              <a:buFont typeface="Arial"/>
+              <a:buAutoNum type="arabicParenR"/>
+              <a:tabLst/>
+              <a:defRPr/>
+            </a:pPr>
+            <a:endParaRPr kumimoji="0" lang="en-US" sz="3200" b="0" i="0" u="none" strike="noStrike" kern="1200" cap="none" spc="0" normalizeH="0" baseline="0" noProof="0" dirty="0" smtClean="0">
+              <a:ln>
+                <a:noFill/>
+              </a:ln>
+              <a:solidFill>
+                <a:schemeClr val="tx1"/>
+              </a:solidFill>
+              <a:effectLst/>
+              <a:uLnTx/>
+              <a:uFillTx/>
+              <a:latin typeface="+mn-lt"/>
+              <a:ea typeface="+mn-ea"/>
+              <a:cs typeface="+mn-cs"/>
+            </a:endParaRPr>
+          </a:p>
+          <a:p>
+            <a:pPr marL="514350" marR="0" lvl="0" indent="-514350" algn="l" defTabSz="457200" rtl="0" eaLnBrk="1" fontAlgn="auto" latinLnBrk="0" hangingPunct="1">
+              <a:lnSpc>
+                <a:spcPct val="100000"/>
+              </a:lnSpc>
+              <a:spcBef>
+                <a:spcPct val="20000"/>
+              </a:spcBef>
+              <a:spcAft>
+                <a:spcPts val="0"/>
+              </a:spcAft>
+              <a:buClrTx/>
+              <a:buSzTx/>
+              <a:buFont typeface="Arial"/>
+              <a:buAutoNum type="arabicParenR"/>
+              <a:tabLst/>
+              <a:defRPr/>
+            </a:pPr>
+            <a:endParaRPr kumimoji="0" lang="en-US" sz="3200" b="0" i="0" u="none" strike="noStrike" kern="1200" cap="none" spc="0" normalizeH="0" baseline="0" noProof="0" dirty="0" smtClean="0">
+              <a:ln>
+                <a:noFill/>
+              </a:ln>
+              <a:solidFill>
+                <a:schemeClr val="tx1"/>
+              </a:solidFill>
+              <a:effectLst/>
+              <a:uLnTx/>
+              <a:uFillTx/>
+              <a:latin typeface="+mn-lt"/>
+              <a:ea typeface="+mn-ea"/>
+              <a:cs typeface="+mn-cs"/>
+            </a:endParaRPr>
+          </a:p>
+          <a:p>
+            <a:pPr marL="514350" marR="0" lvl="0" indent="-514350" algn="l" defTabSz="457200" rtl="0" eaLnBrk="1" fontAlgn="auto" latinLnBrk="0" hangingPunct="1">
+              <a:lnSpc>
+                <a:spcPct val="100000"/>
+              </a:lnSpc>
+              <a:spcBef>
+                <a:spcPct val="20000"/>
+              </a:spcBef>
+              <a:spcAft>
+                <a:spcPts val="0"/>
+              </a:spcAft>
+              <a:buClrTx/>
+              <a:buSzTx/>
+              <a:buFont typeface="Arial"/>
+              <a:buAutoNum type="arabicParenR"/>
+              <a:tabLst/>
+              <a:defRPr/>
+            </a:pPr>
+            <a:endParaRPr kumimoji="0" lang="en-US" sz="3200" b="0" i="0" u="none" strike="noStrike" kern="1200" cap="none" spc="0" normalizeH="0" baseline="0" noProof="0" dirty="0" smtClean="0">
+              <a:ln>
+                <a:noFill/>
+              </a:ln>
+              <a:solidFill>
+                <a:schemeClr val="tx1"/>
+              </a:solidFill>
+              <a:effectLst/>
+              <a:uLnTx/>
+              <a:uFillTx/>
+              <a:latin typeface="+mn-lt"/>
+              <a:ea typeface="+mn-ea"/>
+              <a:cs typeface="+mn-cs"/>
+            </a:endParaRPr>
+          </a:p>
+          <a:p>
+            <a:pPr marL="514350" marR="0" lvl="0" indent="-514350" algn="l" defTabSz="457200" rtl="0" eaLnBrk="1" fontAlgn="auto" latinLnBrk="0" hangingPunct="1">
+              <a:lnSpc>
+                <a:spcPct val="100000"/>
+              </a:lnSpc>
+              <a:spcBef>
+                <a:spcPct val="20000"/>
+              </a:spcBef>
+              <a:spcAft>
+                <a:spcPts val="0"/>
+              </a:spcAft>
+              <a:buClrTx/>
+              <a:buSzTx/>
+              <a:buFont typeface="Arial"/>
+              <a:buAutoNum type="arabicParenR"/>
+              <a:tabLst/>
+              <a:defRPr/>
+            </a:pPr>
+            <a:endParaRPr kumimoji="0" lang="en-US" sz="3200" b="1" i="0" u="none" strike="noStrike" kern="1200" cap="none" spc="0" normalizeH="0" baseline="0" noProof="0" dirty="0" smtClean="0">
+              <a:ln>
+                <a:noFill/>
+              </a:ln>
+              <a:solidFill>
+                <a:schemeClr val="tx1"/>
+              </a:solidFill>
+              <a:effectLst/>
+              <a:uLnTx/>
+              <a:uFillTx/>
+              <a:latin typeface="+mn-lt"/>
+              <a:ea typeface="+mn-ea"/>
+              <a:cs typeface="+mn-cs"/>
+            </a:endParaRPr>
+          </a:p>
+          <a:p>
+            <a:pPr marL="1600200" marR="0" lvl="3" indent="-228600" algn="l" defTabSz="457200" rtl="0" eaLnBrk="1" fontAlgn="auto" latinLnBrk="0" hangingPunct="1">
+              <a:lnSpc>
+                <a:spcPct val="100000"/>
+              </a:lnSpc>
+              <a:spcBef>
+                <a:spcPct val="20000"/>
+              </a:spcBef>
+              <a:spcAft>
+                <a:spcPts val="0"/>
+              </a:spcAft>
+              <a:buClrTx/>
+              <a:buSzTx/>
+              <a:buFont typeface="Arial"/>
+              <a:buNone/>
+              <a:tabLst/>
+              <a:defRPr/>
+            </a:pPr>
+            <a:endParaRPr kumimoji="0" lang="en-US" sz="2000" b="0" i="0" u="none" strike="noStrike" kern="1200" cap="none" spc="0" normalizeH="0" baseline="0" noProof="0" dirty="0" smtClean="0">
+              <a:ln>
+                <a:noFill/>
+              </a:ln>
+              <a:solidFill>
+                <a:schemeClr val="tx1"/>
+              </a:solidFill>
+              <a:effectLst/>
+              <a:uLnTx/>
+              <a:uFillTx/>
+              <a:latin typeface="+mn-lt"/>
+              <a:ea typeface="+mn-ea"/>
+              <a:cs typeface="+mn-cs"/>
+            </a:endParaRPr>
+          </a:p>
+          <a:p>
+            <a:pPr marL="742950" marR="0" lvl="1" indent="-285750" algn="l" defTabSz="457200" rtl="0" eaLnBrk="1" fontAlgn="auto" latinLnBrk="0" hangingPunct="1">
+              <a:lnSpc>
+                <a:spcPct val="100000"/>
+              </a:lnSpc>
+              <a:spcBef>
+                <a:spcPct val="20000"/>
+              </a:spcBef>
+              <a:spcAft>
+                <a:spcPts val="0"/>
+              </a:spcAft>
+              <a:buClrTx/>
+              <a:buSzTx/>
+              <a:buFont typeface="Arial"/>
+              <a:buNone/>
+              <a:tabLst/>
+              <a:defRPr/>
+            </a:pPr>
+            <a:endParaRPr kumimoji="0" lang="en-US" sz="2800" b="0" i="0" u="none" strike="noStrike" kern="1200" cap="none" spc="0" normalizeH="0" baseline="0" noProof="0" dirty="0" smtClean="0">
+              <a:ln>
+                <a:noFill/>
+              </a:ln>
+              <a:solidFill>
+                <a:schemeClr val="tx1"/>
+              </a:solidFill>
+              <a:effectLst/>
+              <a:uLnTx/>
+              <a:uFillTx/>
+              <a:latin typeface="+mn-lt"/>
+              <a:ea typeface="+mn-ea"/>
+              <a:cs typeface="+mn-cs"/>
+            </a:endParaRPr>
+          </a:p>
+          <a:p>
+            <a:pPr marL="742950" marR="0" lvl="1" indent="-285750" algn="l" defTabSz="457200" rtl="0" eaLnBrk="1" fontAlgn="auto" latinLnBrk="0" hangingPunct="1">
+              <a:lnSpc>
+                <a:spcPct val="100000"/>
+              </a:lnSpc>
+              <a:spcBef>
+                <a:spcPct val="20000"/>
+              </a:spcBef>
+              <a:spcAft>
+                <a:spcPts val="0"/>
+              </a:spcAft>
+              <a:buClrTx/>
+              <a:buSzTx/>
+              <a:buFont typeface="Arial"/>
+              <a:buNone/>
+              <a:tabLst/>
+              <a:defRPr/>
+            </a:pPr>
+            <a:endParaRPr kumimoji="0" lang="en-US" sz="2800" b="0" i="0" u="none" strike="noStrike" kern="1200" cap="none" spc="0" normalizeH="0" baseline="0" noProof="0" dirty="0" smtClean="0">
+              <a:ln>
+                <a:noFill/>
+              </a:ln>
+              <a:solidFill>
+                <a:schemeClr val="tx1"/>
+              </a:solidFill>
+              <a:effectLst/>
+              <a:uLnTx/>
+              <a:uFillTx/>
+              <a:latin typeface="+mn-lt"/>
+              <a:ea typeface="+mn-ea"/>
+              <a:cs typeface="+mn-cs"/>
+            </a:endParaRPr>
+          </a:p>
+        </p:txBody>
+      </p:sp>
+      <p:sp>
+        <p:nvSpPr>
+          <p:cNvPr id="13" name="Content Placeholder 12"/>
+          <p:cNvSpPr>
+            <a:spLocks noGrp="1"/>
+          </p:cNvSpPr>
+          <p:nvPr>
+            <p:ph idx="1"/>
+          </p:nvPr>
+        </p:nvSpPr>
+        <p:spPr>
+          <a:xfrm>
+            <a:off x="457200" y="901918"/>
+            <a:ext cx="8572080" cy="5130669"/>
+          </a:xfrm>
+        </p:spPr>
+        <p:txBody>
+          <a:bodyPr/>
+          <a:lstStyle/>
+          <a:p>
+            <a:pPr>
+              <a:buNone/>
+            </a:pPr>
+            <a:r>
+              <a:rPr lang="en-US" dirty="0" smtClean="0"/>
+              <a:t>1) Align eagle-</a:t>
+            </a:r>
+            <a:r>
+              <a:rPr lang="en-US" dirty="0" err="1" smtClean="0"/>
+              <a:t>i</a:t>
+            </a:r>
+            <a:r>
+              <a:rPr lang="en-US" dirty="0" smtClean="0"/>
+              <a:t> instruments with OBI devices</a:t>
+            </a:r>
+            <a:endParaRPr lang="en-US" dirty="0"/>
+          </a:p>
+        </p:txBody>
+      </p:sp>
     </p:spTree>
   </p:cSld>
   <p:clrMapOvr>
